--- a/_slides/Generative AI for East Asian Studies_use cases.pptx
+++ b/_slides/Generative AI for East Asian Studies_use cases.pptx
@@ -516,7 +516,7 @@
           <a:p>
             <a:fld id="{AF54A7A0-DFCC-41AE-90DB-6C15F128ED63}" type="datetimeFigureOut">
               <a:rPr lang="en-US" smtClean="0"/>
-              <a:t>4/13/2023</a:t>
+              <a:t>4/14/2023</a:t>
             </a:fld>
             <a:endParaRPr lang="en-US"/>
           </a:p>
@@ -714,7 +714,7 @@
           <a:p>
             <a:fld id="{AF54A7A0-DFCC-41AE-90DB-6C15F128ED63}" type="datetimeFigureOut">
               <a:rPr lang="en-US" smtClean="0"/>
-              <a:t>4/13/2023</a:t>
+              <a:t>4/14/2023</a:t>
             </a:fld>
             <a:endParaRPr lang="en-US"/>
           </a:p>
@@ -922,7 +922,7 @@
           <a:p>
             <a:fld id="{AF54A7A0-DFCC-41AE-90DB-6C15F128ED63}" type="datetimeFigureOut">
               <a:rPr lang="en-US" smtClean="0"/>
-              <a:t>4/13/2023</a:t>
+              <a:t>4/14/2023</a:t>
             </a:fld>
             <a:endParaRPr lang="en-US"/>
           </a:p>
@@ -1120,7 +1120,7 @@
           <a:p>
             <a:fld id="{AF54A7A0-DFCC-41AE-90DB-6C15F128ED63}" type="datetimeFigureOut">
               <a:rPr lang="en-US" smtClean="0"/>
-              <a:t>4/13/2023</a:t>
+              <a:t>4/14/2023</a:t>
             </a:fld>
             <a:endParaRPr lang="en-US"/>
           </a:p>
@@ -1395,7 +1395,7 @@
           <a:p>
             <a:fld id="{AF54A7A0-DFCC-41AE-90DB-6C15F128ED63}" type="datetimeFigureOut">
               <a:rPr lang="en-US" smtClean="0"/>
-              <a:t>4/13/2023</a:t>
+              <a:t>4/14/2023</a:t>
             </a:fld>
             <a:endParaRPr lang="en-US"/>
           </a:p>
@@ -1660,7 +1660,7 @@
           <a:p>
             <a:fld id="{AF54A7A0-DFCC-41AE-90DB-6C15F128ED63}" type="datetimeFigureOut">
               <a:rPr lang="en-US" smtClean="0"/>
-              <a:t>4/13/2023</a:t>
+              <a:t>4/14/2023</a:t>
             </a:fld>
             <a:endParaRPr lang="en-US"/>
           </a:p>
@@ -2072,7 +2072,7 @@
           <a:p>
             <a:fld id="{AF54A7A0-DFCC-41AE-90DB-6C15F128ED63}" type="datetimeFigureOut">
               <a:rPr lang="en-US" smtClean="0"/>
-              <a:t>4/13/2023</a:t>
+              <a:t>4/14/2023</a:t>
             </a:fld>
             <a:endParaRPr lang="en-US"/>
           </a:p>
@@ -2213,7 +2213,7 @@
           <a:p>
             <a:fld id="{AF54A7A0-DFCC-41AE-90DB-6C15F128ED63}" type="datetimeFigureOut">
               <a:rPr lang="en-US" smtClean="0"/>
-              <a:t>4/13/2023</a:t>
+              <a:t>4/14/2023</a:t>
             </a:fld>
             <a:endParaRPr lang="en-US"/>
           </a:p>
@@ -2326,7 +2326,7 @@
           <a:p>
             <a:fld id="{AF54A7A0-DFCC-41AE-90DB-6C15F128ED63}" type="datetimeFigureOut">
               <a:rPr lang="en-US" smtClean="0"/>
-              <a:t>4/13/2023</a:t>
+              <a:t>4/14/2023</a:t>
             </a:fld>
             <a:endParaRPr lang="en-US"/>
           </a:p>
@@ -2637,7 +2637,7 @@
           <a:p>
             <a:fld id="{AF54A7A0-DFCC-41AE-90DB-6C15F128ED63}" type="datetimeFigureOut">
               <a:rPr lang="en-US" smtClean="0"/>
-              <a:t>4/13/2023</a:t>
+              <a:t>4/14/2023</a:t>
             </a:fld>
             <a:endParaRPr lang="en-US"/>
           </a:p>
@@ -2925,7 +2925,7 @@
           <a:p>
             <a:fld id="{AF54A7A0-DFCC-41AE-90DB-6C15F128ED63}" type="datetimeFigureOut">
               <a:rPr lang="en-US" smtClean="0"/>
-              <a:t>4/13/2023</a:t>
+              <a:t>4/14/2023</a:t>
             </a:fld>
             <a:endParaRPr lang="en-US"/>
           </a:p>
@@ -3166,7 +3166,7 @@
           <a:p>
             <a:fld id="{AF54A7A0-DFCC-41AE-90DB-6C15F128ED63}" type="datetimeFigureOut">
               <a:rPr lang="en-US" smtClean="0"/>
-              <a:t>4/13/2023</a:t>
+              <a:t>4/14/2023</a:t>
             </a:fld>
             <a:endParaRPr lang="en-US"/>
           </a:p>
@@ -3639,10 +3639,7 @@
           <a:bodyPr/>
           <a:lstStyle/>
           <a:p>
-            <a:r>
-              <a:rPr lang="en-US" dirty="0"/>
-              <a:t>Hongsu Wang</a:t>
-            </a:r>
+            <a:endParaRPr lang="en-US" dirty="0"/>
           </a:p>
         </p:txBody>
       </p:sp>
@@ -11992,8 +11989,8 @@
           </a:ln>
         </p:spPr>
       </p:pic>
-      <mc:AlternateContent xmlns:mc="http://schemas.openxmlformats.org/markup-compatibility/2006">
-        <mc:Choice xmlns:p14="http://schemas.microsoft.com/office/powerpoint/2010/main" Requires="p14">
+      <mc:AlternateContent xmlns:mc="http://schemas.openxmlformats.org/markup-compatibility/2006" xmlns:p14="http://schemas.microsoft.com/office/powerpoint/2010/main">
+        <mc:Choice Requires="p14">
           <p:contentPart p14:bwMode="auto" r:id="rId4">
             <p14:nvContentPartPr>
               <p14:cNvPr id="28" name="Ink 27">
@@ -12012,7 +12009,7 @@
             </p14:xfrm>
           </p:contentPart>
         </mc:Choice>
-        <mc:Fallback>
+        <mc:Fallback xmlns="">
           <p:pic>
             <p:nvPicPr>
               <p:cNvPr id="28" name="Ink 27">
@@ -12043,8 +12040,8 @@
           </p:pic>
         </mc:Fallback>
       </mc:AlternateContent>
-      <mc:AlternateContent xmlns:mc="http://schemas.openxmlformats.org/markup-compatibility/2006">
-        <mc:Choice xmlns:p14="http://schemas.microsoft.com/office/powerpoint/2010/main" Requires="p14">
+      <mc:AlternateContent xmlns:mc="http://schemas.openxmlformats.org/markup-compatibility/2006" xmlns:p14="http://schemas.microsoft.com/office/powerpoint/2010/main">
+        <mc:Choice Requires="p14">
           <p:contentPart p14:bwMode="auto" r:id="rId6">
             <p14:nvContentPartPr>
               <p14:cNvPr id="32" name="Ink 31">
@@ -12063,7 +12060,7 @@
             </p14:xfrm>
           </p:contentPart>
         </mc:Choice>
-        <mc:Fallback>
+        <mc:Fallback xmlns="">
           <p:pic>
             <p:nvPicPr>
               <p:cNvPr id="32" name="Ink 31">
@@ -12094,8 +12091,8 @@
           </p:pic>
         </mc:Fallback>
       </mc:AlternateContent>
-      <mc:AlternateContent xmlns:mc="http://schemas.openxmlformats.org/markup-compatibility/2006">
-        <mc:Choice xmlns:p14="http://schemas.microsoft.com/office/powerpoint/2010/main" Requires="p14">
+      <mc:AlternateContent xmlns:mc="http://schemas.openxmlformats.org/markup-compatibility/2006" xmlns:p14="http://schemas.microsoft.com/office/powerpoint/2010/main">
+        <mc:Choice Requires="p14">
           <p:contentPart p14:bwMode="auto" r:id="rId8">
             <p14:nvContentPartPr>
               <p14:cNvPr id="33" name="Ink 32">
@@ -12114,7 +12111,7 @@
             </p14:xfrm>
           </p:contentPart>
         </mc:Choice>
-        <mc:Fallback>
+        <mc:Fallback xmlns="">
           <p:pic>
             <p:nvPicPr>
               <p:cNvPr id="33" name="Ink 32">
@@ -12145,8 +12142,8 @@
           </p:pic>
         </mc:Fallback>
       </mc:AlternateContent>
-      <mc:AlternateContent xmlns:mc="http://schemas.openxmlformats.org/markup-compatibility/2006">
-        <mc:Choice xmlns:p14="http://schemas.microsoft.com/office/powerpoint/2010/main" Requires="p14">
+      <mc:AlternateContent xmlns:mc="http://schemas.openxmlformats.org/markup-compatibility/2006" xmlns:p14="http://schemas.microsoft.com/office/powerpoint/2010/main">
+        <mc:Choice Requires="p14">
           <p:contentPart p14:bwMode="auto" r:id="rId9">
             <p14:nvContentPartPr>
               <p14:cNvPr id="34" name="Ink 33">
@@ -12165,7 +12162,7 @@
             </p14:xfrm>
           </p:contentPart>
         </mc:Choice>
-        <mc:Fallback>
+        <mc:Fallback xmlns="">
           <p:pic>
             <p:nvPicPr>
               <p:cNvPr id="34" name="Ink 33">
@@ -14942,7 +14939,7 @@
         <p:spPr/>
         <p:txBody>
           <a:bodyPr>
-            <a:normAutofit fontScale="92500"/>
+            <a:normAutofit/>
           </a:bodyPr>
           <a:lstStyle/>
           <a:p>
@@ -15034,47 +15031,6 @@
             <a:r>
               <a:rPr lang="en-US" b="1" u="sng" dirty="0"/>
               <a:t>Overlay the regression line on the line chart.</a:t>
-            </a:r>
-          </a:p>
-          <a:p>
-            <a:pPr marL="0" indent="0">
-              <a:buNone/>
-            </a:pPr>
-            <a:r>
-              <a:rPr lang="en-US" dirty="0"/>
-              <a:t>3. Display the regression function, n, </a:t>
-            </a:r>
-            <a:r>
-              <a:rPr lang="en-US" dirty="0" err="1"/>
-              <a:t>x_sum</a:t>
-            </a:r>
-            <a:r>
-              <a:rPr lang="en-US" dirty="0"/>
-              <a:t>, </a:t>
-            </a:r>
-            <a:r>
-              <a:rPr lang="en-US" dirty="0" err="1"/>
-              <a:t>y_sum</a:t>
-            </a:r>
-            <a:r>
-              <a:rPr lang="en-US" dirty="0"/>
-              <a:t>, </a:t>
-            </a:r>
-            <a:r>
-              <a:rPr lang="en-US" dirty="0" err="1"/>
-              <a:t>xx_sum</a:t>
-            </a:r>
-            <a:r>
-              <a:rPr lang="en-US" dirty="0"/>
-              <a:t>, </a:t>
-            </a:r>
-            <a:r>
-              <a:rPr lang="en-US" dirty="0" err="1"/>
-              <a:t>xy_sum</a:t>
-            </a:r>
-            <a:r>
-              <a:rPr lang="en-US" dirty="0"/>
-              <a:t> on the page. </a:t>
             </a:r>
           </a:p>
         </p:txBody>
@@ -16752,8 +16708,8 @@
           </a:prstGeom>
         </p:spPr>
       </p:pic>
-      <mc:AlternateContent xmlns:mc="http://schemas.openxmlformats.org/markup-compatibility/2006">
-        <mc:Choice xmlns:p14="http://schemas.microsoft.com/office/powerpoint/2010/main" Requires="p14">
+      <mc:AlternateContent xmlns:mc="http://schemas.openxmlformats.org/markup-compatibility/2006" xmlns:p14="http://schemas.microsoft.com/office/powerpoint/2010/main">
+        <mc:Choice Requires="p14">
           <p:contentPart p14:bwMode="auto" r:id="rId3">
             <p14:nvContentPartPr>
               <p14:cNvPr id="8" name="Ink 7">
@@ -16772,7 +16728,7 @@
             </p14:xfrm>
           </p:contentPart>
         </mc:Choice>
-        <mc:Fallback>
+        <mc:Fallback xmlns="">
           <p:pic>
             <p:nvPicPr>
               <p:cNvPr id="8" name="Ink 7">
@@ -16997,8 +16953,8 @@
           </a:prstGeom>
         </p:spPr>
       </p:pic>
-      <mc:AlternateContent xmlns:mc="http://schemas.openxmlformats.org/markup-compatibility/2006">
-        <mc:Choice xmlns:p14="http://schemas.microsoft.com/office/powerpoint/2010/main" Requires="p14">
+      <mc:AlternateContent xmlns:mc="http://schemas.openxmlformats.org/markup-compatibility/2006" xmlns:p14="http://schemas.microsoft.com/office/powerpoint/2010/main">
+        <mc:Choice Requires="p14">
           <p:contentPart p14:bwMode="auto" r:id="rId3">
             <p14:nvContentPartPr>
               <p14:cNvPr id="6" name="Ink 5">
@@ -17017,7 +16973,7 @@
             </p14:xfrm>
           </p:contentPart>
         </mc:Choice>
-        <mc:Fallback>
+        <mc:Fallback xmlns="">
           <p:pic>
             <p:nvPicPr>
               <p:cNvPr id="6" name="Ink 5">

--- a/_slides/Generative AI for East Asian Studies_use cases.pptx
+++ b/_slides/Generative AI for East Asian Studies_use cases.pptx
@@ -69,31 +69,25 @@
     <p:sldId id="318" r:id="rId63"/>
     <p:sldId id="319" r:id="rId64"/>
     <p:sldId id="320" r:id="rId65"/>
-    <p:sldId id="321" r:id="rId66"/>
-    <p:sldId id="323" r:id="rId67"/>
-    <p:sldId id="324" r:id="rId68"/>
-    <p:sldId id="325" r:id="rId69"/>
-    <p:sldId id="326" r:id="rId70"/>
-    <p:sldId id="327" r:id="rId71"/>
-    <p:sldId id="329" r:id="rId72"/>
-    <p:sldId id="328" r:id="rId73"/>
-    <p:sldId id="330" r:id="rId74"/>
-    <p:sldId id="331" r:id="rId75"/>
-    <p:sldId id="332" r:id="rId76"/>
-    <p:sldId id="335" r:id="rId77"/>
-    <p:sldId id="334" r:id="rId78"/>
-    <p:sldId id="333" r:id="rId79"/>
-    <p:sldId id="339" r:id="rId80"/>
-    <p:sldId id="336" r:id="rId81"/>
-    <p:sldId id="338" r:id="rId82"/>
-    <p:sldId id="337" r:id="rId83"/>
-    <p:sldId id="348" r:id="rId84"/>
-    <p:sldId id="349" r:id="rId85"/>
-    <p:sldId id="350" r:id="rId86"/>
-    <p:sldId id="351" r:id="rId87"/>
-    <p:sldId id="352" r:id="rId88"/>
-    <p:sldId id="262" r:id="rId89"/>
-    <p:sldId id="258" r:id="rId90"/>
+    <p:sldId id="329" r:id="rId66"/>
+    <p:sldId id="328" r:id="rId67"/>
+    <p:sldId id="330" r:id="rId68"/>
+    <p:sldId id="331" r:id="rId69"/>
+    <p:sldId id="332" r:id="rId70"/>
+    <p:sldId id="335" r:id="rId71"/>
+    <p:sldId id="334" r:id="rId72"/>
+    <p:sldId id="333" r:id="rId73"/>
+    <p:sldId id="339" r:id="rId74"/>
+    <p:sldId id="336" r:id="rId75"/>
+    <p:sldId id="338" r:id="rId76"/>
+    <p:sldId id="337" r:id="rId77"/>
+    <p:sldId id="348" r:id="rId78"/>
+    <p:sldId id="349" r:id="rId79"/>
+    <p:sldId id="350" r:id="rId80"/>
+    <p:sldId id="351" r:id="rId81"/>
+    <p:sldId id="352" r:id="rId82"/>
+    <p:sldId id="262" r:id="rId83"/>
+    <p:sldId id="258" r:id="rId84"/>
   </p:sldIdLst>
   <p:sldSz cx="12192000" cy="6858000"/>
   <p:notesSz cx="6858000" cy="9144000"/>
@@ -216,118 +210,6 @@
           <inkml:channelProperty channel="F" name="resolution" value="0" units="1/dev"/>
         </inkml:channelProperties>
       </inkml:inkSource>
-      <inkml:timestamp xml:id="ts0" timeString="2023-04-14T05:47:30.545"/>
-    </inkml:context>
-    <inkml:brush xml:id="br0">
-      <inkml:brushProperty name="width" value="0.35" units="cm"/>
-      <inkml:brushProperty name="height" value="0.35" units="cm"/>
-      <inkml:brushProperty name="color" value="#FF0066"/>
-    </inkml:brush>
-  </inkml:definitions>
-  <inkml:trace contextRef="#ctx0" brushRef="#br0">0 1 24575,'0'0'-8191</inkml:trace>
-</inkml:ink>
-</file>
-
-<file path=ppt/ink/ink2.xml><?xml version="1.0" encoding="utf-8"?>
-<inkml:ink xmlns:inkml="http://www.w3.org/2003/InkML">
-  <inkml:definitions>
-    <inkml:context xml:id="ctx0">
-      <inkml:inkSource xml:id="inkSrc0">
-        <inkml:traceFormat>
-          <inkml:channel name="X" type="integer" min="-2.14748E9" max="2.14748E9" units="cm"/>
-          <inkml:channel name="Y" type="integer" min="-2.14748E9" max="2.14748E9" units="cm"/>
-          <inkml:channel name="F" type="integer" max="32767" units="dev"/>
-        </inkml:traceFormat>
-        <inkml:channelProperties>
-          <inkml:channelProperty channel="X" name="resolution" value="1000" units="1/cm"/>
-          <inkml:channelProperty channel="Y" name="resolution" value="1000" units="1/cm"/>
-          <inkml:channelProperty channel="F" name="resolution" value="0" units="1/dev"/>
-        </inkml:channelProperties>
-      </inkml:inkSource>
-      <inkml:timestamp xml:id="ts0" timeString="2023-04-14T05:47:38.845"/>
-    </inkml:context>
-    <inkml:brush xml:id="br0">
-      <inkml:brushProperty name="width" value="0.35" units="cm"/>
-      <inkml:brushProperty name="height" value="0.35" units="cm"/>
-      <inkml:brushProperty name="color" value="#FF0066"/>
-    </inkml:brush>
-  </inkml:definitions>
-  <inkml:trace contextRef="#ctx0" brushRef="#br0">27 0 24575,'-12'161'0,"1"-32"0,7 475 0,5-344 0,1-237 0,0 1 0,2-1 0,0 0 0,2 0 0,14 38 0,-20-60 0,5 22 0,0-1 0,-2 1 0,0 0 0,-2 1 0,-1-1 0,-3 35 0,1-20 0,3 42 0,3-59-1365</inkml:trace>
-</inkml:ink>
-</file>
-
-<file path=ppt/ink/ink3.xml><?xml version="1.0" encoding="utf-8"?>
-<inkml:ink xmlns:inkml="http://www.w3.org/2003/InkML">
-  <inkml:definitions>
-    <inkml:context xml:id="ctx0">
-      <inkml:inkSource xml:id="inkSrc0">
-        <inkml:traceFormat>
-          <inkml:channel name="X" type="integer" min="-2.14748E9" max="2.14748E9" units="cm"/>
-          <inkml:channel name="Y" type="integer" min="-2.14748E9" max="2.14748E9" units="cm"/>
-          <inkml:channel name="F" type="integer" max="32767" units="dev"/>
-        </inkml:traceFormat>
-        <inkml:channelProperties>
-          <inkml:channelProperty channel="X" name="resolution" value="1000" units="1/cm"/>
-          <inkml:channelProperty channel="Y" name="resolution" value="1000" units="1/cm"/>
-          <inkml:channelProperty channel="F" name="resolution" value="0" units="1/dev"/>
-        </inkml:channelProperties>
-      </inkml:inkSource>
-      <inkml:timestamp xml:id="ts0" timeString="2023-04-14T05:47:39.633"/>
-    </inkml:context>
-    <inkml:brush xml:id="br0">
-      <inkml:brushProperty name="width" value="0.35" units="cm"/>
-      <inkml:brushProperty name="height" value="0.35" units="cm"/>
-      <inkml:brushProperty name="color" value="#FF0066"/>
-    </inkml:brush>
-  </inkml:definitions>
-  <inkml:trace contextRef="#ctx0" brushRef="#br0">1 1 24575,'0'0'-8191</inkml:trace>
-</inkml:ink>
-</file>
-
-<file path=ppt/ink/ink4.xml><?xml version="1.0" encoding="utf-8"?>
-<inkml:ink xmlns:inkml="http://www.w3.org/2003/InkML">
-  <inkml:definitions>
-    <inkml:context xml:id="ctx0">
-      <inkml:inkSource xml:id="inkSrc0">
-        <inkml:traceFormat>
-          <inkml:channel name="X" type="integer" min="-2.14748E9" max="2.14748E9" units="cm"/>
-          <inkml:channel name="Y" type="integer" min="-2.14748E9" max="2.14748E9" units="cm"/>
-          <inkml:channel name="F" type="integer" max="32767" units="dev"/>
-        </inkml:traceFormat>
-        <inkml:channelProperties>
-          <inkml:channelProperty channel="X" name="resolution" value="1000" units="1/cm"/>
-          <inkml:channelProperty channel="Y" name="resolution" value="1000" units="1/cm"/>
-          <inkml:channelProperty channel="F" name="resolution" value="0" units="1/dev"/>
-        </inkml:channelProperties>
-      </inkml:inkSource>
-      <inkml:timestamp xml:id="ts0" timeString="2023-04-14T05:47:41.587"/>
-    </inkml:context>
-    <inkml:brush xml:id="br0">
-      <inkml:brushProperty name="width" value="0.35" units="cm"/>
-      <inkml:brushProperty name="height" value="0.35" units="cm"/>
-      <inkml:brushProperty name="color" value="#FF0066"/>
-    </inkml:brush>
-  </inkml:definitions>
-  <inkml:trace contextRef="#ctx0" brushRef="#br0">1 1 24575,'0'1643'-1365</inkml:trace>
-</inkml:ink>
-</file>
-
-<file path=ppt/ink/ink5.xml><?xml version="1.0" encoding="utf-8"?>
-<inkml:ink xmlns:inkml="http://www.w3.org/2003/InkML">
-  <inkml:definitions>
-    <inkml:context xml:id="ctx0">
-      <inkml:inkSource xml:id="inkSrc0">
-        <inkml:traceFormat>
-          <inkml:channel name="X" type="integer" min="-2.14748E9" max="2.14748E9" units="cm"/>
-          <inkml:channel name="Y" type="integer" min="-2.14748E9" max="2.14748E9" units="cm"/>
-          <inkml:channel name="F" type="integer" max="32767" units="dev"/>
-        </inkml:traceFormat>
-        <inkml:channelProperties>
-          <inkml:channelProperty channel="X" name="resolution" value="1000" units="1/cm"/>
-          <inkml:channelProperty channel="Y" name="resolution" value="1000" units="1/cm"/>
-          <inkml:channelProperty channel="F" name="resolution" value="0" units="1/dev"/>
-        </inkml:channelProperties>
-      </inkml:inkSource>
       <inkml:timestamp xml:id="ts0" timeString="2023-04-14T06:50:21.769"/>
     </inkml:context>
     <inkml:brush xml:id="br0">
@@ -340,7 +222,7 @@
 </inkml:ink>
 </file>
 
-<file path=ppt/ink/ink6.xml><?xml version="1.0" encoding="utf-8"?>
+<file path=ppt/ink/ink2.xml><?xml version="1.0" encoding="utf-8"?>
 <inkml:ink xmlns:inkml="http://www.w3.org/2003/InkML">
   <inkml:definitions>
     <inkml:context xml:id="ctx0">
@@ -3847,7 +3729,7 @@
           <a:p>
             <a:r>
               <a:rPr lang="en-US" dirty="0"/>
-              <a:t>I have a list of missionary names in French. They lived in 16c to 18c. please clean the data for me, and give him their birth year, death year, their Chinese names, nationalities and writings(multiple writings should be separated by ;)</a:t>
+              <a:t>I have a list of missionary names in French. They lived in 16c to 18c. please clean the data for me, and give birth year, death year, their Chinese names, nationalities and writings(multiple writings should be separated by ;)</a:t>
             </a:r>
           </a:p>
           <a:p>
@@ -4882,7 +4764,7 @@
         </p:blipFill>
         <p:spPr>
           <a:xfrm>
-            <a:off x="9166319" y="248588"/>
+            <a:off x="9166319" y="365125"/>
             <a:ext cx="1565325" cy="6244287"/>
           </a:xfrm>
           <a:prstGeom prst="rect">
@@ -5496,7 +5378,7 @@
             </a:pPr>
             <a:r>
               <a:rPr lang="en-US" dirty="0"/>
-              <a:t>1. There is a input box on the page. Users will put a string like this to this input box "</a:t>
+              <a:t>1. There is a input box on the page. Users will put a string like this in this input box "</a:t>
             </a:r>
             <a:r>
               <a:rPr lang="zh-TW" altLang="en-US" dirty="0"/>
@@ -5628,7 +5510,7 @@
             </a:pPr>
             <a:r>
               <a:rPr lang="en-US" dirty="0"/>
-              <a:t>3. Wrap the output to a div under the button</a:t>
+              <a:t>3. Wrap the output to a &lt;div&gt; under the button</a:t>
             </a:r>
           </a:p>
           <a:p>
@@ -7678,7 +7560,14 @@
             </a:r>
             <a:r>
               <a:rPr lang="en-US" altLang="zh-CN" dirty="0"/>
-              <a:t>Reign Year to Year (Training data)</a:t>
+              <a:t>Reign Year to Western Year</a:t>
+            </a:r>
+            <a:br>
+              <a:rPr lang="en-US" altLang="zh-CN" dirty="0"/>
+            </a:br>
+            <a:r>
+              <a:rPr lang="en-US" altLang="zh-CN" dirty="0"/>
+              <a:t> (Training data)</a:t>
             </a:r>
             <a:endParaRPr lang="en-US" dirty="0"/>
           </a:p>
@@ -7917,7 +7806,7 @@
             </a:r>
             <a:r>
               <a:rPr lang="en-US" sz="4000" dirty="0"/>
-              <a:t> in the table below. There is </a:t>
+              <a:t> in the table below. There are </a:t>
             </a:r>
             <a:r>
               <a:rPr lang="en-US" sz="4000" b="1" u="sng" dirty="0"/>
@@ -7993,7 +7882,7 @@
           <a:p>
             <a:r>
               <a:rPr lang="en-US" dirty="0"/>
-              <a:t>Outline</a:t>
+              <a:t>Use Cases</a:t>
             </a:r>
           </a:p>
         </p:txBody>
@@ -8017,7 +7906,7 @@
         <p:spPr/>
         <p:txBody>
           <a:bodyPr>
-            <a:normAutofit lnSpcReduction="10000"/>
+            <a:normAutofit/>
           </a:bodyPr>
           <a:lstStyle/>
           <a:p>
@@ -8073,17 +7962,6 @@
             <a:r>
               <a:rPr lang="en-US" dirty="0"/>
               <a:t>Data Summarization</a:t>
-            </a:r>
-          </a:p>
-          <a:p>
-            <a:pPr>
-              <a:lnSpc>
-                <a:spcPct val="150000"/>
-              </a:lnSpc>
-            </a:pPr>
-            <a:r>
-              <a:rPr lang="en-US" dirty="0"/>
-              <a:t>Basic Ideas</a:t>
             </a:r>
           </a:p>
         </p:txBody>
@@ -8812,7 +8690,7 @@
           <a:p>
             <a:r>
               <a:rPr lang="en-US" dirty="0"/>
-              <a:t>I have saw a calligraphy works in CBDB office(1737 Cambridge Street, K304, MA, 02137, USA) today. The author is unknow. I do not know the exact date. I just know the era this calligraphy is after 2000 . I want to cite it in my dissertation. Based on Chicago Manual of Style, how can I cite it？</a:t>
+              <a:t>I have seen a calligraphy in CBDB office(1737 Cambridge Street, K304, MA, 02137, USA) today. The author is unknown. I do not know the exact date. I just know the era this calligraphy is after 2000 . I want to cite it in my dissertation. Based on Chicago Manual of Style, how can I cite it？</a:t>
             </a:r>
           </a:p>
         </p:txBody>
@@ -9765,7 +9643,7 @@
             </a:pPr>
             <a:r>
               <a:rPr lang="en-US" dirty="0"/>
-              <a:t>The Address node in the CBDB API response might contains a single address element, in which case it is represented as a dictionary, but it might also contains multiple address elements, it is represented as a list of dictionaries.</a:t>
+              <a:t>The Address node in the CBDB API response might contain a single address element, in which case it is represented as a dictionary, but it might also contain multiple address elements, it is represented as a list of dictionaries.</a:t>
             </a:r>
           </a:p>
         </p:txBody>
@@ -11259,7 +11137,7 @@
             </a:pPr>
             <a:r>
               <a:rPr lang="en-US" dirty="0"/>
-              <a:t>The most priority thing: I know these coordinates are approximate and ambiguous. Please just let me know your approximate information. These are just for reference.</a:t>
+              <a:t>The most important thing: I know these coordinates are approximate and ambiguous. Please just let me know your approximate information. These are just for reference.</a:t>
             </a:r>
           </a:p>
           <a:p>
@@ -11722,1608 +11600,6 @@
           <a:chExt cx="0" cy="0"/>
         </a:xfrm>
       </p:grpSpPr>
-      <p:pic>
-        <p:nvPicPr>
-          <p:cNvPr id="22" name="Picture 21">
-            <a:extLst>
-              <a:ext uri="{FF2B5EF4-FFF2-40B4-BE49-F238E27FC236}">
-                <a16:creationId xmlns:a16="http://schemas.microsoft.com/office/drawing/2014/main" id="{B6E21BAE-A326-DCCD-EDBE-7E7C9C533A0E}"/>
-              </a:ext>
-            </a:extLst>
-          </p:cNvPr>
-          <p:cNvPicPr>
-            <a:picLocks noChangeAspect="1"/>
-          </p:cNvPicPr>
-          <p:nvPr/>
-        </p:nvPicPr>
-        <p:blipFill>
-          <a:blip r:embed="rId2"/>
-          <a:stretch>
-            <a:fillRect/>
-          </a:stretch>
-        </p:blipFill>
-        <p:spPr>
-          <a:xfrm>
-            <a:off x="7186545" y="292100"/>
-            <a:ext cx="4324350" cy="6200775"/>
-          </a:xfrm>
-          <a:prstGeom prst="rect">
-            <a:avLst/>
-          </a:prstGeom>
-        </p:spPr>
-      </p:pic>
-      <p:sp>
-        <p:nvSpPr>
-          <p:cNvPr id="2" name="Title 1">
-            <a:extLst>
-              <a:ext uri="{FF2B5EF4-FFF2-40B4-BE49-F238E27FC236}">
-                <a16:creationId xmlns:a16="http://schemas.microsoft.com/office/drawing/2014/main" id="{A321F7BE-BEB6-9C35-5220-EE0A2F4505D9}"/>
-              </a:ext>
-            </a:extLst>
-          </p:cNvPr>
-          <p:cNvSpPr>
-            <a:spLocks noGrp="1"/>
-          </p:cNvSpPr>
-          <p:nvPr>
-            <p:ph type="title"/>
-          </p:nvPr>
-        </p:nvSpPr>
-        <p:spPr/>
-        <p:txBody>
-          <a:bodyPr/>
-          <a:lstStyle/>
-          <a:p>
-            <a:r>
-              <a:rPr lang="en-US" dirty="0"/>
-              <a:t>Righteous Officials</a:t>
-            </a:r>
-          </a:p>
-        </p:txBody>
-      </p:sp>
-      <p:sp>
-        <p:nvSpPr>
-          <p:cNvPr id="3" name="Content Placeholder 2">
-            <a:extLst>
-              <a:ext uri="{FF2B5EF4-FFF2-40B4-BE49-F238E27FC236}">
-                <a16:creationId xmlns:a16="http://schemas.microsoft.com/office/drawing/2014/main" id="{F3FA80E6-71C8-5D16-F5BC-B9D539B33402}"/>
-              </a:ext>
-            </a:extLst>
-          </p:cNvPr>
-          <p:cNvSpPr>
-            <a:spLocks noGrp="1"/>
-          </p:cNvSpPr>
-          <p:nvPr>
-            <p:ph idx="1"/>
-          </p:nvPr>
-        </p:nvSpPr>
-        <p:spPr>
-          <a:xfrm>
-            <a:off x="838199" y="1825625"/>
-            <a:ext cx="4032821" cy="4351338"/>
-          </a:xfrm>
-        </p:spPr>
-        <p:txBody>
-          <a:bodyPr/>
-          <a:lstStyle/>
-          <a:p>
-            <a:r>
-              <a:rPr lang="en-US" dirty="0"/>
-              <a:t>Civil Service Examination rosters</a:t>
-            </a:r>
-          </a:p>
-          <a:p>
-            <a:endParaRPr lang="en-US" dirty="0"/>
-          </a:p>
-          <a:p>
-            <a:r>
-              <a:rPr lang="en-US" dirty="0"/>
-              <a:t>14-17c</a:t>
-            </a:r>
-          </a:p>
-        </p:txBody>
-      </p:sp>
-      <p:sp>
-        <p:nvSpPr>
-          <p:cNvPr id="5" name="TextBox 4">
-            <a:extLst>
-              <a:ext uri="{FF2B5EF4-FFF2-40B4-BE49-F238E27FC236}">
-                <a16:creationId xmlns:a16="http://schemas.microsoft.com/office/drawing/2014/main" id="{750B22B6-1D30-FBAD-E844-B25F8B5ACD28}"/>
-              </a:ext>
-            </a:extLst>
-          </p:cNvPr>
-          <p:cNvSpPr txBox="1"/>
-          <p:nvPr/>
-        </p:nvSpPr>
-        <p:spPr>
-          <a:xfrm>
-            <a:off x="838199" y="5742671"/>
-            <a:ext cx="6094428" cy="646331"/>
-          </a:xfrm>
-          <a:prstGeom prst="rect">
-            <a:avLst/>
-          </a:prstGeom>
-          <a:noFill/>
-        </p:spPr>
-        <p:txBody>
-          <a:bodyPr wrap="square">
-            <a:spAutoFit/>
-          </a:bodyPr>
-          <a:lstStyle/>
-          <a:p>
-            <a:r>
-              <a:rPr lang="en-US" dirty="0"/>
-              <a:t>https://github.com/fccsdigitalchina/generative_ai_east_asian_studies/tree/main/Correlation_test/Righteous_person</a:t>
-            </a:r>
-          </a:p>
-        </p:txBody>
-      </p:sp>
-      <p:sp>
-        <p:nvSpPr>
-          <p:cNvPr id="13" name="Rectangle: Rounded Corners 12">
-            <a:extLst>
-              <a:ext uri="{FF2B5EF4-FFF2-40B4-BE49-F238E27FC236}">
-                <a16:creationId xmlns:a16="http://schemas.microsoft.com/office/drawing/2014/main" id="{DDDA4A65-FB87-8586-E066-AEFC5D731F16}"/>
-              </a:ext>
-            </a:extLst>
-          </p:cNvPr>
-          <p:cNvSpPr/>
-          <p:nvPr/>
-        </p:nvSpPr>
-        <p:spPr>
-          <a:xfrm>
-            <a:off x="10104309" y="2097742"/>
-            <a:ext cx="480767" cy="2427488"/>
-          </a:xfrm>
-          <a:prstGeom prst="roundRect">
-            <a:avLst/>
-          </a:prstGeom>
-          <a:noFill/>
-          <a:ln w="57150">
-            <a:solidFill>
-              <a:schemeClr val="tx1"/>
-            </a:solidFill>
-          </a:ln>
-        </p:spPr>
-        <p:style>
-          <a:lnRef idx="2">
-            <a:schemeClr val="accent1">
-              <a:shade val="50000"/>
-            </a:schemeClr>
-          </a:lnRef>
-          <a:fillRef idx="1">
-            <a:schemeClr val="accent1"/>
-          </a:fillRef>
-          <a:effectRef idx="0">
-            <a:schemeClr val="accent1"/>
-          </a:effectRef>
-          <a:fontRef idx="minor">
-            <a:schemeClr val="lt1"/>
-          </a:fontRef>
-        </p:style>
-        <p:txBody>
-          <a:bodyPr rtlCol="0" anchor="ctr"/>
-          <a:lstStyle/>
-          <a:p>
-            <a:pPr algn="ctr"/>
-            <a:endParaRPr lang="en-US"/>
-          </a:p>
-        </p:txBody>
-      </p:sp>
-      <p:cxnSp>
-        <p:nvCxnSpPr>
-          <p:cNvPr id="15" name="Straight Connector 14">
-            <a:extLst>
-              <a:ext uri="{FF2B5EF4-FFF2-40B4-BE49-F238E27FC236}">
-                <a16:creationId xmlns:a16="http://schemas.microsoft.com/office/drawing/2014/main" id="{263BE9A7-80E1-AFF9-053E-961F58ED5676}"/>
-              </a:ext>
-            </a:extLst>
-          </p:cNvPr>
-          <p:cNvCxnSpPr>
-            <a:cxnSpLocks/>
-            <a:stCxn id="13" idx="1"/>
-            <a:endCxn id="27" idx="3"/>
-          </p:cNvCxnSpPr>
-          <p:nvPr/>
-        </p:nvCxnSpPr>
-        <p:spPr>
-          <a:xfrm flipH="1" flipV="1">
-            <a:off x="6505032" y="2682875"/>
-            <a:ext cx="3599277" cy="628611"/>
-          </a:xfrm>
-          <a:prstGeom prst="line">
-            <a:avLst/>
-          </a:prstGeom>
-          <a:ln w="57150">
-            <a:solidFill>
-              <a:schemeClr val="tx1"/>
-            </a:solidFill>
-          </a:ln>
-        </p:spPr>
-        <p:style>
-          <a:lnRef idx="1">
-            <a:schemeClr val="accent1"/>
-          </a:lnRef>
-          <a:fillRef idx="0">
-            <a:schemeClr val="accent1"/>
-          </a:fillRef>
-          <a:effectRef idx="0">
-            <a:schemeClr val="accent1"/>
-          </a:effectRef>
-          <a:fontRef idx="minor">
-            <a:schemeClr val="tx1"/>
-          </a:fontRef>
-        </p:style>
-      </p:cxnSp>
-      <p:pic>
-        <p:nvPicPr>
-          <p:cNvPr id="27" name="Picture 26">
-            <a:extLst>
-              <a:ext uri="{FF2B5EF4-FFF2-40B4-BE49-F238E27FC236}">
-                <a16:creationId xmlns:a16="http://schemas.microsoft.com/office/drawing/2014/main" id="{70BEF2A9-26F6-3768-9AD5-EE90BF4E99FF}"/>
-              </a:ext>
-            </a:extLst>
-          </p:cNvPr>
-          <p:cNvPicPr>
-            <a:picLocks noChangeAspect="1"/>
-          </p:cNvPicPr>
-          <p:nvPr/>
-        </p:nvPicPr>
-        <p:blipFill>
-          <a:blip r:embed="rId3"/>
-          <a:stretch>
-            <a:fillRect/>
-          </a:stretch>
-        </p:blipFill>
-        <p:spPr>
-          <a:xfrm>
-            <a:off x="5552532" y="292100"/>
-            <a:ext cx="952500" cy="4781550"/>
-          </a:xfrm>
-          <a:prstGeom prst="rect">
-            <a:avLst/>
-          </a:prstGeom>
-          <a:ln w="38100">
-            <a:solidFill>
-              <a:schemeClr val="tx1"/>
-            </a:solidFill>
-          </a:ln>
-        </p:spPr>
-      </p:pic>
-      <mc:AlternateContent xmlns:mc="http://schemas.openxmlformats.org/markup-compatibility/2006" xmlns:p14="http://schemas.microsoft.com/office/powerpoint/2010/main">
-        <mc:Choice Requires="p14">
-          <p:contentPart p14:bwMode="auto" r:id="rId4">
-            <p14:nvContentPartPr>
-              <p14:cNvPr id="28" name="Ink 27">
-                <a:extLst>
-                  <a:ext uri="{FF2B5EF4-FFF2-40B4-BE49-F238E27FC236}">
-                    <a16:creationId xmlns:a16="http://schemas.microsoft.com/office/drawing/2014/main" id="{3A9FFE38-DCC4-C185-0B29-E10F3FDEFDEF}"/>
-                  </a:ext>
-                </a:extLst>
-              </p14:cNvPr>
-              <p14:cNvContentPartPr/>
-              <p14:nvPr/>
-            </p14:nvContentPartPr>
-            <p14:xfrm>
-              <a:off x="6460702" y="643122"/>
-              <a:ext cx="360" cy="360"/>
-            </p14:xfrm>
-          </p:contentPart>
-        </mc:Choice>
-        <mc:Fallback xmlns="">
-          <p:pic>
-            <p:nvPicPr>
-              <p:cNvPr id="28" name="Ink 27">
-                <a:extLst>
-                  <a:ext uri="{FF2B5EF4-FFF2-40B4-BE49-F238E27FC236}">
-                    <a16:creationId xmlns:a16="http://schemas.microsoft.com/office/drawing/2014/main" id="{3A9FFE38-DCC4-C185-0B29-E10F3FDEFDEF}"/>
-                  </a:ext>
-                </a:extLst>
-              </p:cNvPr>
-              <p:cNvPicPr/>
-              <p:nvPr/>
-            </p:nvPicPr>
-            <p:blipFill>
-              <a:blip r:embed="rId5"/>
-              <a:stretch>
-                <a:fillRect/>
-              </a:stretch>
-            </p:blipFill>
-            <p:spPr>
-              <a:xfrm>
-                <a:off x="6397702" y="580482"/>
-                <a:ext cx="126000" cy="126000"/>
-              </a:xfrm>
-              <a:prstGeom prst="rect">
-                <a:avLst/>
-              </a:prstGeom>
-            </p:spPr>
-          </p:pic>
-        </mc:Fallback>
-      </mc:AlternateContent>
-      <mc:AlternateContent xmlns:mc="http://schemas.openxmlformats.org/markup-compatibility/2006" xmlns:p14="http://schemas.microsoft.com/office/powerpoint/2010/main">
-        <mc:Choice Requires="p14">
-          <p:contentPart p14:bwMode="auto" r:id="rId6">
-            <p14:nvContentPartPr>
-              <p14:cNvPr id="32" name="Ink 31">
-                <a:extLst>
-                  <a:ext uri="{FF2B5EF4-FFF2-40B4-BE49-F238E27FC236}">
-                    <a16:creationId xmlns:a16="http://schemas.microsoft.com/office/drawing/2014/main" id="{857C4BD8-E352-FEE8-152D-4AE34AB56A82}"/>
-                  </a:ext>
-                </a:extLst>
-              </p14:cNvPr>
-              <p14:cNvContentPartPr/>
-              <p14:nvPr/>
-            </p14:nvContentPartPr>
-            <p14:xfrm>
-              <a:off x="6441442" y="1892266"/>
-              <a:ext cx="20520" cy="600480"/>
-            </p14:xfrm>
-          </p:contentPart>
-        </mc:Choice>
-        <mc:Fallback xmlns="">
-          <p:pic>
-            <p:nvPicPr>
-              <p:cNvPr id="32" name="Ink 31">
-                <a:extLst>
-                  <a:ext uri="{FF2B5EF4-FFF2-40B4-BE49-F238E27FC236}">
-                    <a16:creationId xmlns:a16="http://schemas.microsoft.com/office/drawing/2014/main" id="{857C4BD8-E352-FEE8-152D-4AE34AB56A82}"/>
-                  </a:ext>
-                </a:extLst>
-              </p:cNvPr>
-              <p:cNvPicPr/>
-              <p:nvPr/>
-            </p:nvPicPr>
-            <p:blipFill>
-              <a:blip r:embed="rId7"/>
-              <a:stretch>
-                <a:fillRect/>
-              </a:stretch>
-            </p:blipFill>
-            <p:spPr>
-              <a:xfrm>
-                <a:off x="6378442" y="1829266"/>
-                <a:ext cx="146160" cy="726120"/>
-              </a:xfrm>
-              <a:prstGeom prst="rect">
-                <a:avLst/>
-              </a:prstGeom>
-            </p:spPr>
-          </p:pic>
-        </mc:Fallback>
-      </mc:AlternateContent>
-      <mc:AlternateContent xmlns:mc="http://schemas.openxmlformats.org/markup-compatibility/2006" xmlns:p14="http://schemas.microsoft.com/office/powerpoint/2010/main">
-        <mc:Choice Requires="p14">
-          <p:contentPart p14:bwMode="auto" r:id="rId8">
-            <p14:nvContentPartPr>
-              <p14:cNvPr id="33" name="Ink 32">
-                <a:extLst>
-                  <a:ext uri="{FF2B5EF4-FFF2-40B4-BE49-F238E27FC236}">
-                    <a16:creationId xmlns:a16="http://schemas.microsoft.com/office/drawing/2014/main" id="{44FE1CD4-12AC-CBB9-A9C2-8C163FF8058D}"/>
-                  </a:ext>
-                </a:extLst>
-              </p14:cNvPr>
-              <p14:cNvContentPartPr/>
-              <p14:nvPr/>
-            </p14:nvContentPartPr>
-            <p14:xfrm>
-              <a:off x="6407062" y="3422322"/>
-              <a:ext cx="360" cy="360"/>
-            </p14:xfrm>
-          </p:contentPart>
-        </mc:Choice>
-        <mc:Fallback xmlns="">
-          <p:pic>
-            <p:nvPicPr>
-              <p:cNvPr id="33" name="Ink 32">
-                <a:extLst>
-                  <a:ext uri="{FF2B5EF4-FFF2-40B4-BE49-F238E27FC236}">
-                    <a16:creationId xmlns:a16="http://schemas.microsoft.com/office/drawing/2014/main" id="{44FE1CD4-12AC-CBB9-A9C2-8C163FF8058D}"/>
-                  </a:ext>
-                </a:extLst>
-              </p:cNvPr>
-              <p:cNvPicPr/>
-              <p:nvPr/>
-            </p:nvPicPr>
-            <p:blipFill>
-              <a:blip r:embed="rId5"/>
-              <a:stretch>
-                <a:fillRect/>
-              </a:stretch>
-            </p:blipFill>
-            <p:spPr>
-              <a:xfrm>
-                <a:off x="6344422" y="3359682"/>
-                <a:ext cx="126000" cy="126000"/>
-              </a:xfrm>
-              <a:prstGeom prst="rect">
-                <a:avLst/>
-              </a:prstGeom>
-            </p:spPr>
-          </p:pic>
-        </mc:Fallback>
-      </mc:AlternateContent>
-      <mc:AlternateContent xmlns:mc="http://schemas.openxmlformats.org/markup-compatibility/2006" xmlns:p14="http://schemas.microsoft.com/office/powerpoint/2010/main">
-        <mc:Choice Requires="p14">
-          <p:contentPart p14:bwMode="auto" r:id="rId9">
-            <p14:nvContentPartPr>
-              <p14:cNvPr id="34" name="Ink 33">
-                <a:extLst>
-                  <a:ext uri="{FF2B5EF4-FFF2-40B4-BE49-F238E27FC236}">
-                    <a16:creationId xmlns:a16="http://schemas.microsoft.com/office/drawing/2014/main" id="{A5E13174-65C2-ADAA-2495-3E1FD0E8D01C}"/>
-                  </a:ext>
-                </a:extLst>
-              </p14:cNvPr>
-              <p14:cNvContentPartPr/>
-              <p14:nvPr/>
-            </p14:nvContentPartPr>
-            <p14:xfrm>
-              <a:off x="6451702" y="4256082"/>
-              <a:ext cx="360" cy="591840"/>
-            </p14:xfrm>
-          </p:contentPart>
-        </mc:Choice>
-        <mc:Fallback xmlns="">
-          <p:pic>
-            <p:nvPicPr>
-              <p:cNvPr id="34" name="Ink 33">
-                <a:extLst>
-                  <a:ext uri="{FF2B5EF4-FFF2-40B4-BE49-F238E27FC236}">
-                    <a16:creationId xmlns:a16="http://schemas.microsoft.com/office/drawing/2014/main" id="{A5E13174-65C2-ADAA-2495-3E1FD0E8D01C}"/>
-                  </a:ext>
-                </a:extLst>
-              </p:cNvPr>
-              <p:cNvPicPr/>
-              <p:nvPr/>
-            </p:nvPicPr>
-            <p:blipFill>
-              <a:blip r:embed="rId10"/>
-              <a:stretch>
-                <a:fillRect/>
-              </a:stretch>
-            </p:blipFill>
-            <p:spPr>
-              <a:xfrm>
-                <a:off x="6389062" y="4193442"/>
-                <a:ext cx="126000" cy="717480"/>
-              </a:xfrm>
-              <a:prstGeom prst="rect">
-                <a:avLst/>
-              </a:prstGeom>
-            </p:spPr>
-          </p:pic>
-        </mc:Fallback>
-      </mc:AlternateContent>
-    </p:spTree>
-    <p:extLst>
-      <p:ext uri="{BB962C8B-B14F-4D97-AF65-F5344CB8AC3E}">
-        <p14:creationId xmlns:p14="http://schemas.microsoft.com/office/powerpoint/2010/main" val="229186822"/>
-      </p:ext>
-    </p:extLst>
-  </p:cSld>
-  <p:clrMapOvr>
-    <a:masterClrMapping/>
-  </p:clrMapOvr>
-</p:sld>
-</file>
-
-<file path=ppt/slides/slide66.xml><?xml version="1.0" encoding="utf-8"?>
-<p:sld xmlns:a="http://schemas.openxmlformats.org/drawingml/2006/main" xmlns:r="http://schemas.openxmlformats.org/officeDocument/2006/relationships" xmlns:p="http://schemas.openxmlformats.org/presentationml/2006/main">
-  <p:cSld>
-    <p:spTree>
-      <p:nvGrpSpPr>
-        <p:cNvPr id="1" name=""/>
-        <p:cNvGrpSpPr/>
-        <p:nvPr/>
-      </p:nvGrpSpPr>
-      <p:grpSpPr>
-        <a:xfrm>
-          <a:off x="0" y="0"/>
-          <a:ext cx="0" cy="0"/>
-          <a:chOff x="0" y="0"/>
-          <a:chExt cx="0" cy="0"/>
-        </a:xfrm>
-      </p:grpSpPr>
-      <p:sp>
-        <p:nvSpPr>
-          <p:cNvPr id="2" name="Title 1">
-            <a:extLst>
-              <a:ext uri="{FF2B5EF4-FFF2-40B4-BE49-F238E27FC236}">
-                <a16:creationId xmlns:a16="http://schemas.microsoft.com/office/drawing/2014/main" id="{A321F7BE-BEB6-9C35-5220-EE0A2F4505D9}"/>
-              </a:ext>
-            </a:extLst>
-          </p:cNvPr>
-          <p:cNvSpPr>
-            <a:spLocks noGrp="1"/>
-          </p:cNvSpPr>
-          <p:nvPr>
-            <p:ph type="title"/>
-          </p:nvPr>
-        </p:nvSpPr>
-        <p:spPr/>
-        <p:txBody>
-          <a:bodyPr/>
-          <a:lstStyle/>
-          <a:p>
-            <a:r>
-              <a:rPr lang="en-US" dirty="0"/>
-              <a:t>Correlation between Variables</a:t>
-            </a:r>
-          </a:p>
-        </p:txBody>
-      </p:sp>
-      <p:sp>
-        <p:nvSpPr>
-          <p:cNvPr id="3" name="Content Placeholder 2">
-            <a:extLst>
-              <a:ext uri="{FF2B5EF4-FFF2-40B4-BE49-F238E27FC236}">
-                <a16:creationId xmlns:a16="http://schemas.microsoft.com/office/drawing/2014/main" id="{F3FA80E6-71C8-5D16-F5BC-B9D539B33402}"/>
-              </a:ext>
-            </a:extLst>
-          </p:cNvPr>
-          <p:cNvSpPr>
-            <a:spLocks noGrp="1"/>
-          </p:cNvSpPr>
-          <p:nvPr>
-            <p:ph idx="1"/>
-          </p:nvPr>
-        </p:nvSpPr>
-        <p:spPr>
-          <a:xfrm>
-            <a:off x="838200" y="1470927"/>
-            <a:ext cx="6979024" cy="4706036"/>
-          </a:xfrm>
-        </p:spPr>
-        <p:txBody>
-          <a:bodyPr/>
-          <a:lstStyle/>
-          <a:p>
-            <a:endParaRPr lang="en-US" altLang="zh-CN" dirty="0"/>
-          </a:p>
-          <a:p>
-            <a:pPr>
-              <a:lnSpc>
-                <a:spcPct val="150000"/>
-              </a:lnSpc>
-            </a:pPr>
-            <a:r>
-              <a:rPr lang="en-US" altLang="zh-CN" sz="3200" dirty="0"/>
-              <a:t>Great grandfather</a:t>
-            </a:r>
-            <a:r>
-              <a:rPr lang="en-US" sz="3200" dirty="0"/>
-              <a:t>,</a:t>
-            </a:r>
-            <a:r>
-              <a:rPr lang="zh-CN" altLang="en-US" sz="3200" dirty="0"/>
-              <a:t> </a:t>
-            </a:r>
-            <a:r>
-              <a:rPr lang="en-US" altLang="zh-CN" sz="3200" dirty="0"/>
-              <a:t>Grandfather, Father</a:t>
-            </a:r>
-          </a:p>
-          <a:p>
-            <a:pPr>
-              <a:lnSpc>
-                <a:spcPct val="150000"/>
-              </a:lnSpc>
-            </a:pPr>
-            <a:r>
-              <a:rPr lang="en-US" sz="3200" b="0" i="0" dirty="0">
-                <a:solidFill>
-                  <a:srgbClr val="1F2328"/>
-                </a:solidFill>
-                <a:effectLst/>
-                <a:latin typeface="ui-monospace"/>
-              </a:rPr>
-              <a:t>14,116 records</a:t>
-            </a:r>
-          </a:p>
-          <a:p>
-            <a:pPr>
-              <a:lnSpc>
-                <a:spcPct val="150000"/>
-              </a:lnSpc>
-            </a:pPr>
-            <a:r>
-              <a:rPr lang="en-US" sz="3200" dirty="0">
-                <a:solidFill>
-                  <a:srgbClr val="1F2328"/>
-                </a:solidFill>
-                <a:latin typeface="ui-monospace"/>
-              </a:rPr>
-              <a:t>Sparse Data</a:t>
-            </a:r>
-            <a:endParaRPr lang="en-US" sz="3200" dirty="0"/>
-          </a:p>
-          <a:p>
-            <a:endParaRPr lang="en-US" dirty="0"/>
-          </a:p>
-        </p:txBody>
-      </p:sp>
-      <p:pic>
-        <p:nvPicPr>
-          <p:cNvPr id="7" name="Picture 6">
-            <a:extLst>
-              <a:ext uri="{FF2B5EF4-FFF2-40B4-BE49-F238E27FC236}">
-                <a16:creationId xmlns:a16="http://schemas.microsoft.com/office/drawing/2014/main" id="{D2C8586F-ED54-A094-F2CB-182AE54E9356}"/>
-              </a:ext>
-            </a:extLst>
-          </p:cNvPr>
-          <p:cNvPicPr>
-            <a:picLocks noChangeAspect="1"/>
-          </p:cNvPicPr>
-          <p:nvPr/>
-        </p:nvPicPr>
-        <p:blipFill>
-          <a:blip r:embed="rId2"/>
-          <a:stretch>
-            <a:fillRect/>
-          </a:stretch>
-        </p:blipFill>
-        <p:spPr>
-          <a:xfrm>
-            <a:off x="8058150" y="1470927"/>
-            <a:ext cx="3295650" cy="4019550"/>
-          </a:xfrm>
-          <a:prstGeom prst="rect">
-            <a:avLst/>
-          </a:prstGeom>
-        </p:spPr>
-      </p:pic>
-    </p:spTree>
-    <p:extLst>
-      <p:ext uri="{BB962C8B-B14F-4D97-AF65-F5344CB8AC3E}">
-        <p14:creationId xmlns:p14="http://schemas.microsoft.com/office/powerpoint/2010/main" val="3006016353"/>
-      </p:ext>
-    </p:extLst>
-  </p:cSld>
-  <p:clrMapOvr>
-    <a:masterClrMapping/>
-  </p:clrMapOvr>
-</p:sld>
-</file>
-
-<file path=ppt/slides/slide67.xml><?xml version="1.0" encoding="utf-8"?>
-<p:sld xmlns:a="http://schemas.openxmlformats.org/drawingml/2006/main" xmlns:r="http://schemas.openxmlformats.org/officeDocument/2006/relationships" xmlns:p="http://schemas.openxmlformats.org/presentationml/2006/main">
-  <p:cSld>
-    <p:spTree>
-      <p:nvGrpSpPr>
-        <p:cNvPr id="1" name=""/>
-        <p:cNvGrpSpPr/>
-        <p:nvPr/>
-      </p:nvGrpSpPr>
-      <p:grpSpPr>
-        <a:xfrm>
-          <a:off x="0" y="0"/>
-          <a:ext cx="0" cy="0"/>
-          <a:chOff x="0" y="0"/>
-          <a:chExt cx="0" cy="0"/>
-        </a:xfrm>
-      </p:grpSpPr>
-      <p:sp>
-        <p:nvSpPr>
-          <p:cNvPr id="2" name="Title 1">
-            <a:extLst>
-              <a:ext uri="{FF2B5EF4-FFF2-40B4-BE49-F238E27FC236}">
-                <a16:creationId xmlns:a16="http://schemas.microsoft.com/office/drawing/2014/main" id="{C1FBB4EE-4D5B-95BC-13C3-C0E98D1FD05E}"/>
-              </a:ext>
-            </a:extLst>
-          </p:cNvPr>
-          <p:cNvSpPr>
-            <a:spLocks noGrp="1"/>
-          </p:cNvSpPr>
-          <p:nvPr>
-            <p:ph type="title"/>
-          </p:nvPr>
-        </p:nvSpPr>
-        <p:spPr/>
-        <p:txBody>
-          <a:bodyPr/>
-          <a:lstStyle/>
-          <a:p>
-            <a:r>
-              <a:rPr lang="en-US" dirty="0"/>
-              <a:t>Prompt: Describe Your data</a:t>
-            </a:r>
-          </a:p>
-        </p:txBody>
-      </p:sp>
-      <p:sp>
-        <p:nvSpPr>
-          <p:cNvPr id="3" name="Content Placeholder 2">
-            <a:extLst>
-              <a:ext uri="{FF2B5EF4-FFF2-40B4-BE49-F238E27FC236}">
-                <a16:creationId xmlns:a16="http://schemas.microsoft.com/office/drawing/2014/main" id="{01D367ED-40E0-82AB-076B-F1718CE255C8}"/>
-              </a:ext>
-            </a:extLst>
-          </p:cNvPr>
-          <p:cNvSpPr>
-            <a:spLocks noGrp="1"/>
-          </p:cNvSpPr>
-          <p:nvPr>
-            <p:ph idx="1"/>
-          </p:nvPr>
-        </p:nvSpPr>
-        <p:spPr/>
-        <p:txBody>
-          <a:bodyPr/>
-          <a:lstStyle/>
-          <a:p>
-            <a:pPr marL="0" indent="0">
-              <a:buNone/>
-            </a:pPr>
-            <a:r>
-              <a:rPr lang="en-US" b="0" i="0" dirty="0">
-                <a:solidFill>
-                  <a:srgbClr val="1F2328"/>
-                </a:solidFill>
-                <a:effectLst/>
-                <a:latin typeface="ui-monospace"/>
-              </a:rPr>
-              <a:t>I have three columns of data in 1_task_correlation.csv</a:t>
-            </a:r>
-          </a:p>
-          <a:p>
-            <a:pPr marL="0" indent="0">
-              <a:buNone/>
-            </a:pPr>
-            <a:endParaRPr lang="en-US" dirty="0">
-              <a:solidFill>
-                <a:srgbClr val="1F2328"/>
-              </a:solidFill>
-              <a:latin typeface="ui-monospace"/>
-            </a:endParaRPr>
-          </a:p>
-          <a:p>
-            <a:pPr marL="0" indent="0">
-              <a:buNone/>
-            </a:pPr>
-            <a:r>
-              <a:rPr lang="en-US" dirty="0">
-                <a:solidFill>
-                  <a:srgbClr val="1F2328"/>
-                </a:solidFill>
-                <a:latin typeface="ui-monospace"/>
-              </a:rPr>
-              <a:t>[Data list]</a:t>
-            </a:r>
-          </a:p>
-          <a:p>
-            <a:pPr marL="0" indent="0">
-              <a:buNone/>
-            </a:pPr>
-            <a:endParaRPr lang="en-US" dirty="0">
-              <a:solidFill>
-                <a:srgbClr val="1F2328"/>
-              </a:solidFill>
-              <a:latin typeface="ui-monospace"/>
-            </a:endParaRPr>
-          </a:p>
-          <a:p>
-            <a:pPr marL="0" indent="0">
-              <a:buNone/>
-            </a:pPr>
-            <a:r>
-              <a:rPr lang="en-US" dirty="0">
-                <a:solidFill>
-                  <a:srgbClr val="1F2328"/>
-                </a:solidFill>
-                <a:latin typeface="ui-monospace"/>
-              </a:rPr>
-              <a:t>The total records are 14116.</a:t>
-            </a:r>
-          </a:p>
-          <a:p>
-            <a:pPr marL="0" indent="0">
-              <a:buNone/>
-            </a:pPr>
-            <a:r>
-              <a:rPr lang="en-US" dirty="0">
-                <a:solidFill>
-                  <a:srgbClr val="1F2328"/>
-                </a:solidFill>
-                <a:latin typeface="ui-monospace"/>
-              </a:rPr>
-              <a:t>1. 78 records in </a:t>
-            </a:r>
-            <a:r>
-              <a:rPr lang="en-US" dirty="0" err="1">
-                <a:solidFill>
-                  <a:srgbClr val="1F2328"/>
-                </a:solidFill>
-                <a:latin typeface="ui-monospace"/>
-              </a:rPr>
-              <a:t>fff_ro</a:t>
-            </a:r>
-            <a:r>
-              <a:rPr lang="en-US" dirty="0">
-                <a:solidFill>
-                  <a:srgbClr val="1F2328"/>
-                </a:solidFill>
-                <a:latin typeface="ui-monospace"/>
-              </a:rPr>
-              <a:t> are 1, others are 0.</a:t>
-            </a:r>
-          </a:p>
-          <a:p>
-            <a:pPr marL="0" indent="0">
-              <a:buNone/>
-            </a:pPr>
-            <a:r>
-              <a:rPr lang="en-US" dirty="0">
-                <a:solidFill>
-                  <a:srgbClr val="1F2328"/>
-                </a:solidFill>
-                <a:latin typeface="ui-monospace"/>
-              </a:rPr>
-              <a:t>2. 68 records in </a:t>
-            </a:r>
-            <a:r>
-              <a:rPr lang="en-US" dirty="0" err="1">
-                <a:solidFill>
-                  <a:srgbClr val="1F2328"/>
-                </a:solidFill>
-                <a:latin typeface="ui-monospace"/>
-              </a:rPr>
-              <a:t>ff_ro</a:t>
-            </a:r>
-            <a:r>
-              <a:rPr lang="en-US" dirty="0">
-                <a:solidFill>
-                  <a:srgbClr val="1F2328"/>
-                </a:solidFill>
-                <a:latin typeface="ui-monospace"/>
-              </a:rPr>
-              <a:t> are 1, others are 0.</a:t>
-            </a:r>
-          </a:p>
-          <a:p>
-            <a:pPr marL="0" indent="0">
-              <a:buNone/>
-            </a:pPr>
-            <a:r>
-              <a:rPr lang="en-US" dirty="0">
-                <a:solidFill>
-                  <a:srgbClr val="1F2328"/>
-                </a:solidFill>
-                <a:latin typeface="ui-monospace"/>
-              </a:rPr>
-              <a:t>3. 224 records in </a:t>
-            </a:r>
-            <a:r>
-              <a:rPr lang="en-US" dirty="0" err="1">
-                <a:solidFill>
-                  <a:srgbClr val="1F2328"/>
-                </a:solidFill>
-                <a:latin typeface="ui-monospace"/>
-              </a:rPr>
-              <a:t>f_ro</a:t>
-            </a:r>
-            <a:r>
-              <a:rPr lang="en-US" dirty="0">
-                <a:solidFill>
-                  <a:srgbClr val="1F2328"/>
-                </a:solidFill>
-                <a:latin typeface="ui-monospace"/>
-              </a:rPr>
-              <a:t> are 1, others are 0.</a:t>
-            </a:r>
-          </a:p>
-          <a:p>
-            <a:pPr marL="0" indent="0">
-              <a:buNone/>
-            </a:pPr>
-            <a:endParaRPr lang="en-US" dirty="0">
-              <a:solidFill>
-                <a:srgbClr val="1F2328"/>
-              </a:solidFill>
-              <a:latin typeface="ui-monospace"/>
-            </a:endParaRPr>
-          </a:p>
-        </p:txBody>
-      </p:sp>
-    </p:spTree>
-    <p:extLst>
-      <p:ext uri="{BB962C8B-B14F-4D97-AF65-F5344CB8AC3E}">
-        <p14:creationId xmlns:p14="http://schemas.microsoft.com/office/powerpoint/2010/main" val="2000252319"/>
-      </p:ext>
-    </p:extLst>
-  </p:cSld>
-  <p:clrMapOvr>
-    <a:masterClrMapping/>
-  </p:clrMapOvr>
-</p:sld>
-</file>
-
-<file path=ppt/slides/slide68.xml><?xml version="1.0" encoding="utf-8"?>
-<p:sld xmlns:a="http://schemas.openxmlformats.org/drawingml/2006/main" xmlns:r="http://schemas.openxmlformats.org/officeDocument/2006/relationships" xmlns:p="http://schemas.openxmlformats.org/presentationml/2006/main">
-  <p:cSld>
-    <p:spTree>
-      <p:nvGrpSpPr>
-        <p:cNvPr id="1" name=""/>
-        <p:cNvGrpSpPr/>
-        <p:nvPr/>
-      </p:nvGrpSpPr>
-      <p:grpSpPr>
-        <a:xfrm>
-          <a:off x="0" y="0"/>
-          <a:ext cx="0" cy="0"/>
-          <a:chOff x="0" y="0"/>
-          <a:chExt cx="0" cy="0"/>
-        </a:xfrm>
-      </p:grpSpPr>
-      <p:sp>
-        <p:nvSpPr>
-          <p:cNvPr id="2" name="Title 1">
-            <a:extLst>
-              <a:ext uri="{FF2B5EF4-FFF2-40B4-BE49-F238E27FC236}">
-                <a16:creationId xmlns:a16="http://schemas.microsoft.com/office/drawing/2014/main" id="{A381D7D7-2665-636A-EA16-1C150DF87FEB}"/>
-              </a:ext>
-            </a:extLst>
-          </p:cNvPr>
-          <p:cNvSpPr>
-            <a:spLocks noGrp="1"/>
-          </p:cNvSpPr>
-          <p:nvPr>
-            <p:ph type="title"/>
-          </p:nvPr>
-        </p:nvSpPr>
-        <p:spPr/>
-        <p:txBody>
-          <a:bodyPr/>
-          <a:lstStyle/>
-          <a:p>
-            <a:r>
-              <a:rPr lang="en-US" dirty="0"/>
-              <a:t>Prompt: Ask Your Question</a:t>
-            </a:r>
-          </a:p>
-        </p:txBody>
-      </p:sp>
-      <p:sp>
-        <p:nvSpPr>
-          <p:cNvPr id="3" name="Content Placeholder 2">
-            <a:extLst>
-              <a:ext uri="{FF2B5EF4-FFF2-40B4-BE49-F238E27FC236}">
-                <a16:creationId xmlns:a16="http://schemas.microsoft.com/office/drawing/2014/main" id="{B978E6F8-D8DE-B7BB-37D2-7BEDFD3CA3D1}"/>
-              </a:ext>
-            </a:extLst>
-          </p:cNvPr>
-          <p:cNvSpPr>
-            <a:spLocks noGrp="1"/>
-          </p:cNvSpPr>
-          <p:nvPr>
-            <p:ph idx="1"/>
-          </p:nvPr>
-        </p:nvSpPr>
-        <p:spPr/>
-        <p:txBody>
-          <a:bodyPr/>
-          <a:lstStyle/>
-          <a:p>
-            <a:pPr marL="0" indent="0">
-              <a:buNone/>
-            </a:pPr>
-            <a:r>
-              <a:rPr lang="en-US" dirty="0"/>
-              <a:t>If I want to calculate the correlation and correlation significance between each of the pairs of </a:t>
-            </a:r>
-            <a:r>
-              <a:rPr lang="en-US" dirty="0" err="1"/>
-              <a:t>fff_ro</a:t>
-            </a:r>
-            <a:r>
-              <a:rPr lang="en-US" dirty="0"/>
-              <a:t>, </a:t>
-            </a:r>
-            <a:r>
-              <a:rPr lang="en-US" dirty="0" err="1"/>
-              <a:t>ff_ro</a:t>
-            </a:r>
-            <a:r>
-              <a:rPr lang="en-US" dirty="0"/>
-              <a:t> and </a:t>
-            </a:r>
-            <a:r>
-              <a:rPr lang="en-US" dirty="0" err="1"/>
-              <a:t>f_ro</a:t>
-            </a:r>
-            <a:r>
-              <a:rPr lang="en-US" dirty="0"/>
-              <a:t>, and print the result. How can I do it in R?</a:t>
-            </a:r>
-          </a:p>
-        </p:txBody>
-      </p:sp>
-    </p:spTree>
-    <p:extLst>
-      <p:ext uri="{BB962C8B-B14F-4D97-AF65-F5344CB8AC3E}">
-        <p14:creationId xmlns:p14="http://schemas.microsoft.com/office/powerpoint/2010/main" val="427393690"/>
-      </p:ext>
-    </p:extLst>
-  </p:cSld>
-  <p:clrMapOvr>
-    <a:masterClrMapping/>
-  </p:clrMapOvr>
-</p:sld>
-</file>
-
-<file path=ppt/slides/slide69.xml><?xml version="1.0" encoding="utf-8"?>
-<p:sld xmlns:a="http://schemas.openxmlformats.org/drawingml/2006/main" xmlns:r="http://schemas.openxmlformats.org/officeDocument/2006/relationships" xmlns:p="http://schemas.openxmlformats.org/presentationml/2006/main">
-  <p:cSld>
-    <p:spTree>
-      <p:nvGrpSpPr>
-        <p:cNvPr id="1" name=""/>
-        <p:cNvGrpSpPr/>
-        <p:nvPr/>
-      </p:nvGrpSpPr>
-      <p:grpSpPr>
-        <a:xfrm>
-          <a:off x="0" y="0"/>
-          <a:ext cx="0" cy="0"/>
-          <a:chOff x="0" y="0"/>
-          <a:chExt cx="0" cy="0"/>
-        </a:xfrm>
-      </p:grpSpPr>
-      <p:sp>
-        <p:nvSpPr>
-          <p:cNvPr id="3" name="Content Placeholder 2">
-            <a:extLst>
-              <a:ext uri="{FF2B5EF4-FFF2-40B4-BE49-F238E27FC236}">
-                <a16:creationId xmlns:a16="http://schemas.microsoft.com/office/drawing/2014/main" id="{50104DD6-C5AF-3333-369C-66CE40F3B784}"/>
-              </a:ext>
-            </a:extLst>
-          </p:cNvPr>
-          <p:cNvSpPr>
-            <a:spLocks noGrp="1"/>
-          </p:cNvSpPr>
-          <p:nvPr>
-            <p:ph idx="1"/>
-          </p:nvPr>
-        </p:nvSpPr>
-        <p:spPr>
-          <a:xfrm>
-            <a:off x="838200" y="672353"/>
-            <a:ext cx="10515600" cy="5504610"/>
-          </a:xfrm>
-        </p:spPr>
-        <p:txBody>
-          <a:bodyPr>
-            <a:normAutofit/>
-          </a:bodyPr>
-          <a:lstStyle/>
-          <a:p>
-            <a:pPr marL="0" indent="0">
-              <a:buNone/>
-            </a:pPr>
-            <a:r>
-              <a:rPr lang="en-US" sz="2400" dirty="0"/>
-              <a:t>https://github.com/fccsdigitalchina/generative_ai_east_asian_studies/blob/main/Correlation_test/Righteous_person/2_prompt.txt</a:t>
-            </a:r>
-          </a:p>
-        </p:txBody>
-      </p:sp>
-      <p:pic>
-        <p:nvPicPr>
-          <p:cNvPr id="7" name="Picture 6">
-            <a:extLst>
-              <a:ext uri="{FF2B5EF4-FFF2-40B4-BE49-F238E27FC236}">
-                <a16:creationId xmlns:a16="http://schemas.microsoft.com/office/drawing/2014/main" id="{B7485898-F6F0-E82D-E80A-F7418541CB75}"/>
-              </a:ext>
-            </a:extLst>
-          </p:cNvPr>
-          <p:cNvPicPr>
-            <a:picLocks noChangeAspect="1"/>
-          </p:cNvPicPr>
-          <p:nvPr/>
-        </p:nvPicPr>
-        <p:blipFill>
-          <a:blip r:embed="rId2"/>
-          <a:stretch>
-            <a:fillRect/>
-          </a:stretch>
-        </p:blipFill>
-        <p:spPr>
-          <a:xfrm>
-            <a:off x="2110733" y="1335836"/>
-            <a:ext cx="7970534" cy="5513387"/>
-          </a:xfrm>
-          <a:prstGeom prst="rect">
-            <a:avLst/>
-          </a:prstGeom>
-        </p:spPr>
-      </p:pic>
-    </p:spTree>
-    <p:extLst>
-      <p:ext uri="{BB962C8B-B14F-4D97-AF65-F5344CB8AC3E}">
-        <p14:creationId xmlns:p14="http://schemas.microsoft.com/office/powerpoint/2010/main" val="1765265657"/>
-      </p:ext>
-    </p:extLst>
-  </p:cSld>
-  <p:clrMapOvr>
-    <a:masterClrMapping/>
-  </p:clrMapOvr>
-</p:sld>
-</file>
-
-<file path=ppt/slides/slide7.xml><?xml version="1.0" encoding="utf-8"?>
-<p:sld xmlns:a="http://schemas.openxmlformats.org/drawingml/2006/main" xmlns:r="http://schemas.openxmlformats.org/officeDocument/2006/relationships" xmlns:p="http://schemas.openxmlformats.org/presentationml/2006/main">
-  <p:cSld>
-    <p:spTree>
-      <p:nvGrpSpPr>
-        <p:cNvPr id="1" name=""/>
-        <p:cNvGrpSpPr/>
-        <p:nvPr/>
-      </p:nvGrpSpPr>
-      <p:grpSpPr>
-        <a:xfrm>
-          <a:off x="0" y="0"/>
-          <a:ext cx="0" cy="0"/>
-          <a:chOff x="0" y="0"/>
-          <a:chExt cx="0" cy="0"/>
-        </a:xfrm>
-      </p:grpSpPr>
-      <p:sp>
-        <p:nvSpPr>
-          <p:cNvPr id="2" name="Title 1">
-            <a:extLst>
-              <a:ext uri="{FF2B5EF4-FFF2-40B4-BE49-F238E27FC236}">
-                <a16:creationId xmlns:a16="http://schemas.microsoft.com/office/drawing/2014/main" id="{DD289307-D863-B078-19FC-ABC022FD08B9}"/>
-              </a:ext>
-            </a:extLst>
-          </p:cNvPr>
-          <p:cNvSpPr>
-            <a:spLocks noGrp="1"/>
-          </p:cNvSpPr>
-          <p:nvPr>
-            <p:ph type="title"/>
-          </p:nvPr>
-        </p:nvSpPr>
-        <p:spPr/>
-        <p:txBody>
-          <a:bodyPr/>
-          <a:lstStyle/>
-          <a:p>
-            <a:endParaRPr lang="en-US"/>
-          </a:p>
-        </p:txBody>
-      </p:sp>
-      <p:sp>
-        <p:nvSpPr>
-          <p:cNvPr id="3" name="Content Placeholder 2">
-            <a:extLst>
-              <a:ext uri="{FF2B5EF4-FFF2-40B4-BE49-F238E27FC236}">
-                <a16:creationId xmlns:a16="http://schemas.microsoft.com/office/drawing/2014/main" id="{1ECD564A-8583-A92C-EF7B-F9D8C733C349}"/>
-              </a:ext>
-            </a:extLst>
-          </p:cNvPr>
-          <p:cNvSpPr>
-            <a:spLocks noGrp="1"/>
-          </p:cNvSpPr>
-          <p:nvPr>
-            <p:ph idx="1"/>
-          </p:nvPr>
-        </p:nvSpPr>
-        <p:spPr>
-          <a:xfrm>
-            <a:off x="838200" y="1825625"/>
-            <a:ext cx="5015753" cy="4351338"/>
-          </a:xfrm>
-        </p:spPr>
-        <p:txBody>
-          <a:bodyPr>
-            <a:normAutofit lnSpcReduction="10000"/>
-          </a:bodyPr>
-          <a:lstStyle/>
-          <a:p>
-            <a:pPr marL="0" indent="0">
-              <a:buNone/>
-            </a:pPr>
-            <a:r>
-              <a:rPr lang="en-US" dirty="0"/>
-              <a:t>P. </a:t>
-            </a:r>
-            <a:r>
-              <a:rPr lang="en-US" dirty="0" err="1"/>
-              <a:t>Emm</a:t>
-            </a:r>
-            <a:r>
-              <a:rPr lang="en-US" dirty="0"/>
-              <a:t>. Diaz (junior) ..... P, Nicol. </a:t>
-            </a:r>
-            <a:r>
-              <a:rPr lang="en-US" dirty="0" err="1"/>
-              <a:t>Trigault</a:t>
-            </a:r>
-            <a:r>
-              <a:rPr lang="en-US" dirty="0"/>
-              <a:t>.	</a:t>
-            </a:r>
-          </a:p>
-          <a:p>
-            <a:pPr marL="0" indent="0">
-              <a:buNone/>
-            </a:pPr>
-            <a:r>
-              <a:rPr lang="en-US" dirty="0"/>
-              <a:t>Fr. Pascal Mendes . 		</a:t>
-            </a:r>
-          </a:p>
-          <a:p>
-            <a:pPr marL="0" indent="0">
-              <a:buNone/>
-            </a:pPr>
-            <a:r>
-              <a:rPr lang="en-US" dirty="0"/>
-              <a:t>Fr. Jean Fernandes 	</a:t>
-            </a:r>
-          </a:p>
-          <a:p>
-            <a:pPr marL="0" indent="0">
-              <a:buNone/>
-            </a:pPr>
-            <a:r>
-              <a:rPr lang="en-US" dirty="0"/>
-              <a:t>Fr. Fr. de </a:t>
-            </a:r>
-            <a:r>
-              <a:rPr lang="en-US" dirty="0" err="1"/>
-              <a:t>Lagea</a:t>
-            </a:r>
-            <a:r>
-              <a:rPr lang="en-US" dirty="0"/>
-              <a:t>	</a:t>
-            </a:r>
-          </a:p>
-          <a:p>
-            <a:pPr marL="0" indent="0">
-              <a:buNone/>
-            </a:pPr>
-            <a:r>
-              <a:rPr lang="en-US" dirty="0"/>
-              <a:t>Fr. Dom. Mendes	</a:t>
-            </a:r>
-          </a:p>
-          <a:p>
-            <a:pPr marL="0" indent="0">
-              <a:buNone/>
-            </a:pPr>
-            <a:r>
-              <a:rPr lang="en-US" dirty="0"/>
-              <a:t>Fr. Jacq. </a:t>
-            </a:r>
-            <a:r>
-              <a:rPr lang="en-US" dirty="0" err="1"/>
-              <a:t>Néva</a:t>
-            </a:r>
-            <a:r>
-              <a:rPr lang="en-US" dirty="0"/>
-              <a:t>		</a:t>
-            </a:r>
-          </a:p>
-          <a:p>
-            <a:pPr marL="0" indent="0">
-              <a:buNone/>
-            </a:pPr>
-            <a:r>
-              <a:rPr lang="en-US" dirty="0"/>
-              <a:t>P. Ruiz Barreto et </a:t>
-            </a:r>
-            <a:r>
-              <a:rPr lang="en-US" dirty="0" err="1"/>
-              <a:t>ses</a:t>
-            </a:r>
-            <a:r>
-              <a:rPr lang="en-US" dirty="0"/>
-              <a:t> Fr. Louis </a:t>
-            </a:r>
-            <a:r>
-              <a:rPr lang="en-US" dirty="0" err="1"/>
-              <a:t>Rozitto</a:t>
-            </a:r>
-            <a:r>
-              <a:rPr lang="en-US" dirty="0"/>
-              <a:t> .. [comp. Fr. </a:t>
-            </a:r>
-            <a:r>
-              <a:rPr lang="en-US" dirty="0" err="1"/>
-              <a:t>Vinc</a:t>
-            </a:r>
-            <a:r>
-              <a:rPr lang="en-US" dirty="0"/>
-              <a:t>. </a:t>
-            </a:r>
-            <a:r>
-              <a:rPr lang="en-US" dirty="0" err="1"/>
-              <a:t>Caun</a:t>
-            </a:r>
-            <a:r>
-              <a:rPr lang="en-US" dirty="0"/>
-              <a:t> om </a:t>
-            </a:r>
-            <a:r>
-              <a:rPr lang="en-US" dirty="0" err="1"/>
-              <a:t>Calioye</a:t>
-            </a:r>
-            <a:r>
-              <a:rPr lang="en-US" dirty="0"/>
-              <a:t>. P. Jules </a:t>
-            </a:r>
-            <a:r>
-              <a:rPr lang="en-US" dirty="0" err="1"/>
-              <a:t>Aleni</a:t>
-            </a:r>
-            <a:r>
-              <a:rPr lang="en-US" dirty="0"/>
-              <a:t>	</a:t>
-            </a:r>
-          </a:p>
-        </p:txBody>
-      </p:sp>
-      <p:pic>
-        <p:nvPicPr>
-          <p:cNvPr id="5" name="Picture 4">
-            <a:extLst>
-              <a:ext uri="{FF2B5EF4-FFF2-40B4-BE49-F238E27FC236}">
-                <a16:creationId xmlns:a16="http://schemas.microsoft.com/office/drawing/2014/main" id="{FF2B8296-3A4A-5822-B82B-AAC527770C3C}"/>
-              </a:ext>
-            </a:extLst>
-          </p:cNvPr>
-          <p:cNvPicPr>
-            <a:picLocks noChangeAspect="1"/>
-          </p:cNvPicPr>
-          <p:nvPr/>
-        </p:nvPicPr>
-        <p:blipFill rotWithShape="1">
-          <a:blip r:embed="rId2"/>
-          <a:srcRect t="21699"/>
-          <a:stretch/>
-        </p:blipFill>
-        <p:spPr>
-          <a:xfrm>
-            <a:off x="6255897" y="182563"/>
-            <a:ext cx="6043679" cy="6492874"/>
-          </a:xfrm>
-          <a:prstGeom prst="rect">
-            <a:avLst/>
-          </a:prstGeom>
-        </p:spPr>
-      </p:pic>
-    </p:spTree>
-    <p:extLst>
-      <p:ext uri="{BB962C8B-B14F-4D97-AF65-F5344CB8AC3E}">
-        <p14:creationId xmlns:p14="http://schemas.microsoft.com/office/powerpoint/2010/main" val="643891140"/>
-      </p:ext>
-    </p:extLst>
-  </p:cSld>
-  <p:clrMapOvr>
-    <a:masterClrMapping/>
-  </p:clrMapOvr>
-</p:sld>
-</file>
-
-<file path=ppt/slides/slide70.xml><?xml version="1.0" encoding="utf-8"?>
-<p:sld xmlns:a="http://schemas.openxmlformats.org/drawingml/2006/main" xmlns:r="http://schemas.openxmlformats.org/officeDocument/2006/relationships" xmlns:p="http://schemas.openxmlformats.org/presentationml/2006/main">
-  <p:cSld>
-    <p:spTree>
-      <p:nvGrpSpPr>
-        <p:cNvPr id="1" name=""/>
-        <p:cNvGrpSpPr/>
-        <p:nvPr/>
-      </p:nvGrpSpPr>
-      <p:grpSpPr>
-        <a:xfrm>
-          <a:off x="0" y="0"/>
-          <a:ext cx="0" cy="0"/>
-          <a:chOff x="0" y="0"/>
-          <a:chExt cx="0" cy="0"/>
-        </a:xfrm>
-      </p:grpSpPr>
-      <p:sp>
-        <p:nvSpPr>
-          <p:cNvPr id="2" name="Title 1">
-            <a:extLst>
-              <a:ext uri="{FF2B5EF4-FFF2-40B4-BE49-F238E27FC236}">
-                <a16:creationId xmlns:a16="http://schemas.microsoft.com/office/drawing/2014/main" id="{145D9F6D-3BB5-2268-ABAF-B4ECD475C100}"/>
-              </a:ext>
-            </a:extLst>
-          </p:cNvPr>
-          <p:cNvSpPr>
-            <a:spLocks noGrp="1"/>
-          </p:cNvSpPr>
-          <p:nvPr>
-            <p:ph type="title"/>
-          </p:nvPr>
-        </p:nvSpPr>
-        <p:spPr/>
-        <p:txBody>
-          <a:bodyPr/>
-          <a:lstStyle/>
-          <a:p>
-            <a:r>
-              <a:rPr lang="en-US" dirty="0"/>
-              <a:t>Prompt: Explain </a:t>
-            </a:r>
-            <a:r>
-              <a:rPr lang="en-US" altLang="zh-CN" dirty="0"/>
-              <a:t>the Result</a:t>
-            </a:r>
-            <a:endParaRPr lang="en-US" dirty="0"/>
-          </a:p>
-        </p:txBody>
-      </p:sp>
-      <p:sp>
-        <p:nvSpPr>
-          <p:cNvPr id="3" name="Content Placeholder 2">
-            <a:extLst>
-              <a:ext uri="{FF2B5EF4-FFF2-40B4-BE49-F238E27FC236}">
-                <a16:creationId xmlns:a16="http://schemas.microsoft.com/office/drawing/2014/main" id="{B12619C1-CD54-9B6F-7428-0092AF89F31C}"/>
-              </a:ext>
-            </a:extLst>
-          </p:cNvPr>
-          <p:cNvSpPr>
-            <a:spLocks noGrp="1"/>
-          </p:cNvSpPr>
-          <p:nvPr>
-            <p:ph idx="1"/>
-          </p:nvPr>
-        </p:nvSpPr>
-        <p:spPr>
-          <a:xfrm>
-            <a:off x="838200" y="1493930"/>
-            <a:ext cx="10515600" cy="4351338"/>
-          </a:xfrm>
-        </p:spPr>
-        <p:txBody>
-          <a:bodyPr/>
-          <a:lstStyle/>
-          <a:p>
-            <a:pPr marL="0" indent="0">
-              <a:buNone/>
-            </a:pPr>
-            <a:r>
-              <a:rPr lang="en-US" dirty="0"/>
-              <a:t>Can you explain this output for me?</a:t>
-            </a:r>
-          </a:p>
-          <a:p>
-            <a:pPr marL="0" indent="0">
-              <a:buNone/>
-            </a:pPr>
-            <a:r>
-              <a:rPr lang="en-US" dirty="0"/>
-              <a:t>Correlation between </a:t>
-            </a:r>
-            <a:r>
-              <a:rPr lang="en-US" dirty="0" err="1"/>
-              <a:t>fff_ro</a:t>
-            </a:r>
-            <a:r>
-              <a:rPr lang="en-US" dirty="0"/>
-              <a:t> and </a:t>
-            </a:r>
-            <a:r>
-              <a:rPr lang="en-US" dirty="0" err="1"/>
-              <a:t>ff_ro</a:t>
-            </a:r>
-            <a:r>
-              <a:rPr lang="en-US" dirty="0"/>
-              <a:t>: 0.1328364  (p = 1.377216e-56 )</a:t>
-            </a:r>
-          </a:p>
-          <a:p>
-            <a:pPr marL="0" indent="0">
-              <a:buNone/>
-            </a:pPr>
-            <a:r>
-              <a:rPr lang="en-US" dirty="0"/>
-              <a:t>Correlation between </a:t>
-            </a:r>
-            <a:r>
-              <a:rPr lang="en-US" dirty="0" err="1"/>
-              <a:t>fff_ro</a:t>
-            </a:r>
-            <a:r>
-              <a:rPr lang="en-US" dirty="0"/>
-              <a:t> and </a:t>
-            </a:r>
-            <a:r>
-              <a:rPr lang="en-US" dirty="0" err="1"/>
-              <a:t>f_ro</a:t>
-            </a:r>
-            <a:r>
-              <a:rPr lang="en-US" dirty="0"/>
-              <a:t>: -0.001856275  (p = 0.8254614 )</a:t>
-            </a:r>
-          </a:p>
-          <a:p>
-            <a:pPr marL="0" indent="0">
-              <a:buNone/>
-            </a:pPr>
-            <a:r>
-              <a:rPr lang="en-US" dirty="0"/>
-              <a:t>Correlation between </a:t>
-            </a:r>
-            <a:r>
-              <a:rPr lang="en-US" dirty="0" err="1"/>
-              <a:t>ff_ro</a:t>
-            </a:r>
-            <a:r>
-              <a:rPr lang="en-US" dirty="0"/>
-              <a:t> and </a:t>
-            </a:r>
-            <a:r>
-              <a:rPr lang="en-US" dirty="0" err="1"/>
-              <a:t>f_ro</a:t>
-            </a:r>
-            <a:r>
-              <a:rPr lang="en-US" dirty="0"/>
-              <a:t>: 0.03199251  (p = 0.0001437117 )</a:t>
-            </a:r>
-          </a:p>
-        </p:txBody>
-      </p:sp>
-      <p:pic>
-        <p:nvPicPr>
-          <p:cNvPr id="5" name="Picture 4">
-            <a:extLst>
-              <a:ext uri="{FF2B5EF4-FFF2-40B4-BE49-F238E27FC236}">
-                <a16:creationId xmlns:a16="http://schemas.microsoft.com/office/drawing/2014/main" id="{4808763D-E31F-698E-58B9-EF5151E6BD81}"/>
-              </a:ext>
-            </a:extLst>
-          </p:cNvPr>
-          <p:cNvPicPr>
-            <a:picLocks noChangeAspect="1"/>
-          </p:cNvPicPr>
-          <p:nvPr/>
-        </p:nvPicPr>
-        <p:blipFill>
-          <a:blip r:embed="rId2"/>
-          <a:stretch>
-            <a:fillRect/>
-          </a:stretch>
-        </p:blipFill>
-        <p:spPr>
-          <a:xfrm>
-            <a:off x="2150594" y="3555486"/>
-            <a:ext cx="7890812" cy="2937389"/>
-          </a:xfrm>
-          <a:prstGeom prst="rect">
-            <a:avLst/>
-          </a:prstGeom>
-        </p:spPr>
-      </p:pic>
-    </p:spTree>
-    <p:extLst>
-      <p:ext uri="{BB962C8B-B14F-4D97-AF65-F5344CB8AC3E}">
-        <p14:creationId xmlns:p14="http://schemas.microsoft.com/office/powerpoint/2010/main" val="648215713"/>
-      </p:ext>
-    </p:extLst>
-  </p:cSld>
-  <p:clrMapOvr>
-    <a:masterClrMapping/>
-  </p:clrMapOvr>
-</p:sld>
-</file>
-
-<file path=ppt/slides/slide71.xml><?xml version="1.0" encoding="utf-8"?>
-<p:sld xmlns:a="http://schemas.openxmlformats.org/drawingml/2006/main" xmlns:r="http://schemas.openxmlformats.org/officeDocument/2006/relationships" xmlns:p="http://schemas.openxmlformats.org/presentationml/2006/main">
-  <p:cSld>
-    <p:spTree>
-      <p:nvGrpSpPr>
-        <p:cNvPr id="1" name=""/>
-        <p:cNvGrpSpPr/>
-        <p:nvPr/>
-      </p:nvGrpSpPr>
-      <p:grpSpPr>
-        <a:xfrm>
-          <a:off x="0" y="0"/>
-          <a:ext cx="0" cy="0"/>
-          <a:chOff x="0" y="0"/>
-          <a:chExt cx="0" cy="0"/>
-        </a:xfrm>
-      </p:grpSpPr>
       <p:sp>
         <p:nvSpPr>
           <p:cNvPr id="4" name="Title 3">
@@ -13391,7 +11667,7 @@
 </p:sld>
 </file>
 
-<file path=ppt/slides/slide72.xml><?xml version="1.0" encoding="utf-8"?>
+<file path=ppt/slides/slide66.xml><?xml version="1.0" encoding="utf-8"?>
 <p:sld xmlns:a="http://schemas.openxmlformats.org/drawingml/2006/main" xmlns:r="http://schemas.openxmlformats.org/officeDocument/2006/relationships" xmlns:p="http://schemas.openxmlformats.org/presentationml/2006/main">
   <p:cSld>
     <p:spTree>
@@ -14476,7 +12752,7 @@
 </p:sld>
 </file>
 
-<file path=ppt/slides/slide73.xml><?xml version="1.0" encoding="utf-8"?>
+<file path=ppt/slides/slide67.xml><?xml version="1.0" encoding="utf-8"?>
 <p:sld xmlns:a="http://schemas.openxmlformats.org/drawingml/2006/main" xmlns:r="http://schemas.openxmlformats.org/officeDocument/2006/relationships" xmlns:p="http://schemas.openxmlformats.org/presentationml/2006/main">
   <p:cSld>
     <p:spTree>
@@ -14674,7 +12950,7 @@
 </p:sld>
 </file>
 
-<file path=ppt/slides/slide74.xml><?xml version="1.0" encoding="utf-8"?>
+<file path=ppt/slides/slide68.xml><?xml version="1.0" encoding="utf-8"?>
 <p:sld xmlns:a="http://schemas.openxmlformats.org/drawingml/2006/main" xmlns:r="http://schemas.openxmlformats.org/officeDocument/2006/relationships" xmlns:p="http://schemas.openxmlformats.org/presentationml/2006/main">
   <p:cSld>
     <p:spTree>
@@ -14870,7 +13146,7 @@
 </p:sld>
 </file>
 
-<file path=ppt/slides/slide75.xml><?xml version="1.0" encoding="utf-8"?>
+<file path=ppt/slides/slide69.xml><?xml version="1.0" encoding="utf-8"?>
 <p:sld xmlns:a="http://schemas.openxmlformats.org/drawingml/2006/main" xmlns:r="http://schemas.openxmlformats.org/officeDocument/2006/relationships" xmlns:p="http://schemas.openxmlformats.org/presentationml/2006/main">
   <p:cSld>
     <p:spTree>
@@ -14967,7 +13243,7 @@
             </a:r>
             <a:r>
               <a:rPr lang="en-US" dirty="0" err="1"/>
-              <a:t>x_lable</a:t>
+              <a:t>x_label</a:t>
             </a:r>
             <a:r>
               <a:rPr lang="en-US" dirty="0"/>
@@ -15048,7 +13324,7 @@
 </p:sld>
 </file>
 
-<file path=ppt/slides/slide76.xml><?xml version="1.0" encoding="utf-8"?>
+<file path=ppt/slides/slide7.xml><?xml version="1.0" encoding="utf-8"?>
 <p:sld xmlns:a="http://schemas.openxmlformats.org/drawingml/2006/main" xmlns:r="http://schemas.openxmlformats.org/officeDocument/2006/relationships" xmlns:p="http://schemas.openxmlformats.org/presentationml/2006/main">
   <p:cSld>
     <p:spTree>
@@ -15070,7 +13346,7 @@
           <p:cNvPr id="2" name="Title 1">
             <a:extLst>
               <a:ext uri="{FF2B5EF4-FFF2-40B4-BE49-F238E27FC236}">
-                <a16:creationId xmlns:a16="http://schemas.microsoft.com/office/drawing/2014/main" id="{930D1BDB-B3F0-226D-590C-B597615532DF}"/>
+                <a16:creationId xmlns:a16="http://schemas.microsoft.com/office/drawing/2014/main" id="{DD289307-D863-B078-19FC-ABC022FD08B9}"/>
               </a:ext>
             </a:extLst>
           </p:cNvPr>
@@ -15086,15 +13362,7 @@
           <a:bodyPr/>
           <a:lstStyle/>
           <a:p>
-            <a:r>
-              <a:rPr lang="en-US" dirty="0"/>
-              <a:t>Prompt: </a:t>
-            </a:r>
-            <a:r>
-              <a:rPr lang="en-US" altLang="zh-CN" dirty="0"/>
-              <a:t>Output Important Results for Check</a:t>
-            </a:r>
-            <a:endParaRPr lang="en-US" dirty="0"/>
+            <a:endParaRPr lang="en-US"/>
           </a:p>
         </p:txBody>
       </p:sp>
@@ -15103,7 +13371,7 @@
           <p:cNvPr id="3" name="Content Placeholder 2">
             <a:extLst>
               <a:ext uri="{FF2B5EF4-FFF2-40B4-BE49-F238E27FC236}">
-                <a16:creationId xmlns:a16="http://schemas.microsoft.com/office/drawing/2014/main" id="{CF8DD228-C303-270F-AC79-763AF54CAFCD}"/>
+                <a16:creationId xmlns:a16="http://schemas.microsoft.com/office/drawing/2014/main" id="{1ECD564A-8583-A92C-EF7B-F9D8C733C349}"/>
               </a:ext>
             </a:extLst>
           </p:cNvPr>
@@ -15114,10 +13382,15 @@
             <p:ph idx="1"/>
           </p:nvPr>
         </p:nvSpPr>
-        <p:spPr/>
+        <p:spPr>
+          <a:xfrm>
+            <a:off x="838200" y="1825625"/>
+            <a:ext cx="5015753" cy="4351338"/>
+          </a:xfrm>
+        </p:spPr>
         <p:txBody>
           <a:bodyPr>
-            <a:normAutofit/>
+            <a:normAutofit lnSpcReduction="10000"/>
           </a:bodyPr>
           <a:lstStyle/>
           <a:p>
@@ -15125,48 +13398,179 @@
               <a:buNone/>
             </a:pPr>
             <a:r>
-              <a:rPr lang="en-US" sz="4400" dirty="0"/>
-              <a:t>3. Display the regression function, n, </a:t>
-            </a:r>
-            <a:r>
-              <a:rPr lang="en-US" sz="4400" dirty="0" err="1"/>
-              <a:t>x_sum</a:t>
-            </a:r>
-            <a:r>
-              <a:rPr lang="en-US" sz="4400" dirty="0"/>
-              <a:t>, </a:t>
-            </a:r>
-            <a:r>
-              <a:rPr lang="en-US" sz="4400" dirty="0" err="1"/>
-              <a:t>y_sum</a:t>
-            </a:r>
-            <a:r>
-              <a:rPr lang="en-US" sz="4400" dirty="0"/>
-              <a:t>, </a:t>
-            </a:r>
-            <a:r>
-              <a:rPr lang="en-US" sz="4400" dirty="0" err="1"/>
-              <a:t>xx_sum</a:t>
-            </a:r>
-            <a:r>
-              <a:rPr lang="en-US" sz="4400" dirty="0"/>
-              <a:t>, </a:t>
-            </a:r>
-            <a:r>
-              <a:rPr lang="en-US" sz="4400" dirty="0" err="1"/>
-              <a:t>xy_sum</a:t>
-            </a:r>
-            <a:r>
-              <a:rPr lang="en-US" sz="4400" dirty="0"/>
-              <a:t> on the page. </a:t>
-            </a:r>
-          </a:p>
-        </p:txBody>
-      </p:sp>
+              <a:rPr lang="en-US" dirty="0"/>
+              <a:t>P. </a:t>
+            </a:r>
+            <a:r>
+              <a:rPr lang="en-US" dirty="0" err="1"/>
+              <a:t>Emm</a:t>
+            </a:r>
+            <a:r>
+              <a:rPr lang="en-US" dirty="0"/>
+              <a:t>. Diaz (junior) ..... P, Nicol. </a:t>
+            </a:r>
+            <a:r>
+              <a:rPr lang="en-US" dirty="0" err="1"/>
+              <a:t>Trigault</a:t>
+            </a:r>
+            <a:r>
+              <a:rPr lang="en-US" dirty="0"/>
+              <a:t>.	</a:t>
+            </a:r>
+          </a:p>
+          <a:p>
+            <a:pPr marL="0" indent="0">
+              <a:buNone/>
+            </a:pPr>
+            <a:r>
+              <a:rPr lang="en-US" dirty="0"/>
+              <a:t>Fr. Pascal Mendes . 		</a:t>
+            </a:r>
+          </a:p>
+          <a:p>
+            <a:pPr marL="0" indent="0">
+              <a:buNone/>
+            </a:pPr>
+            <a:r>
+              <a:rPr lang="en-US" dirty="0"/>
+              <a:t>Fr. Jean Fernandes 	</a:t>
+            </a:r>
+          </a:p>
+          <a:p>
+            <a:pPr marL="0" indent="0">
+              <a:buNone/>
+            </a:pPr>
+            <a:r>
+              <a:rPr lang="en-US" dirty="0"/>
+              <a:t>Fr. Fr. de </a:t>
+            </a:r>
+            <a:r>
+              <a:rPr lang="en-US" dirty="0" err="1"/>
+              <a:t>Lagea</a:t>
+            </a:r>
+            <a:r>
+              <a:rPr lang="en-US" dirty="0"/>
+              <a:t>	</a:t>
+            </a:r>
+          </a:p>
+          <a:p>
+            <a:pPr marL="0" indent="0">
+              <a:buNone/>
+            </a:pPr>
+            <a:r>
+              <a:rPr lang="en-US" dirty="0"/>
+              <a:t>Fr. Dom. Mendes	</a:t>
+            </a:r>
+          </a:p>
+          <a:p>
+            <a:pPr marL="0" indent="0">
+              <a:buNone/>
+            </a:pPr>
+            <a:r>
+              <a:rPr lang="en-US" dirty="0"/>
+              <a:t>Fr. Jacq. </a:t>
+            </a:r>
+            <a:r>
+              <a:rPr lang="en-US" dirty="0" err="1"/>
+              <a:t>Néva</a:t>
+            </a:r>
+            <a:r>
+              <a:rPr lang="en-US" dirty="0"/>
+              <a:t>		</a:t>
+            </a:r>
+          </a:p>
+          <a:p>
+            <a:pPr marL="0" indent="0">
+              <a:buNone/>
+            </a:pPr>
+            <a:r>
+              <a:rPr lang="en-US" dirty="0"/>
+              <a:t>P. Ruiz Barreto et </a:t>
+            </a:r>
+            <a:r>
+              <a:rPr lang="en-US" dirty="0" err="1"/>
+              <a:t>ses</a:t>
+            </a:r>
+            <a:r>
+              <a:rPr lang="en-US" dirty="0"/>
+              <a:t> Fr. Louis </a:t>
+            </a:r>
+            <a:r>
+              <a:rPr lang="en-US" dirty="0" err="1"/>
+              <a:t>Rozitto</a:t>
+            </a:r>
+            <a:r>
+              <a:rPr lang="en-US" dirty="0"/>
+              <a:t> .. [comp. Fr. </a:t>
+            </a:r>
+            <a:r>
+              <a:rPr lang="en-US" dirty="0" err="1"/>
+              <a:t>Vinc</a:t>
+            </a:r>
+            <a:r>
+              <a:rPr lang="en-US" dirty="0"/>
+              <a:t>. </a:t>
+            </a:r>
+            <a:r>
+              <a:rPr lang="en-US" dirty="0" err="1"/>
+              <a:t>Caun</a:t>
+            </a:r>
+            <a:r>
+              <a:rPr lang="en-US" dirty="0"/>
+              <a:t> om </a:t>
+            </a:r>
+            <a:r>
+              <a:rPr lang="en-US" dirty="0" err="1"/>
+              <a:t>Calioye</a:t>
+            </a:r>
+            <a:r>
+              <a:rPr lang="en-US" dirty="0"/>
+              <a:t>. P. Jules </a:t>
+            </a:r>
+            <a:r>
+              <a:rPr lang="en-US" dirty="0" err="1"/>
+              <a:t>Aleni</a:t>
+            </a:r>
+            <a:r>
+              <a:rPr lang="en-US" dirty="0"/>
+              <a:t>	</a:t>
+            </a:r>
+          </a:p>
+        </p:txBody>
+      </p:sp>
+      <p:pic>
+        <p:nvPicPr>
+          <p:cNvPr id="5" name="Picture 4">
+            <a:extLst>
+              <a:ext uri="{FF2B5EF4-FFF2-40B4-BE49-F238E27FC236}">
+                <a16:creationId xmlns:a16="http://schemas.microsoft.com/office/drawing/2014/main" id="{FF2B8296-3A4A-5822-B82B-AAC527770C3C}"/>
+              </a:ext>
+            </a:extLst>
+          </p:cNvPr>
+          <p:cNvPicPr>
+            <a:picLocks noChangeAspect="1"/>
+          </p:cNvPicPr>
+          <p:nvPr/>
+        </p:nvPicPr>
+        <p:blipFill rotWithShape="1">
+          <a:blip r:embed="rId2"/>
+          <a:srcRect t="21699"/>
+          <a:stretch/>
+        </p:blipFill>
+        <p:spPr>
+          <a:xfrm>
+            <a:off x="6255897" y="182563"/>
+            <a:ext cx="6043679" cy="6492874"/>
+          </a:xfrm>
+          <a:prstGeom prst="rect">
+            <a:avLst/>
+          </a:prstGeom>
+        </p:spPr>
+      </p:pic>
     </p:spTree>
     <p:extLst>
       <p:ext uri="{BB962C8B-B14F-4D97-AF65-F5344CB8AC3E}">
-        <p14:creationId xmlns:p14="http://schemas.microsoft.com/office/powerpoint/2010/main" val="3947383542"/>
+        <p14:creationId xmlns:p14="http://schemas.microsoft.com/office/powerpoint/2010/main" val="643891140"/>
       </p:ext>
     </p:extLst>
   </p:cSld>
@@ -15176,7 +13580,7 @@
 </p:sld>
 </file>
 
-<file path=ppt/slides/slide77.xml><?xml version="1.0" encoding="utf-8"?>
+<file path=ppt/slides/slide70.xml><?xml version="1.0" encoding="utf-8"?>
 <p:sld xmlns:a="http://schemas.openxmlformats.org/drawingml/2006/main" xmlns:r="http://schemas.openxmlformats.org/officeDocument/2006/relationships" xmlns:p="http://schemas.openxmlformats.org/presentationml/2006/main">
   <p:cSld>
     <p:spTree>
@@ -15216,6 +13620,134 @@
           <a:p>
             <a:r>
               <a:rPr lang="en-US" dirty="0"/>
+              <a:t>Prompt: </a:t>
+            </a:r>
+            <a:r>
+              <a:rPr lang="en-US" altLang="zh-CN" dirty="0"/>
+              <a:t>Output Important Results for Check</a:t>
+            </a:r>
+            <a:endParaRPr lang="en-US" dirty="0"/>
+          </a:p>
+        </p:txBody>
+      </p:sp>
+      <p:sp>
+        <p:nvSpPr>
+          <p:cNvPr id="3" name="Content Placeholder 2">
+            <a:extLst>
+              <a:ext uri="{FF2B5EF4-FFF2-40B4-BE49-F238E27FC236}">
+                <a16:creationId xmlns:a16="http://schemas.microsoft.com/office/drawing/2014/main" id="{CF8DD228-C303-270F-AC79-763AF54CAFCD}"/>
+              </a:ext>
+            </a:extLst>
+          </p:cNvPr>
+          <p:cNvSpPr>
+            <a:spLocks noGrp="1"/>
+          </p:cNvSpPr>
+          <p:nvPr>
+            <p:ph idx="1"/>
+          </p:nvPr>
+        </p:nvSpPr>
+        <p:spPr/>
+        <p:txBody>
+          <a:bodyPr>
+            <a:normAutofit/>
+          </a:bodyPr>
+          <a:lstStyle/>
+          <a:p>
+            <a:pPr marL="0" indent="0">
+              <a:buNone/>
+            </a:pPr>
+            <a:r>
+              <a:rPr lang="en-US" sz="4400" dirty="0"/>
+              <a:t>3. Display the regression function, n, </a:t>
+            </a:r>
+            <a:r>
+              <a:rPr lang="en-US" sz="4400" dirty="0" err="1"/>
+              <a:t>x_sum</a:t>
+            </a:r>
+            <a:r>
+              <a:rPr lang="en-US" sz="4400" dirty="0"/>
+              <a:t>, </a:t>
+            </a:r>
+            <a:r>
+              <a:rPr lang="en-US" sz="4400" dirty="0" err="1"/>
+              <a:t>y_sum</a:t>
+            </a:r>
+            <a:r>
+              <a:rPr lang="en-US" sz="4400" dirty="0"/>
+              <a:t>, </a:t>
+            </a:r>
+            <a:r>
+              <a:rPr lang="en-US" sz="4400" dirty="0" err="1"/>
+              <a:t>xx_sum</a:t>
+            </a:r>
+            <a:r>
+              <a:rPr lang="en-US" sz="4400" dirty="0"/>
+              <a:t>, </a:t>
+            </a:r>
+            <a:r>
+              <a:rPr lang="en-US" sz="4400" dirty="0" err="1"/>
+              <a:t>xy_sum</a:t>
+            </a:r>
+            <a:r>
+              <a:rPr lang="en-US" sz="4400" dirty="0"/>
+              <a:t> on the page. </a:t>
+            </a:r>
+          </a:p>
+        </p:txBody>
+      </p:sp>
+    </p:spTree>
+    <p:extLst>
+      <p:ext uri="{BB962C8B-B14F-4D97-AF65-F5344CB8AC3E}">
+        <p14:creationId xmlns:p14="http://schemas.microsoft.com/office/powerpoint/2010/main" val="3947383542"/>
+      </p:ext>
+    </p:extLst>
+  </p:cSld>
+  <p:clrMapOvr>
+    <a:masterClrMapping/>
+  </p:clrMapOvr>
+</p:sld>
+</file>
+
+<file path=ppt/slides/slide71.xml><?xml version="1.0" encoding="utf-8"?>
+<p:sld xmlns:a="http://schemas.openxmlformats.org/drawingml/2006/main" xmlns:r="http://schemas.openxmlformats.org/officeDocument/2006/relationships" xmlns:p="http://schemas.openxmlformats.org/presentationml/2006/main">
+  <p:cSld>
+    <p:spTree>
+      <p:nvGrpSpPr>
+        <p:cNvPr id="1" name=""/>
+        <p:cNvGrpSpPr/>
+        <p:nvPr/>
+      </p:nvGrpSpPr>
+      <p:grpSpPr>
+        <a:xfrm>
+          <a:off x="0" y="0"/>
+          <a:ext cx="0" cy="0"/>
+          <a:chOff x="0" y="0"/>
+          <a:chExt cx="0" cy="0"/>
+        </a:xfrm>
+      </p:grpSpPr>
+      <p:sp>
+        <p:nvSpPr>
+          <p:cNvPr id="2" name="Title 1">
+            <a:extLst>
+              <a:ext uri="{FF2B5EF4-FFF2-40B4-BE49-F238E27FC236}">
+                <a16:creationId xmlns:a16="http://schemas.microsoft.com/office/drawing/2014/main" id="{930D1BDB-B3F0-226D-590C-B597615532DF}"/>
+              </a:ext>
+            </a:extLst>
+          </p:cNvPr>
+          <p:cNvSpPr>
+            <a:spLocks noGrp="1"/>
+          </p:cNvSpPr>
+          <p:nvPr>
+            <p:ph type="title"/>
+          </p:nvPr>
+        </p:nvSpPr>
+        <p:spPr/>
+        <p:txBody>
+          <a:bodyPr/>
+          <a:lstStyle/>
+          <a:p>
+            <a:r>
+              <a:rPr lang="en-US" dirty="0"/>
               <a:t>Prompt: How to cite JavaScript </a:t>
             </a:r>
             <a:r>
@@ -15280,7 +13812,7 @@
 </p:sld>
 </file>
 
-<file path=ppt/slides/slide78.xml><?xml version="1.0" encoding="utf-8"?>
+<file path=ppt/slides/slide72.xml><?xml version="1.0" encoding="utf-8"?>
 <p:sld xmlns:a="http://schemas.openxmlformats.org/drawingml/2006/main" xmlns:r="http://schemas.openxmlformats.org/officeDocument/2006/relationships" xmlns:p="http://schemas.openxmlformats.org/presentationml/2006/main">
   <p:cSld>
     <p:spTree>
@@ -15378,7 +13910,7 @@
 </p:sld>
 </file>
 
-<file path=ppt/slides/slide79.xml><?xml version="1.0" encoding="utf-8"?>
+<file path=ppt/slides/slide73.xml><?xml version="1.0" encoding="utf-8"?>
 <p:sld xmlns:a="http://schemas.openxmlformats.org/drawingml/2006/main" xmlns:r="http://schemas.openxmlformats.org/officeDocument/2006/relationships" xmlns:p="http://schemas.openxmlformats.org/presentationml/2006/main">
   <p:cSld>
     <p:spTree>
@@ -15476,137 +14008,7 @@
 </p:sld>
 </file>
 
-<file path=ppt/slides/slide8.xml><?xml version="1.0" encoding="utf-8"?>
-<p:sld xmlns:a="http://schemas.openxmlformats.org/drawingml/2006/main" xmlns:r="http://schemas.openxmlformats.org/officeDocument/2006/relationships" xmlns:p="http://schemas.openxmlformats.org/presentationml/2006/main">
-  <p:cSld>
-    <p:spTree>
-      <p:nvGrpSpPr>
-        <p:cNvPr id="1" name=""/>
-        <p:cNvGrpSpPr/>
-        <p:nvPr/>
-      </p:nvGrpSpPr>
-      <p:grpSpPr>
-        <a:xfrm>
-          <a:off x="0" y="0"/>
-          <a:ext cx="0" cy="0"/>
-          <a:chOff x="0" y="0"/>
-          <a:chExt cx="0" cy="0"/>
-        </a:xfrm>
-      </p:grpSpPr>
-      <p:sp>
-        <p:nvSpPr>
-          <p:cNvPr id="2" name="Title 1">
-            <a:extLst>
-              <a:ext uri="{FF2B5EF4-FFF2-40B4-BE49-F238E27FC236}">
-                <a16:creationId xmlns:a16="http://schemas.microsoft.com/office/drawing/2014/main" id="{A8E7D7A1-EEE3-3F77-E1EA-8664058A960F}"/>
-              </a:ext>
-            </a:extLst>
-          </p:cNvPr>
-          <p:cNvSpPr>
-            <a:spLocks noGrp="1"/>
-          </p:cNvSpPr>
-          <p:nvPr>
-            <p:ph type="title"/>
-          </p:nvPr>
-        </p:nvSpPr>
-        <p:spPr/>
-        <p:txBody>
-          <a:bodyPr/>
-          <a:lstStyle/>
-          <a:p>
-            <a:r>
-              <a:rPr lang="en-US" dirty="0"/>
-              <a:t>Prompt: Description</a:t>
-            </a:r>
-          </a:p>
-        </p:txBody>
-      </p:sp>
-      <p:sp>
-        <p:nvSpPr>
-          <p:cNvPr id="3" name="Content Placeholder 2">
-            <a:extLst>
-              <a:ext uri="{FF2B5EF4-FFF2-40B4-BE49-F238E27FC236}">
-                <a16:creationId xmlns:a16="http://schemas.microsoft.com/office/drawing/2014/main" id="{88FB13E2-AF95-74B1-F9EE-9776A3461733}"/>
-              </a:ext>
-            </a:extLst>
-          </p:cNvPr>
-          <p:cNvSpPr>
-            <a:spLocks noGrp="1"/>
-          </p:cNvSpPr>
-          <p:nvPr>
-            <p:ph idx="1"/>
-          </p:nvPr>
-        </p:nvSpPr>
-        <p:spPr/>
-        <p:txBody>
-          <a:bodyPr/>
-          <a:lstStyle/>
-          <a:p>
-            <a:pPr marL="0" indent="0">
-              <a:buNone/>
-            </a:pPr>
-            <a:r>
-              <a:rPr lang="en-US" sz="4400" dirty="0"/>
-              <a:t>I have a list of </a:t>
-            </a:r>
-            <a:r>
-              <a:rPr lang="en-US" sz="4400" b="1" u="sng" dirty="0"/>
-              <a:t>missionary</a:t>
-            </a:r>
-            <a:r>
-              <a:rPr lang="en-US" sz="4400" dirty="0"/>
-              <a:t> names </a:t>
-            </a:r>
-            <a:r>
-              <a:rPr lang="en-US" sz="4400" b="1" u="sng" dirty="0"/>
-              <a:t>in French</a:t>
-            </a:r>
-            <a:r>
-              <a:rPr lang="en-US" sz="4400" dirty="0"/>
-              <a:t>. They </a:t>
-            </a:r>
-            <a:r>
-              <a:rPr lang="en-US" sz="4400" b="1" u="sng" dirty="0"/>
-              <a:t>lived in 16c to 18c</a:t>
-            </a:r>
-            <a:r>
-              <a:rPr lang="en-US" sz="4400" dirty="0"/>
-              <a:t>. please clean the data for me:</a:t>
-            </a:r>
-          </a:p>
-          <a:p>
-            <a:pPr marL="0" indent="0">
-              <a:buNone/>
-            </a:pPr>
-            <a:r>
-              <a:rPr lang="en-US" dirty="0"/>
-              <a:t>[</a:t>
-            </a:r>
-            <a:r>
-              <a:rPr lang="en-US" altLang="zh-CN" dirty="0"/>
-              <a:t>your list</a:t>
-            </a:r>
-            <a:r>
-              <a:rPr lang="en-US" dirty="0"/>
-              <a:t>]</a:t>
-            </a:r>
-          </a:p>
-        </p:txBody>
-      </p:sp>
-    </p:spTree>
-    <p:extLst>
-      <p:ext uri="{BB962C8B-B14F-4D97-AF65-F5344CB8AC3E}">
-        <p14:creationId xmlns:p14="http://schemas.microsoft.com/office/powerpoint/2010/main" val="1714145314"/>
-      </p:ext>
-    </p:extLst>
-  </p:cSld>
-  <p:clrMapOvr>
-    <a:masterClrMapping/>
-  </p:clrMapOvr>
-</p:sld>
-</file>
-
-<file path=ppt/slides/slide80.xml><?xml version="1.0" encoding="utf-8"?>
+<file path=ppt/slides/slide74.xml><?xml version="1.0" encoding="utf-8"?>
 <p:sld xmlns:a="http://schemas.openxmlformats.org/drawingml/2006/main" xmlns:r="http://schemas.openxmlformats.org/officeDocument/2006/relationships" xmlns:p="http://schemas.openxmlformats.org/presentationml/2006/main">
   <p:cSld>
     <p:spTree>
@@ -15716,7 +14118,7 @@
 </p:sld>
 </file>
 
-<file path=ppt/slides/slide81.xml><?xml version="1.0" encoding="utf-8"?>
+<file path=ppt/slides/slide75.xml><?xml version="1.0" encoding="utf-8"?>
 <p:sld xmlns:a="http://schemas.openxmlformats.org/drawingml/2006/main" xmlns:r="http://schemas.openxmlformats.org/officeDocument/2006/relationships" xmlns:p="http://schemas.openxmlformats.org/presentationml/2006/main">
   <p:cSld>
     <p:spTree>
@@ -16045,7 +14447,7 @@
 </p:sld>
 </file>
 
-<file path=ppt/slides/slide82.xml><?xml version="1.0" encoding="utf-8"?>
+<file path=ppt/slides/slide76.xml><?xml version="1.0" encoding="utf-8"?>
 <p:sld xmlns:a="http://schemas.openxmlformats.org/drawingml/2006/main" xmlns:r="http://schemas.openxmlformats.org/officeDocument/2006/relationships" xmlns:p="http://schemas.openxmlformats.org/presentationml/2006/main">
   <p:cSld>
     <p:spTree>
@@ -16184,7 +14586,7 @@
 </p:sld>
 </file>
 
-<file path=ppt/slides/slide83.xml><?xml version="1.0" encoding="utf-8"?>
+<file path=ppt/slides/slide77.xml><?xml version="1.0" encoding="utf-8"?>
 <p:sld xmlns:a="http://schemas.openxmlformats.org/drawingml/2006/main" xmlns:r="http://schemas.openxmlformats.org/officeDocument/2006/relationships" xmlns:p="http://schemas.openxmlformats.org/presentationml/2006/main">
   <p:cSld>
     <p:spTree>
@@ -16280,7 +14682,7 @@
 </p:sld>
 </file>
 
-<file path=ppt/slides/slide84.xml><?xml version="1.0" encoding="utf-8"?>
+<file path=ppt/slides/slide78.xml><?xml version="1.0" encoding="utf-8"?>
 <p:sld xmlns:a="http://schemas.openxmlformats.org/drawingml/2006/main" xmlns:r="http://schemas.openxmlformats.org/officeDocument/2006/relationships" xmlns:p="http://schemas.openxmlformats.org/presentationml/2006/main">
   <p:cSld>
     <p:spTree>
@@ -16442,7 +14844,7 @@
 </p:sld>
 </file>
 
-<file path=ppt/slides/slide85.xml><?xml version="1.0" encoding="utf-8"?>
+<file path=ppt/slides/slide79.xml><?xml version="1.0" encoding="utf-8"?>
 <p:sld xmlns:a="http://schemas.openxmlformats.org/drawingml/2006/main" xmlns:r="http://schemas.openxmlformats.org/officeDocument/2006/relationships" xmlns:p="http://schemas.openxmlformats.org/presentationml/2006/main">
   <p:cSld>
     <p:spTree>
@@ -16525,7 +14927,7 @@
 </p:sld>
 </file>
 
-<file path=ppt/slides/slide86.xml><?xml version="1.0" encoding="utf-8"?>
+<file path=ppt/slides/slide8.xml><?xml version="1.0" encoding="utf-8"?>
 <p:sld xmlns:a="http://schemas.openxmlformats.org/drawingml/2006/main" xmlns:r="http://schemas.openxmlformats.org/officeDocument/2006/relationships" xmlns:p="http://schemas.openxmlformats.org/presentationml/2006/main">
   <p:cSld>
     <p:spTree>
@@ -16547,6 +14949,136 @@
           <p:cNvPr id="2" name="Title 1">
             <a:extLst>
               <a:ext uri="{FF2B5EF4-FFF2-40B4-BE49-F238E27FC236}">
+                <a16:creationId xmlns:a16="http://schemas.microsoft.com/office/drawing/2014/main" id="{A8E7D7A1-EEE3-3F77-E1EA-8664058A960F}"/>
+              </a:ext>
+            </a:extLst>
+          </p:cNvPr>
+          <p:cNvSpPr>
+            <a:spLocks noGrp="1"/>
+          </p:cNvSpPr>
+          <p:nvPr>
+            <p:ph type="title"/>
+          </p:nvPr>
+        </p:nvSpPr>
+        <p:spPr/>
+        <p:txBody>
+          <a:bodyPr/>
+          <a:lstStyle/>
+          <a:p>
+            <a:r>
+              <a:rPr lang="en-US" dirty="0"/>
+              <a:t>Prompt: Description</a:t>
+            </a:r>
+          </a:p>
+        </p:txBody>
+      </p:sp>
+      <p:sp>
+        <p:nvSpPr>
+          <p:cNvPr id="3" name="Content Placeholder 2">
+            <a:extLst>
+              <a:ext uri="{FF2B5EF4-FFF2-40B4-BE49-F238E27FC236}">
+                <a16:creationId xmlns:a16="http://schemas.microsoft.com/office/drawing/2014/main" id="{88FB13E2-AF95-74B1-F9EE-9776A3461733}"/>
+              </a:ext>
+            </a:extLst>
+          </p:cNvPr>
+          <p:cNvSpPr>
+            <a:spLocks noGrp="1"/>
+          </p:cNvSpPr>
+          <p:nvPr>
+            <p:ph idx="1"/>
+          </p:nvPr>
+        </p:nvSpPr>
+        <p:spPr/>
+        <p:txBody>
+          <a:bodyPr/>
+          <a:lstStyle/>
+          <a:p>
+            <a:pPr marL="0" indent="0">
+              <a:buNone/>
+            </a:pPr>
+            <a:r>
+              <a:rPr lang="en-US" sz="4400" dirty="0"/>
+              <a:t>I have a list of </a:t>
+            </a:r>
+            <a:r>
+              <a:rPr lang="en-US" sz="4400" b="1" u="sng" dirty="0"/>
+              <a:t>missionary</a:t>
+            </a:r>
+            <a:r>
+              <a:rPr lang="en-US" sz="4400" dirty="0"/>
+              <a:t> names </a:t>
+            </a:r>
+            <a:r>
+              <a:rPr lang="en-US" sz="4400" b="1" u="sng" dirty="0"/>
+              <a:t>in French</a:t>
+            </a:r>
+            <a:r>
+              <a:rPr lang="en-US" sz="4400" dirty="0"/>
+              <a:t>. They </a:t>
+            </a:r>
+            <a:r>
+              <a:rPr lang="en-US" sz="4400" b="1" u="sng" dirty="0"/>
+              <a:t>lived in 16c to 18c</a:t>
+            </a:r>
+            <a:r>
+              <a:rPr lang="en-US" sz="4400" dirty="0"/>
+              <a:t>. please clean the data for me:</a:t>
+            </a:r>
+          </a:p>
+          <a:p>
+            <a:pPr marL="0" indent="0">
+              <a:buNone/>
+            </a:pPr>
+            <a:r>
+              <a:rPr lang="en-US" dirty="0"/>
+              <a:t>[</a:t>
+            </a:r>
+            <a:r>
+              <a:rPr lang="en-US" altLang="zh-CN" dirty="0"/>
+              <a:t>your list</a:t>
+            </a:r>
+            <a:r>
+              <a:rPr lang="en-US" dirty="0"/>
+              <a:t>]</a:t>
+            </a:r>
+          </a:p>
+        </p:txBody>
+      </p:sp>
+    </p:spTree>
+    <p:extLst>
+      <p:ext uri="{BB962C8B-B14F-4D97-AF65-F5344CB8AC3E}">
+        <p14:creationId xmlns:p14="http://schemas.microsoft.com/office/powerpoint/2010/main" val="1714145314"/>
+      </p:ext>
+    </p:extLst>
+  </p:cSld>
+  <p:clrMapOvr>
+    <a:masterClrMapping/>
+  </p:clrMapOvr>
+</p:sld>
+</file>
+
+<file path=ppt/slides/slide80.xml><?xml version="1.0" encoding="utf-8"?>
+<p:sld xmlns:a="http://schemas.openxmlformats.org/drawingml/2006/main" xmlns:r="http://schemas.openxmlformats.org/officeDocument/2006/relationships" xmlns:p="http://schemas.openxmlformats.org/presentationml/2006/main">
+  <p:cSld>
+    <p:spTree>
+      <p:nvGrpSpPr>
+        <p:cNvPr id="1" name=""/>
+        <p:cNvGrpSpPr/>
+        <p:nvPr/>
+      </p:nvGrpSpPr>
+      <p:grpSpPr>
+        <a:xfrm>
+          <a:off x="0" y="0"/>
+          <a:ext cx="0" cy="0"/>
+          <a:chOff x="0" y="0"/>
+          <a:chExt cx="0" cy="0"/>
+        </a:xfrm>
+      </p:grpSpPr>
+      <p:sp>
+        <p:nvSpPr>
+          <p:cNvPr id="2" name="Title 1">
+            <a:extLst>
+              <a:ext uri="{FF2B5EF4-FFF2-40B4-BE49-F238E27FC236}">
                 <a16:creationId xmlns:a16="http://schemas.microsoft.com/office/drawing/2014/main" id="{E94B733F-0470-BA06-7E0A-79B135F8950E}"/>
               </a:ext>
             </a:extLst>
@@ -16608,7 +15140,7 @@
 </p:sld>
 </file>
 
-<file path=ppt/slides/slide87.xml><?xml version="1.0" encoding="utf-8"?>
+<file path=ppt/slides/slide81.xml><?xml version="1.0" encoding="utf-8"?>
 <p:sld xmlns:a="http://schemas.openxmlformats.org/drawingml/2006/main" xmlns:r="http://schemas.openxmlformats.org/officeDocument/2006/relationships" xmlns:p="http://schemas.openxmlformats.org/presentationml/2006/main">
   <p:cSld>
     <p:spTree>
@@ -16854,7 +15386,7 @@
 </p:sld>
 </file>
 
-<file path=ppt/slides/slide88.xml><?xml version="1.0" encoding="utf-8"?>
+<file path=ppt/slides/slide82.xml><?xml version="1.0" encoding="utf-8"?>
 <p:sld xmlns:a="http://schemas.openxmlformats.org/drawingml/2006/main" xmlns:r="http://schemas.openxmlformats.org/officeDocument/2006/relationships" xmlns:p="http://schemas.openxmlformats.org/presentationml/2006/main">
   <p:cSld>
     <p:spTree>
@@ -17017,7 +15549,7 @@
 </p:sld>
 </file>
 
-<file path=ppt/slides/slide89.xml><?xml version="1.0" encoding="utf-8"?>
+<file path=ppt/slides/slide83.xml><?xml version="1.0" encoding="utf-8"?>
 <p:sld xmlns:a="http://schemas.openxmlformats.org/drawingml/2006/main" xmlns:r="http://schemas.openxmlformats.org/officeDocument/2006/relationships" xmlns:p="http://schemas.openxmlformats.org/presentationml/2006/main">
   <p:cSld>
     <p:spTree>
@@ -17103,19 +15635,27 @@
           <a:p>
             <a:r>
               <a:rPr lang="en-US" dirty="0"/>
-              <a:t>To understand the result instead of trusting the result</a:t>
-            </a:r>
-          </a:p>
-          <a:p>
-            <a:r>
-              <a:rPr lang="en-US" dirty="0"/>
-              <a:t>More information are good, more logic are bad</a:t>
-            </a:r>
-          </a:p>
-          <a:p>
-            <a:r>
-              <a:rPr lang="en-US" dirty="0"/>
-              <a:t>Bias examples will bring you bias result</a:t>
+              <a:t>Try to understand the result instead of trusting the result</a:t>
+            </a:r>
+          </a:p>
+          <a:p>
+            <a:r>
+              <a:rPr lang="en-US" dirty="0"/>
+              <a:t>More information is good, more logic is bad</a:t>
+            </a:r>
+          </a:p>
+          <a:p>
+            <a:r>
+              <a:rPr lang="en-US" dirty="0"/>
+              <a:t>Biased examples </a:t>
+            </a:r>
+            <a:r>
+              <a:rPr lang="en-US"/>
+              <a:t>will give </a:t>
+            </a:r>
+            <a:r>
+              <a:rPr lang="en-US" dirty="0"/>
+              <a:t>biased result</a:t>
             </a:r>
           </a:p>
           <a:p>

--- a/_slides/Generative AI for East Asian Studies_use cases.pptx
+++ b/_slides/Generative AI for East Asian Studies_use cases.pptx
@@ -69,25 +69,34 @@
     <p:sldId id="318" r:id="rId63"/>
     <p:sldId id="319" r:id="rId64"/>
     <p:sldId id="320" r:id="rId65"/>
-    <p:sldId id="329" r:id="rId66"/>
-    <p:sldId id="328" r:id="rId67"/>
-    <p:sldId id="330" r:id="rId68"/>
-    <p:sldId id="331" r:id="rId69"/>
-    <p:sldId id="332" r:id="rId70"/>
-    <p:sldId id="335" r:id="rId71"/>
-    <p:sldId id="334" r:id="rId72"/>
-    <p:sldId id="333" r:id="rId73"/>
-    <p:sldId id="339" r:id="rId74"/>
-    <p:sldId id="336" r:id="rId75"/>
-    <p:sldId id="338" r:id="rId76"/>
-    <p:sldId id="337" r:id="rId77"/>
-    <p:sldId id="348" r:id="rId78"/>
-    <p:sldId id="349" r:id="rId79"/>
-    <p:sldId id="350" r:id="rId80"/>
-    <p:sldId id="351" r:id="rId81"/>
-    <p:sldId id="352" r:id="rId82"/>
-    <p:sldId id="262" r:id="rId83"/>
-    <p:sldId id="258" r:id="rId84"/>
+    <p:sldId id="353" r:id="rId66"/>
+    <p:sldId id="354" r:id="rId67"/>
+    <p:sldId id="355" r:id="rId68"/>
+    <p:sldId id="359" r:id="rId69"/>
+    <p:sldId id="358" r:id="rId70"/>
+    <p:sldId id="356" r:id="rId71"/>
+    <p:sldId id="357" r:id="rId72"/>
+    <p:sldId id="360" r:id="rId73"/>
+    <p:sldId id="329" r:id="rId74"/>
+    <p:sldId id="328" r:id="rId75"/>
+    <p:sldId id="330" r:id="rId76"/>
+    <p:sldId id="331" r:id="rId77"/>
+    <p:sldId id="332" r:id="rId78"/>
+    <p:sldId id="335" r:id="rId79"/>
+    <p:sldId id="334" r:id="rId80"/>
+    <p:sldId id="333" r:id="rId81"/>
+    <p:sldId id="339" r:id="rId82"/>
+    <p:sldId id="336" r:id="rId83"/>
+    <p:sldId id="338" r:id="rId84"/>
+    <p:sldId id="337" r:id="rId85"/>
+    <p:sldId id="348" r:id="rId86"/>
+    <p:sldId id="349" r:id="rId87"/>
+    <p:sldId id="350" r:id="rId88"/>
+    <p:sldId id="351" r:id="rId89"/>
+    <p:sldId id="352" r:id="rId90"/>
+    <p:sldId id="262" r:id="rId91"/>
+    <p:sldId id="258" r:id="rId92"/>
+    <p:sldId id="361" r:id="rId93"/>
   </p:sldIdLst>
   <p:sldSz cx="12192000" cy="6858000"/>
   <p:notesSz cx="6858000" cy="9144000"/>
@@ -210,6 +219,62 @@
           <inkml:channelProperty channel="F" name="resolution" value="0" units="1/dev"/>
         </inkml:channelProperties>
       </inkml:inkSource>
+      <inkml:timestamp xml:id="ts0" timeString="2023-04-18T00:15:16.468"/>
+    </inkml:context>
+    <inkml:brush xml:id="br0">
+      <inkml:brushProperty name="width" value="0.2" units="cm"/>
+      <inkml:brushProperty name="height" value="0.2" units="cm"/>
+      <inkml:brushProperty name="color" value="#FF0066"/>
+    </inkml:brush>
+  </inkml:definitions>
+  <inkml:trace contextRef="#ctx0" brushRef="#br0">1 8 24575,'5'-1'0,"0"-1"0,0 1 0,0 0 0,0 0 0,1 0 0,-1 0 0,0 1 0,1 0 0,-1 0 0,0 1 0,1 0 0,7 1 0,7 0 0,286 1 0,120 6 0,118-10 0,-216-8 0,-17 29 0,-214-13 0,143-7 0,-101-2 0,-52 2 0,561-15 0,189 3 0,-512 14 0,73-2-1365</inkml:trace>
+</inkml:ink>
+</file>
+
+<file path=ppt/ink/ink2.xml><?xml version="1.0" encoding="utf-8"?>
+<inkml:ink xmlns:inkml="http://www.w3.org/2003/InkML">
+  <inkml:definitions>
+    <inkml:context xml:id="ctx0">
+      <inkml:inkSource xml:id="inkSrc0">
+        <inkml:traceFormat>
+          <inkml:channel name="X" type="integer" min="-2.14748E9" max="2.14748E9" units="cm"/>
+          <inkml:channel name="Y" type="integer" min="-2.14748E9" max="2.14748E9" units="cm"/>
+          <inkml:channel name="F" type="integer" max="32767" units="dev"/>
+        </inkml:traceFormat>
+        <inkml:channelProperties>
+          <inkml:channelProperty channel="X" name="resolution" value="1000" units="1/cm"/>
+          <inkml:channelProperty channel="Y" name="resolution" value="1000" units="1/cm"/>
+          <inkml:channelProperty channel="F" name="resolution" value="0" units="1/dev"/>
+        </inkml:channelProperties>
+      </inkml:inkSource>
+      <inkml:timestamp xml:id="ts0" timeString="2023-04-18T00:15:19.343"/>
+    </inkml:context>
+    <inkml:brush xml:id="br0">
+      <inkml:brushProperty name="width" value="0.2" units="cm"/>
+      <inkml:brushProperty name="height" value="0.2" units="cm"/>
+      <inkml:brushProperty name="color" value="#FF0066"/>
+    </inkml:brush>
+  </inkml:definitions>
+  <inkml:trace contextRef="#ctx0" brushRef="#br0">391 840 24575,'0'-5'0,"1"0"0,0 0 0,0 0 0,0 0 0,1 0 0,-1 0 0,1 0 0,0 1 0,1-1 0,-1 1 0,1 0 0,5-7 0,48-49 0,-36 40 0,10-7 0,1 1 0,1 1 0,1 2 0,1 1 0,72-34 0,197-63 0,-300 118 0,375-111 0,-297 96 0,1 3 0,149-5 0,-4 16 0,282 32 0,-488-26 0,-1 1 0,0 1 0,-1 0 0,1 2 0,-1 0 0,-1 1 0,1 1 0,-2 1 0,1 0 0,-1 2 0,-1-1 0,25 27 0,6 11 0,-2 3 0,54 82 0,-85-116 0,-1 1 0,-1 0 0,-1 1 0,-1 0 0,-1 0 0,0 1 0,-2 1 0,-1-1 0,0 1 0,3 34 0,10 569 0,-20-570 0,-3 0 0,-2-1 0,-3 0 0,-2 0 0,-2-1 0,-28 69 0,26-91 0,-2 0 0,-1-2 0,-1 0 0,-2-1 0,-1-1 0,-1-1 0,-1-1 0,-2-1 0,0-2 0,-41 29 0,-28 10 0,-193 95 0,182-104 0,45-21 0,-287 131 0,304-147 0,-1-1 0,0-3 0,-1-2 0,0-2 0,0-2 0,-59 1 0,72-6 0,1-1 0,-1-2 0,1-1 0,-1-2 0,1 0 0,1-3 0,-1 0 0,1-3 0,-56-26 0,38 9 0,1-2 0,2-2 0,1-2 0,2-2 0,1-1 0,3-3 0,0-1 0,3-2 0,2-2 0,-50-83 0,-206-373 0,37-18 0,233 467 0,2-1 0,3-1 0,2 0 0,3-1 0,2 0 0,2-1 0,3 0 0,4-58 0,0 92 0,0 0 0,2 0 0,1 0 0,0 0 0,1 1 0,2 0 0,0 0 0,1 0 0,1 1 0,1 0 0,1 1 0,0 0 0,2 0 0,0 2 0,1-1 0,1 2 0,0 0 0,1 1 0,27-21 0,-7 12 0,0 1 0,1 2 0,71-30 0,125-30 0,-15 6 0,-133 34-1365</inkml:trace>
+</inkml:ink>
+</file>
+
+<file path=ppt/ink/ink3.xml><?xml version="1.0" encoding="utf-8"?>
+<inkml:ink xmlns:inkml="http://www.w3.org/2003/InkML">
+  <inkml:definitions>
+    <inkml:context xml:id="ctx0">
+      <inkml:inkSource xml:id="inkSrc0">
+        <inkml:traceFormat>
+          <inkml:channel name="X" type="integer" min="-2.14748E9" max="2.14748E9" units="cm"/>
+          <inkml:channel name="Y" type="integer" min="-2.14748E9" max="2.14748E9" units="cm"/>
+          <inkml:channel name="F" type="integer" max="32767" units="dev"/>
+        </inkml:traceFormat>
+        <inkml:channelProperties>
+          <inkml:channelProperty channel="X" name="resolution" value="1000" units="1/cm"/>
+          <inkml:channelProperty channel="Y" name="resolution" value="1000" units="1/cm"/>
+          <inkml:channelProperty channel="F" name="resolution" value="0" units="1/dev"/>
+        </inkml:channelProperties>
+      </inkml:inkSource>
       <inkml:timestamp xml:id="ts0" timeString="2023-04-14T06:50:21.769"/>
     </inkml:context>
     <inkml:brush xml:id="br0">
@@ -222,7 +287,7 @@
 </inkml:ink>
 </file>
 
-<file path=ppt/ink/ink2.xml><?xml version="1.0" encoding="utf-8"?>
+<file path=ppt/ink/ink4.xml><?xml version="1.0" encoding="utf-8"?>
 <inkml:ink xmlns:inkml="http://www.w3.org/2003/InkML">
   <inkml:definitions>
     <inkml:context xml:id="ctx0">
@@ -398,7 +463,7 @@
           <a:p>
             <a:fld id="{AF54A7A0-DFCC-41AE-90DB-6C15F128ED63}" type="datetimeFigureOut">
               <a:rPr lang="en-US" smtClean="0"/>
-              <a:t>4/14/2023</a:t>
+              <a:t>4/18/2023</a:t>
             </a:fld>
             <a:endParaRPr lang="en-US"/>
           </a:p>
@@ -596,7 +661,7 @@
           <a:p>
             <a:fld id="{AF54A7A0-DFCC-41AE-90DB-6C15F128ED63}" type="datetimeFigureOut">
               <a:rPr lang="en-US" smtClean="0"/>
-              <a:t>4/14/2023</a:t>
+              <a:t>4/18/2023</a:t>
             </a:fld>
             <a:endParaRPr lang="en-US"/>
           </a:p>
@@ -804,7 +869,7 @@
           <a:p>
             <a:fld id="{AF54A7A0-DFCC-41AE-90DB-6C15F128ED63}" type="datetimeFigureOut">
               <a:rPr lang="en-US" smtClean="0"/>
-              <a:t>4/14/2023</a:t>
+              <a:t>4/18/2023</a:t>
             </a:fld>
             <a:endParaRPr lang="en-US"/>
           </a:p>
@@ -1002,7 +1067,7 @@
           <a:p>
             <a:fld id="{AF54A7A0-DFCC-41AE-90DB-6C15F128ED63}" type="datetimeFigureOut">
               <a:rPr lang="en-US" smtClean="0"/>
-              <a:t>4/14/2023</a:t>
+              <a:t>4/18/2023</a:t>
             </a:fld>
             <a:endParaRPr lang="en-US"/>
           </a:p>
@@ -1277,7 +1342,7 @@
           <a:p>
             <a:fld id="{AF54A7A0-DFCC-41AE-90DB-6C15F128ED63}" type="datetimeFigureOut">
               <a:rPr lang="en-US" smtClean="0"/>
-              <a:t>4/14/2023</a:t>
+              <a:t>4/18/2023</a:t>
             </a:fld>
             <a:endParaRPr lang="en-US"/>
           </a:p>
@@ -1542,7 +1607,7 @@
           <a:p>
             <a:fld id="{AF54A7A0-DFCC-41AE-90DB-6C15F128ED63}" type="datetimeFigureOut">
               <a:rPr lang="en-US" smtClean="0"/>
-              <a:t>4/14/2023</a:t>
+              <a:t>4/18/2023</a:t>
             </a:fld>
             <a:endParaRPr lang="en-US"/>
           </a:p>
@@ -1954,7 +2019,7 @@
           <a:p>
             <a:fld id="{AF54A7A0-DFCC-41AE-90DB-6C15F128ED63}" type="datetimeFigureOut">
               <a:rPr lang="en-US" smtClean="0"/>
-              <a:t>4/14/2023</a:t>
+              <a:t>4/18/2023</a:t>
             </a:fld>
             <a:endParaRPr lang="en-US"/>
           </a:p>
@@ -2095,7 +2160,7 @@
           <a:p>
             <a:fld id="{AF54A7A0-DFCC-41AE-90DB-6C15F128ED63}" type="datetimeFigureOut">
               <a:rPr lang="en-US" smtClean="0"/>
-              <a:t>4/14/2023</a:t>
+              <a:t>4/18/2023</a:t>
             </a:fld>
             <a:endParaRPr lang="en-US"/>
           </a:p>
@@ -2208,7 +2273,7 @@
           <a:p>
             <a:fld id="{AF54A7A0-DFCC-41AE-90DB-6C15F128ED63}" type="datetimeFigureOut">
               <a:rPr lang="en-US" smtClean="0"/>
-              <a:t>4/14/2023</a:t>
+              <a:t>4/18/2023</a:t>
             </a:fld>
             <a:endParaRPr lang="en-US"/>
           </a:p>
@@ -2519,7 +2584,7 @@
           <a:p>
             <a:fld id="{AF54A7A0-DFCC-41AE-90DB-6C15F128ED63}" type="datetimeFigureOut">
               <a:rPr lang="en-US" smtClean="0"/>
-              <a:t>4/14/2023</a:t>
+              <a:t>4/18/2023</a:t>
             </a:fld>
             <a:endParaRPr lang="en-US"/>
           </a:p>
@@ -2807,7 +2872,7 @@
           <a:p>
             <a:fld id="{AF54A7A0-DFCC-41AE-90DB-6C15F128ED63}" type="datetimeFigureOut">
               <a:rPr lang="en-US" smtClean="0"/>
-              <a:t>4/14/2023</a:t>
+              <a:t>4/18/2023</a:t>
             </a:fld>
             <a:endParaRPr lang="en-US"/>
           </a:p>
@@ -3048,7 +3113,7 @@
           <a:p>
             <a:fld id="{AF54A7A0-DFCC-41AE-90DB-6C15F128ED63}" type="datetimeFigureOut">
               <a:rPr lang="en-US" smtClean="0"/>
-              <a:t>4/14/2023</a:t>
+              <a:t>4/18/2023</a:t>
             </a:fld>
             <a:endParaRPr lang="en-US"/>
           </a:p>
@@ -3643,7 +3708,7 @@
             <a:pPr algn="r"/>
             <a:r>
               <a:rPr lang="en-US" dirty="0"/>
-              <a:t>https://github.com/fccsdigitalchina/generative_ai_east_asian_studies/tree/main/Information_generate/Generate_nationalities</a:t>
+              <a:t>https://github.com/fccsdigitalchina/generative_ai_east_asian_studies/tree/main/Data_generation/Generate_nationalities</a:t>
             </a:r>
           </a:p>
         </p:txBody>
@@ -3729,7 +3794,7 @@
           <a:p>
             <a:r>
               <a:rPr lang="en-US" dirty="0"/>
-              <a:t>I have a list of missionary names in French. They lived in 16c to 18c. please clean the data for me, and give birth year, death year, their Chinese names, nationalities and writings(multiple writings should be separated by ;)</a:t>
+              <a:t>I have a list of missionary names in French. They lived in 16c to 18c. please clean the data for me, and give them their birth year, death year, their Chinese names, nationalities and writings(multiple writings should be separated by ;)</a:t>
             </a:r>
           </a:p>
           <a:p>
@@ -3867,6 +3932,9 @@
           </a:bodyPr>
           <a:lstStyle/>
           <a:p>
+            <a:pPr marL="0" indent="0">
+              <a:buNone/>
+            </a:pPr>
             <a:r>
               <a:rPr lang="en-US" sz="4400" dirty="0"/>
               <a:t>Generate 10 records per batch in this format:</a:t>
@@ -3973,6 +4041,9 @@
           </a:bodyPr>
           <a:lstStyle/>
           <a:p>
+            <a:pPr marL="0" indent="0">
+              <a:buNone/>
+            </a:pPr>
             <a:r>
               <a:rPr lang="en-US" sz="4800" b="0" i="0" dirty="0">
                 <a:solidFill>
@@ -4047,7 +4118,7 @@
               <a:rPr lang="en-US" sz="2400" dirty="0">
                 <a:hlinkClick r:id="rId2"/>
               </a:rPr>
-              <a:t>https://github.com/fccsdigitalchina/generative_ai_east_asian_studies/blob/main/Information_generate/Generate_nationalities/2_prompt.txt</a:t>
+              <a:t>https://github.com/fccsdigitalchina/generative_ai_east_asian_studies/blob/main/Data_generation/Generate_nationalities/2_prompt.txt</a:t>
             </a:r>
             <a:endParaRPr lang="en-US" sz="2400" dirty="0"/>
           </a:p>
@@ -4058,10 +4129,10 @@
       </p:sp>
       <p:pic>
         <p:nvPicPr>
-          <p:cNvPr id="5" name="Picture 4">
-            <a:extLst>
-              <a:ext uri="{FF2B5EF4-FFF2-40B4-BE49-F238E27FC236}">
-                <a16:creationId xmlns:a16="http://schemas.microsoft.com/office/drawing/2014/main" id="{6AB2C15C-A88E-FE65-D802-C3B96ED738B4}"/>
+          <p:cNvPr id="7" name="Picture 6">
+            <a:extLst>
+              <a:ext uri="{FF2B5EF4-FFF2-40B4-BE49-F238E27FC236}">
+                <a16:creationId xmlns:a16="http://schemas.microsoft.com/office/drawing/2014/main" id="{79055607-B383-A82E-2584-609DFDF80865}"/>
               </a:ext>
             </a:extLst>
           </p:cNvPr>
@@ -4078,8 +4149,8 @@
         </p:blipFill>
         <p:spPr>
           <a:xfrm>
-            <a:off x="2463053" y="1426560"/>
-            <a:ext cx="7265893" cy="5332828"/>
+            <a:off x="1413809" y="1374818"/>
+            <a:ext cx="9364382" cy="5372850"/>
           </a:xfrm>
           <a:prstGeom prst="rect">
             <a:avLst/>
@@ -4179,10 +4250,10 @@
       </p:sp>
       <p:pic>
         <p:nvPicPr>
-          <p:cNvPr id="5" name="Picture 4">
-            <a:extLst>
-              <a:ext uri="{FF2B5EF4-FFF2-40B4-BE49-F238E27FC236}">
-                <a16:creationId xmlns:a16="http://schemas.microsoft.com/office/drawing/2014/main" id="{B41BD903-52B3-C176-494C-F21FC2B1FC2C}"/>
+          <p:cNvPr id="6" name="Picture 5">
+            <a:extLst>
+              <a:ext uri="{FF2B5EF4-FFF2-40B4-BE49-F238E27FC236}">
+                <a16:creationId xmlns:a16="http://schemas.microsoft.com/office/drawing/2014/main" id="{35794670-FC4A-1199-A595-E5D6C3D05E56}"/>
               </a:ext>
             </a:extLst>
           </p:cNvPr>
@@ -4199,14 +4270,166 @@
         </p:blipFill>
         <p:spPr>
           <a:xfrm>
-            <a:off x="557212" y="1343025"/>
-            <a:ext cx="11077575" cy="5514975"/>
+            <a:off x="382989" y="1581606"/>
+            <a:ext cx="10898121" cy="4839375"/>
           </a:xfrm>
           <a:prstGeom prst="rect">
             <a:avLst/>
           </a:prstGeom>
         </p:spPr>
       </p:pic>
+      <p:sp>
+        <p:nvSpPr>
+          <p:cNvPr id="7" name="Rectangle 6">
+            <a:extLst>
+              <a:ext uri="{FF2B5EF4-FFF2-40B4-BE49-F238E27FC236}">
+                <a16:creationId xmlns:a16="http://schemas.microsoft.com/office/drawing/2014/main" id="{4E91E51B-8FDD-BDB3-3CFF-580DAEAD05E0}"/>
+              </a:ext>
+            </a:extLst>
+          </p:cNvPr>
+          <p:cNvSpPr/>
+          <p:nvPr/>
+        </p:nvSpPr>
+        <p:spPr>
+          <a:xfrm>
+            <a:off x="207390" y="1300899"/>
+            <a:ext cx="6787299" cy="5420412"/>
+          </a:xfrm>
+          <a:prstGeom prst="rect">
+            <a:avLst/>
+          </a:prstGeom>
+          <a:noFill/>
+          <a:ln w="57150" cap="flat" cmpd="sng" algn="ctr">
+            <a:solidFill>
+              <a:schemeClr val="accent4"/>
+            </a:solidFill>
+            <a:prstDash val="solid"/>
+            <a:round/>
+            <a:headEnd type="none" w="med" len="med"/>
+            <a:tailEnd type="none" w="med" len="med"/>
+          </a:ln>
+        </p:spPr>
+        <p:style>
+          <a:lnRef idx="0">
+            <a:scrgbClr r="0" g="0" b="0"/>
+          </a:lnRef>
+          <a:fillRef idx="0">
+            <a:scrgbClr r="0" g="0" b="0"/>
+          </a:fillRef>
+          <a:effectRef idx="0">
+            <a:scrgbClr r="0" g="0" b="0"/>
+          </a:effectRef>
+          <a:fontRef idx="minor">
+            <a:schemeClr val="accent4"/>
+          </a:fontRef>
+        </p:style>
+        <p:txBody>
+          <a:bodyPr rtlCol="0" anchor="ctr"/>
+          <a:lstStyle/>
+          <a:p>
+            <a:pPr algn="ctr"/>
+            <a:endParaRPr lang="en-US"/>
+          </a:p>
+        </p:txBody>
+      </p:sp>
+      <p:sp>
+        <p:nvSpPr>
+          <p:cNvPr id="8" name="Rectangle 7">
+            <a:extLst>
+              <a:ext uri="{FF2B5EF4-FFF2-40B4-BE49-F238E27FC236}">
+                <a16:creationId xmlns:a16="http://schemas.microsoft.com/office/drawing/2014/main" id="{1DF556FA-10B5-9A4A-7064-5173CFCB9A49}"/>
+              </a:ext>
+            </a:extLst>
+          </p:cNvPr>
+          <p:cNvSpPr/>
+          <p:nvPr/>
+        </p:nvSpPr>
+        <p:spPr>
+          <a:xfrm>
+            <a:off x="7057443" y="1300899"/>
+            <a:ext cx="2956134" cy="5420412"/>
+          </a:xfrm>
+          <a:prstGeom prst="rect">
+            <a:avLst/>
+          </a:prstGeom>
+          <a:noFill/>
+          <a:ln w="57150" cap="flat" cmpd="sng" algn="ctr">
+            <a:solidFill>
+              <a:schemeClr val="accent6"/>
+            </a:solidFill>
+            <a:prstDash val="solid"/>
+            <a:round/>
+            <a:headEnd type="none" w="med" len="med"/>
+            <a:tailEnd type="none" w="med" len="med"/>
+          </a:ln>
+        </p:spPr>
+        <p:style>
+          <a:lnRef idx="0">
+            <a:scrgbClr r="0" g="0" b="0"/>
+          </a:lnRef>
+          <a:fillRef idx="0">
+            <a:scrgbClr r="0" g="0" b="0"/>
+          </a:fillRef>
+          <a:effectRef idx="0">
+            <a:scrgbClr r="0" g="0" b="0"/>
+          </a:effectRef>
+          <a:fontRef idx="minor">
+            <a:schemeClr val="accent6"/>
+          </a:fontRef>
+        </p:style>
+        <p:txBody>
+          <a:bodyPr rtlCol="0" anchor="ctr"/>
+          <a:lstStyle/>
+          <a:p>
+            <a:pPr algn="ctr"/>
+            <a:endParaRPr lang="en-US"/>
+          </a:p>
+        </p:txBody>
+      </p:sp>
+      <p:cxnSp>
+        <p:nvCxnSpPr>
+          <p:cNvPr id="10" name="Straight Arrow Connector 9">
+            <a:extLst>
+              <a:ext uri="{FF2B5EF4-FFF2-40B4-BE49-F238E27FC236}">
+                <a16:creationId xmlns:a16="http://schemas.microsoft.com/office/drawing/2014/main" id="{AC1DFDA0-6E4D-FBA7-3EC5-A6AED5B3AA3D}"/>
+              </a:ext>
+            </a:extLst>
+          </p:cNvPr>
+          <p:cNvCxnSpPr>
+            <a:cxnSpLocks/>
+          </p:cNvCxnSpPr>
+          <p:nvPr/>
+        </p:nvCxnSpPr>
+        <p:spPr>
+          <a:xfrm flipV="1">
+            <a:off x="10659035" y="2290482"/>
+            <a:ext cx="0" cy="2277035"/>
+          </a:xfrm>
+          <a:prstGeom prst="straightConnector1">
+            <a:avLst/>
+          </a:prstGeom>
+          <a:ln w="76200">
+            <a:solidFill>
+              <a:srgbClr val="C00000"/>
+            </a:solidFill>
+            <a:tailEnd type="triangle"/>
+          </a:ln>
+        </p:spPr>
+        <p:style>
+          <a:lnRef idx="1">
+            <a:schemeClr val="accent1"/>
+          </a:lnRef>
+          <a:fillRef idx="0">
+            <a:schemeClr val="accent1"/>
+          </a:fillRef>
+          <a:effectRef idx="0">
+            <a:schemeClr val="accent1"/>
+          </a:effectRef>
+          <a:fontRef idx="minor">
+            <a:schemeClr val="tx1"/>
+          </a:fontRef>
+        </p:style>
+      </p:cxnSp>
     </p:spTree>
     <p:extLst>
       <p:ext uri="{BB962C8B-B14F-4D97-AF65-F5344CB8AC3E}">
@@ -4237,83 +4460,12 @@
           <a:chExt cx="0" cy="0"/>
         </a:xfrm>
       </p:grpSpPr>
-      <p:sp>
-        <p:nvSpPr>
-          <p:cNvPr id="2" name="Title 1">
-            <a:extLst>
-              <a:ext uri="{FF2B5EF4-FFF2-40B4-BE49-F238E27FC236}">
-                <a16:creationId xmlns:a16="http://schemas.microsoft.com/office/drawing/2014/main" id="{FF3B440E-AB9A-2EE4-48CD-B4B69C4785FC}"/>
-              </a:ext>
-            </a:extLst>
-          </p:cNvPr>
-          <p:cNvSpPr>
-            <a:spLocks noGrp="1"/>
-          </p:cNvSpPr>
-          <p:nvPr>
-            <p:ph type="title"/>
-          </p:nvPr>
-        </p:nvSpPr>
-        <p:spPr/>
-        <p:txBody>
-          <a:bodyPr/>
-          <a:lstStyle/>
-          <a:p>
-            <a:r>
-              <a:rPr lang="en-US" dirty="0"/>
-              <a:t>Observe the Data:</a:t>
-            </a:r>
-            <a:r>
-              <a:rPr lang="zh-CN" altLang="en-US" dirty="0"/>
-              <a:t> </a:t>
-            </a:r>
-            <a:r>
-              <a:rPr lang="en-US" altLang="zh-CN" dirty="0"/>
-              <a:t>False</a:t>
-            </a:r>
-            <a:endParaRPr lang="en-US" dirty="0"/>
-          </a:p>
-        </p:txBody>
-      </p:sp>
-      <p:sp>
-        <p:nvSpPr>
-          <p:cNvPr id="3" name="Content Placeholder 2">
-            <a:extLst>
-              <a:ext uri="{FF2B5EF4-FFF2-40B4-BE49-F238E27FC236}">
-                <a16:creationId xmlns:a16="http://schemas.microsoft.com/office/drawing/2014/main" id="{63317DEB-DD76-3416-CF60-FC1C33BAE55A}"/>
-              </a:ext>
-            </a:extLst>
-          </p:cNvPr>
-          <p:cNvSpPr>
-            <a:spLocks noGrp="1"/>
-          </p:cNvSpPr>
-          <p:nvPr>
-            <p:ph idx="1"/>
-          </p:nvPr>
-        </p:nvSpPr>
-        <p:spPr/>
-        <p:txBody>
-          <a:bodyPr/>
-          <a:lstStyle/>
-          <a:p>
-            <a:r>
-              <a:rPr lang="en-US" sz="1800" dirty="0">
-                <a:hlinkClick r:id="rId2"/>
-              </a:rPr>
-              <a:t>https://github.com/fccsdigitalchina/generative_ai_east_asian_studies/blob/main/Information_generate/Generate_nationalities/3_output_check.xlsx</a:t>
-            </a:r>
-            <a:endParaRPr lang="en-US" sz="1800" dirty="0"/>
-          </a:p>
-          <a:p>
-            <a:endParaRPr lang="en-US" dirty="0"/>
-          </a:p>
-        </p:txBody>
-      </p:sp>
       <p:pic>
         <p:nvPicPr>
-          <p:cNvPr id="6" name="Picture 5">
-            <a:extLst>
-              <a:ext uri="{FF2B5EF4-FFF2-40B4-BE49-F238E27FC236}">
-                <a16:creationId xmlns:a16="http://schemas.microsoft.com/office/drawing/2014/main" id="{768200C0-2968-0B36-C9D3-1B6E1D373BF0}"/>
+          <p:cNvPr id="5" name="Picture 4">
+            <a:extLst>
+              <a:ext uri="{FF2B5EF4-FFF2-40B4-BE49-F238E27FC236}">
+                <a16:creationId xmlns:a16="http://schemas.microsoft.com/office/drawing/2014/main" id="{605476FD-8BAE-22E2-86D2-BCEB01B06E01}"/>
               </a:ext>
             </a:extLst>
           </p:cNvPr>
@@ -4323,44 +4475,14 @@
           <p:nvPr/>
         </p:nvPicPr>
         <p:blipFill rotWithShape="1">
-          <a:blip r:embed="rId3"/>
-          <a:srcRect r="10507"/>
+          <a:blip r:embed="rId2"/>
+          <a:srcRect t="311"/>
           <a:stretch/>
         </p:blipFill>
         <p:spPr>
           <a:xfrm>
-            <a:off x="1488060" y="2386275"/>
-            <a:ext cx="8247611" cy="4398488"/>
-          </a:xfrm>
-          <a:prstGeom prst="rect">
-            <a:avLst/>
-          </a:prstGeom>
-        </p:spPr>
-      </p:pic>
-      <p:pic>
-        <p:nvPicPr>
-          <p:cNvPr id="8" name="Picture 7">
-            <a:extLst>
-              <a:ext uri="{FF2B5EF4-FFF2-40B4-BE49-F238E27FC236}">
-                <a16:creationId xmlns:a16="http://schemas.microsoft.com/office/drawing/2014/main" id="{387078D3-5315-52D3-708D-861CEA1DB1E0}"/>
-              </a:ext>
-            </a:extLst>
-          </p:cNvPr>
-          <p:cNvPicPr>
-            <a:picLocks noChangeAspect="1"/>
-          </p:cNvPicPr>
-          <p:nvPr/>
-        </p:nvPicPr>
-        <p:blipFill>
-          <a:blip r:embed="rId4"/>
-          <a:stretch>
-            <a:fillRect/>
-          </a:stretch>
-        </p:blipFill>
-        <p:spPr>
-          <a:xfrm>
-            <a:off x="2560962" y="1550465"/>
-            <a:ext cx="3808415" cy="4443148"/>
+            <a:off x="1942126" y="2723628"/>
+            <a:ext cx="9612066" cy="2877513"/>
           </a:xfrm>
           <a:prstGeom prst="rect">
             <a:avLst/>
@@ -4372,6 +4494,82 @@
           </a:ln>
         </p:spPr>
       </p:pic>
+      <p:sp>
+        <p:nvSpPr>
+          <p:cNvPr id="2" name="Title 1">
+            <a:extLst>
+              <a:ext uri="{FF2B5EF4-FFF2-40B4-BE49-F238E27FC236}">
+                <a16:creationId xmlns:a16="http://schemas.microsoft.com/office/drawing/2014/main" id="{FF3B440E-AB9A-2EE4-48CD-B4B69C4785FC}"/>
+              </a:ext>
+            </a:extLst>
+          </p:cNvPr>
+          <p:cNvSpPr>
+            <a:spLocks noGrp="1"/>
+          </p:cNvSpPr>
+          <p:nvPr>
+            <p:ph type="title"/>
+          </p:nvPr>
+        </p:nvSpPr>
+        <p:spPr/>
+        <p:txBody>
+          <a:bodyPr/>
+          <a:lstStyle/>
+          <a:p>
+            <a:r>
+              <a:rPr lang="en-US" dirty="0"/>
+              <a:t>Observe the Data:</a:t>
+            </a:r>
+            <a:r>
+              <a:rPr lang="zh-CN" altLang="en-US" dirty="0"/>
+              <a:t> </a:t>
+            </a:r>
+            <a:r>
+              <a:rPr lang="en-US" altLang="zh-CN" dirty="0"/>
+              <a:t>False</a:t>
+            </a:r>
+            <a:endParaRPr lang="en-US" dirty="0"/>
+          </a:p>
+        </p:txBody>
+      </p:sp>
+      <p:sp>
+        <p:nvSpPr>
+          <p:cNvPr id="3" name="Content Placeholder 2">
+            <a:extLst>
+              <a:ext uri="{FF2B5EF4-FFF2-40B4-BE49-F238E27FC236}">
+                <a16:creationId xmlns:a16="http://schemas.microsoft.com/office/drawing/2014/main" id="{63317DEB-DD76-3416-CF60-FC1C33BAE55A}"/>
+              </a:ext>
+            </a:extLst>
+          </p:cNvPr>
+          <p:cNvSpPr>
+            <a:spLocks noGrp="1"/>
+          </p:cNvSpPr>
+          <p:nvPr>
+            <p:ph idx="1"/>
+          </p:nvPr>
+        </p:nvSpPr>
+        <p:spPr>
+          <a:xfrm>
+            <a:off x="838200" y="1577788"/>
+            <a:ext cx="10515600" cy="4599175"/>
+          </a:xfrm>
+        </p:spPr>
+        <p:txBody>
+          <a:bodyPr/>
+          <a:lstStyle/>
+          <a:p>
+            <a:r>
+              <a:rPr lang="en-US" sz="1800" dirty="0">
+                <a:hlinkClick r:id="rId3"/>
+              </a:rPr>
+              <a:t>https://github.com/fccsdigitalchina/generative_ai_east_asian_studies/blob/main/Information_generate/Generate_nationalities/3_output_check.xlsx</a:t>
+            </a:r>
+            <a:endParaRPr lang="en-US" sz="1800" dirty="0"/>
+          </a:p>
+          <a:p>
+            <a:endParaRPr lang="en-US" dirty="0"/>
+          </a:p>
+        </p:txBody>
+      </p:sp>
       <p:cxnSp>
         <p:nvCxnSpPr>
           <p:cNvPr id="10" name="Straight Connector 9">
@@ -4383,13 +4581,14 @@
           </p:cNvPr>
           <p:cNvCxnSpPr>
             <a:cxnSpLocks/>
+            <a:stCxn id="13" idx="3"/>
           </p:cNvCxnSpPr>
           <p:nvPr/>
         </p:nvCxnSpPr>
         <p:spPr>
-          <a:xfrm>
-            <a:off x="6369377" y="2796988"/>
-            <a:ext cx="811352" cy="322730"/>
+          <a:xfrm flipV="1">
+            <a:off x="7406842" y="3083859"/>
+            <a:ext cx="1288923" cy="917435"/>
           </a:xfrm>
           <a:prstGeom prst="line">
             <a:avLst/>
@@ -4411,6 +4610,41 @@
           </a:fontRef>
         </p:style>
       </p:cxnSp>
+      <p:pic>
+        <p:nvPicPr>
+          <p:cNvPr id="13" name="Picture 12">
+            <a:extLst>
+              <a:ext uri="{FF2B5EF4-FFF2-40B4-BE49-F238E27FC236}">
+                <a16:creationId xmlns:a16="http://schemas.microsoft.com/office/drawing/2014/main" id="{4DAFF403-C89D-6D91-3764-0DFFDF15A5A0}"/>
+              </a:ext>
+            </a:extLst>
+          </p:cNvPr>
+          <p:cNvPicPr>
+            <a:picLocks noChangeAspect="1"/>
+          </p:cNvPicPr>
+          <p:nvPr/>
+        </p:nvPicPr>
+        <p:blipFill>
+          <a:blip r:embed="rId4"/>
+          <a:stretch>
+            <a:fillRect/>
+          </a:stretch>
+        </p:blipFill>
+        <p:spPr>
+          <a:xfrm>
+            <a:off x="4661601" y="2236496"/>
+            <a:ext cx="2745241" cy="3529595"/>
+          </a:xfrm>
+          <a:prstGeom prst="rect">
+            <a:avLst/>
+          </a:prstGeom>
+          <a:ln w="38100">
+            <a:solidFill>
+              <a:schemeClr val="tx1"/>
+            </a:solidFill>
+          </a:ln>
+        </p:spPr>
+      </p:pic>
     </p:spTree>
     <p:extLst>
       <p:ext uri="{BB962C8B-B14F-4D97-AF65-F5344CB8AC3E}">
@@ -4441,74 +4675,12 @@
           <a:chExt cx="0" cy="0"/>
         </a:xfrm>
       </p:grpSpPr>
-      <p:sp>
-        <p:nvSpPr>
-          <p:cNvPr id="2" name="Title 1">
-            <a:extLst>
-              <a:ext uri="{FF2B5EF4-FFF2-40B4-BE49-F238E27FC236}">
-                <a16:creationId xmlns:a16="http://schemas.microsoft.com/office/drawing/2014/main" id="{C707ECA2-404F-BFDE-E28E-D1DB80722D26}"/>
-              </a:ext>
-            </a:extLst>
-          </p:cNvPr>
-          <p:cNvSpPr>
-            <a:spLocks noGrp="1"/>
-          </p:cNvSpPr>
-          <p:nvPr>
-            <p:ph type="title"/>
-          </p:nvPr>
-        </p:nvSpPr>
-        <p:spPr/>
-        <p:txBody>
-          <a:bodyPr/>
-          <a:lstStyle/>
-          <a:p>
-            <a:r>
-              <a:rPr lang="en-US" dirty="0"/>
-              <a:t>Observe the Data:</a:t>
-            </a:r>
-            <a:r>
-              <a:rPr lang="zh-CN" altLang="en-US" dirty="0"/>
-              <a:t> </a:t>
-            </a:r>
-            <a:r>
-              <a:rPr lang="en-US" altLang="zh-CN" dirty="0"/>
-              <a:t>True</a:t>
-            </a:r>
-            <a:endParaRPr lang="en-US" dirty="0"/>
-          </a:p>
-        </p:txBody>
-      </p:sp>
-      <p:sp>
-        <p:nvSpPr>
-          <p:cNvPr id="3" name="Content Placeholder 2">
-            <a:extLst>
-              <a:ext uri="{FF2B5EF4-FFF2-40B4-BE49-F238E27FC236}">
-                <a16:creationId xmlns:a16="http://schemas.microsoft.com/office/drawing/2014/main" id="{4515B12C-DB2B-D008-8CF0-3B90EB543414}"/>
-              </a:ext>
-            </a:extLst>
-          </p:cNvPr>
-          <p:cNvSpPr>
-            <a:spLocks noGrp="1"/>
-          </p:cNvSpPr>
-          <p:nvPr>
-            <p:ph idx="1"/>
-          </p:nvPr>
-        </p:nvSpPr>
-        <p:spPr/>
-        <p:txBody>
-          <a:bodyPr/>
-          <a:lstStyle/>
-          <a:p>
-            <a:endParaRPr lang="en-US"/>
-          </a:p>
-        </p:txBody>
-      </p:sp>
       <p:pic>
         <p:nvPicPr>
-          <p:cNvPr id="5" name="Picture 4">
-            <a:extLst>
-              <a:ext uri="{FF2B5EF4-FFF2-40B4-BE49-F238E27FC236}">
-                <a16:creationId xmlns:a16="http://schemas.microsoft.com/office/drawing/2014/main" id="{D13F4B9B-988A-FF33-C5D4-1C9D0BD1E0A5}"/>
+          <p:cNvPr id="6" name="Picture 5">
+            <a:extLst>
+              <a:ext uri="{FF2B5EF4-FFF2-40B4-BE49-F238E27FC236}">
+                <a16:creationId xmlns:a16="http://schemas.microsoft.com/office/drawing/2014/main" id="{FAC2CDD4-A2C7-5DD0-0CCA-CD9CDDE1DA3D}"/>
               </a:ext>
             </a:extLst>
           </p:cNvPr>
@@ -4517,46 +4689,15 @@
           </p:cNvPicPr>
           <p:nvPr/>
         </p:nvPicPr>
-        <p:blipFill>
+        <p:blipFill rotWithShape="1">
           <a:blip r:embed="rId2"/>
-          <a:stretch>
-            <a:fillRect/>
-          </a:stretch>
+          <a:srcRect r="11619"/>
+          <a:stretch/>
         </p:blipFill>
         <p:spPr>
           <a:xfrm>
-            <a:off x="1080527" y="1485900"/>
-            <a:ext cx="9744075" cy="5372100"/>
-          </a:xfrm>
-          <a:prstGeom prst="rect">
-            <a:avLst/>
-          </a:prstGeom>
-        </p:spPr>
-      </p:pic>
-      <p:pic>
-        <p:nvPicPr>
-          <p:cNvPr id="7" name="Picture 6">
-            <a:extLst>
-              <a:ext uri="{FF2B5EF4-FFF2-40B4-BE49-F238E27FC236}">
-                <a16:creationId xmlns:a16="http://schemas.microsoft.com/office/drawing/2014/main" id="{144931BF-2968-435F-1CD6-E47EA7357665}"/>
-              </a:ext>
-            </a:extLst>
-          </p:cNvPr>
-          <p:cNvPicPr>
-            <a:picLocks noChangeAspect="1"/>
-          </p:cNvPicPr>
-          <p:nvPr/>
-        </p:nvPicPr>
-        <p:blipFill>
-          <a:blip r:embed="rId3"/>
-          <a:stretch>
-            <a:fillRect/>
-          </a:stretch>
-        </p:blipFill>
-        <p:spPr>
-          <a:xfrm>
-            <a:off x="2780906" y="1759637"/>
-            <a:ext cx="4165491" cy="3862548"/>
+            <a:off x="713894" y="1909181"/>
+            <a:ext cx="9640342" cy="3781953"/>
           </a:xfrm>
           <a:prstGeom prst="rect">
             <a:avLst/>
@@ -4568,6 +4709,43 @@
           </a:ln>
         </p:spPr>
       </p:pic>
+      <p:sp>
+        <p:nvSpPr>
+          <p:cNvPr id="2" name="Title 1">
+            <a:extLst>
+              <a:ext uri="{FF2B5EF4-FFF2-40B4-BE49-F238E27FC236}">
+                <a16:creationId xmlns:a16="http://schemas.microsoft.com/office/drawing/2014/main" id="{C707ECA2-404F-BFDE-E28E-D1DB80722D26}"/>
+              </a:ext>
+            </a:extLst>
+          </p:cNvPr>
+          <p:cNvSpPr>
+            <a:spLocks noGrp="1"/>
+          </p:cNvSpPr>
+          <p:nvPr>
+            <p:ph type="title"/>
+          </p:nvPr>
+        </p:nvSpPr>
+        <p:spPr/>
+        <p:txBody>
+          <a:bodyPr/>
+          <a:lstStyle/>
+          <a:p>
+            <a:r>
+              <a:rPr lang="en-US" dirty="0"/>
+              <a:t>Observe the Data:</a:t>
+            </a:r>
+            <a:r>
+              <a:rPr lang="zh-CN" altLang="en-US" dirty="0"/>
+              <a:t> </a:t>
+            </a:r>
+            <a:r>
+              <a:rPr lang="en-US" altLang="zh-CN" dirty="0"/>
+              <a:t>True</a:t>
+            </a:r>
+            <a:endParaRPr lang="en-US" dirty="0"/>
+          </a:p>
+        </p:txBody>
+      </p:sp>
       <p:cxnSp>
         <p:nvCxnSpPr>
           <p:cNvPr id="8" name="Straight Connector 7">
@@ -4607,6 +4785,40 @@
           </a:fontRef>
         </p:style>
       </p:cxnSp>
+      <p:pic>
+        <p:nvPicPr>
+          <p:cNvPr id="10" name="Picture 9">
+            <a:extLst>
+              <a:ext uri="{FF2B5EF4-FFF2-40B4-BE49-F238E27FC236}">
+                <a16:creationId xmlns:a16="http://schemas.microsoft.com/office/drawing/2014/main" id="{58F01186-F73B-9D9B-928D-E13264980C09}"/>
+              </a:ext>
+            </a:extLst>
+          </p:cNvPr>
+          <p:cNvPicPr>
+            <a:picLocks noChangeAspect="1"/>
+          </p:cNvPicPr>
+          <p:nvPr/>
+        </p:nvPicPr>
+        <p:blipFill rotWithShape="1">
+          <a:blip r:embed="rId3"/>
+          <a:srcRect l="6240" t="5154" r="35314"/>
+          <a:stretch/>
+        </p:blipFill>
+        <p:spPr>
+          <a:xfrm>
+            <a:off x="4126606" y="2811463"/>
+            <a:ext cx="2814918" cy="3550022"/>
+          </a:xfrm>
+          <a:prstGeom prst="rect">
+            <a:avLst/>
+          </a:prstGeom>
+          <a:ln w="38100">
+            <a:solidFill>
+              <a:schemeClr val="tx1"/>
+            </a:solidFill>
+          </a:ln>
+        </p:spPr>
+      </p:pic>
     </p:spTree>
     <p:extLst>
       <p:ext uri="{BB962C8B-B14F-4D97-AF65-F5344CB8AC3E}">
@@ -5099,7 +5311,11 @@
             <p:ph idx="1"/>
           </p:nvPr>
         </p:nvSpPr>
-        <p:spPr/>
+        <p:spPr>
+          <a:solidFill>
+            <a:schemeClr val="bg1"/>
+          </a:solidFill>
+        </p:spPr>
         <p:txBody>
           <a:bodyPr>
             <a:normAutofit fontScale="92500" lnSpcReduction="20000"/>
@@ -5142,7 +5358,7 @@
             </a:r>
             <a:r>
               <a:rPr lang="en-US" dirty="0"/>
-              <a:t>.(the position of c1 is (length of p)/3*2, b1 is (length of p)/3, a1 is 0 , your for loop step should be 1 instead of 3) The output should be(from left to right):</a:t>
+              <a:t>.(the position of c1 is (length of p)/3*2, b1 is (length of p)/3, a1 is 0. Your loop length should be (the paragraph's length)/3). Your for loop step should be 1 instead of 3. The output should be(from left to right):</a:t>
             </a:r>
           </a:p>
           <a:p>
@@ -5190,6 +5406,65 @@
               <a:t>cnbnan</a:t>
             </a:r>
             <a:endParaRPr lang="en-US" dirty="0"/>
+          </a:p>
+        </p:txBody>
+      </p:sp>
+      <p:sp>
+        <p:nvSpPr>
+          <p:cNvPr id="6" name="TextBox 5">
+            <a:extLst>
+              <a:ext uri="{FF2B5EF4-FFF2-40B4-BE49-F238E27FC236}">
+                <a16:creationId xmlns:a16="http://schemas.microsoft.com/office/drawing/2014/main" id="{3EE91BBD-3C30-F706-D0D0-C6A82B231CB4}"/>
+              </a:ext>
+            </a:extLst>
+          </p:cNvPr>
+          <p:cNvSpPr txBox="1"/>
+          <p:nvPr/>
+        </p:nvSpPr>
+        <p:spPr>
+          <a:xfrm>
+            <a:off x="4625788" y="4580982"/>
+            <a:ext cx="6606988" cy="1384995"/>
+          </a:xfrm>
+          <a:prstGeom prst="rect">
+            <a:avLst/>
+          </a:prstGeom>
+          <a:noFill/>
+        </p:spPr>
+        <p:txBody>
+          <a:bodyPr wrap="square">
+            <a:spAutoFit/>
+          </a:bodyPr>
+          <a:lstStyle/>
+          <a:p>
+            <a:pPr marL="0" indent="0">
+              <a:buNone/>
+            </a:pPr>
+            <a:r>
+              <a:rPr lang="zh-TW" altLang="en-US" sz="2800" dirty="0"/>
+              <a:t>安堅濟竇東德西相沙靜望民望我睹觀不</a:t>
+            </a:r>
+            <a:endParaRPr lang="en-US" altLang="zh-TW" sz="2800" dirty="0"/>
+          </a:p>
+          <a:p>
+            <a:pPr marL="0" indent="0">
+              <a:buNone/>
+            </a:pPr>
+            <a:r>
+              <a:rPr lang="zh-TW" altLang="en-US" sz="2800" dirty="0"/>
+              <a:t>禮明範瑪安三方巴明居如華如迪瑪奇寧</a:t>
+            </a:r>
+            <a:endParaRPr lang="en-US" altLang="zh-TW" sz="2800" dirty="0"/>
+          </a:p>
+          <a:p>
+            <a:pPr marL="0" indent="0">
+              <a:buNone/>
+            </a:pPr>
+            <a:r>
+              <a:rPr lang="zh-TW" altLang="en-US" sz="2800" dirty="0"/>
+              <a:t>范羅巴利麥孟石鍾黃郭蘇龍羅龐李費黎</a:t>
+            </a:r>
+            <a:endParaRPr lang="en-US" altLang="zh-TW" sz="2800" dirty="0"/>
           </a:p>
         </p:txBody>
       </p:sp>
@@ -5378,7 +5653,15 @@
             </a:pPr>
             <a:r>
               <a:rPr lang="en-US" dirty="0"/>
-              <a:t>1. There is a input box on the page. Users will put a string like this in this input box "</a:t>
+              <a:t>1. There is a input box on the page. Users will put a string like this in </a:t>
+            </a:r>
+            <a:r>
+              <a:rPr lang="en-US" altLang="zh-CN" dirty="0"/>
+              <a:t>the</a:t>
+            </a:r>
+            <a:r>
+              <a:rPr lang="en-US" dirty="0"/>
+              <a:t> input box "</a:t>
             </a:r>
             <a:r>
               <a:rPr lang="zh-TW" altLang="en-US" dirty="0"/>
@@ -5517,7 +5800,10 @@
             <a:pPr marL="0" indent="0">
               <a:buNone/>
             </a:pPr>
-            <a:endParaRPr lang="en-US" dirty="0"/>
+            <a:r>
+              <a:rPr lang="en-US" sz="2400" dirty="0"/>
+              <a:t>Notes: &lt;div&gt; tag in html stands for division</a:t>
+            </a:r>
           </a:p>
         </p:txBody>
       </p:sp>
@@ -5607,7 +5893,7 @@
             </a:pPr>
             <a:r>
               <a:rPr lang="en-US" dirty="0"/>
-              <a:t>4. The style of this webpage should be cyber punk</a:t>
+              <a:t>4. This webpage should have a Disney style</a:t>
             </a:r>
           </a:p>
         </p:txBody>
@@ -5954,10 +6240,10 @@
       </p:sp>
       <p:pic>
         <p:nvPicPr>
-          <p:cNvPr id="5" name="Picture 4">
-            <a:extLst>
-              <a:ext uri="{FF2B5EF4-FFF2-40B4-BE49-F238E27FC236}">
-                <a16:creationId xmlns:a16="http://schemas.microsoft.com/office/drawing/2014/main" id="{AE04070C-6D09-0127-5430-466B6D5DE5A3}"/>
+          <p:cNvPr id="8" name="Picture 7">
+            <a:extLst>
+              <a:ext uri="{FF2B5EF4-FFF2-40B4-BE49-F238E27FC236}">
+                <a16:creationId xmlns:a16="http://schemas.microsoft.com/office/drawing/2014/main" id="{92737D02-85AB-7D55-E02D-59D3B4CEDEA0}"/>
               </a:ext>
             </a:extLst>
           </p:cNvPr>
@@ -5966,16 +6252,15 @@
           </p:cNvPicPr>
           <p:nvPr/>
         </p:nvPicPr>
-        <p:blipFill>
+        <p:blipFill rotWithShape="1">
           <a:blip r:embed="rId2"/>
-          <a:stretch>
-            <a:fillRect/>
-          </a:stretch>
+          <a:srcRect b="23274"/>
+          <a:stretch/>
         </p:blipFill>
         <p:spPr>
           <a:xfrm>
-            <a:off x="871537" y="1690688"/>
-            <a:ext cx="10448925" cy="4686300"/>
+            <a:off x="3095206" y="1690688"/>
+            <a:ext cx="6001588" cy="5094522"/>
           </a:xfrm>
           <a:prstGeom prst="rect">
             <a:avLst/>
@@ -7790,7 +8075,7 @@
             </a:pPr>
             <a:r>
               <a:rPr lang="en-US" sz="4000" dirty="0"/>
-              <a:t>Output the year from these </a:t>
+              <a:t>Output the western year from this </a:t>
             </a:r>
             <a:r>
               <a:rPr lang="en-US" sz="4000" b="1" u="sng" dirty="0"/>
@@ -7949,9 +8234,10 @@
               </a:lnSpc>
             </a:pPr>
             <a:r>
-              <a:rPr lang="en-US" altLang="zh-CN" dirty="0"/>
-              <a:t>Data Visualization</a:t>
-            </a:r>
+              <a:rPr lang="en-US" dirty="0"/>
+              <a:t>Data Summarization</a:t>
+            </a:r>
+            <a:endParaRPr lang="en-US" altLang="zh-CN" dirty="0"/>
           </a:p>
           <a:p>
             <a:pPr>
@@ -7960,8 +8246,8 @@
               </a:lnSpc>
             </a:pPr>
             <a:r>
-              <a:rPr lang="en-US" dirty="0"/>
-              <a:t>Data Summarization</a:t>
+              <a:rPr lang="en-US" altLang="zh-CN" dirty="0"/>
+              <a:t>Data Visualization</a:t>
             </a:r>
           </a:p>
         </p:txBody>
@@ -11605,6 +11891,1470 @@
           <p:cNvPr id="4" name="Title 3">
             <a:extLst>
               <a:ext uri="{FF2B5EF4-FFF2-40B4-BE49-F238E27FC236}">
+                <a16:creationId xmlns:a16="http://schemas.microsoft.com/office/drawing/2014/main" id="{21BD3C6F-D28D-7FEF-C182-0E827741233D}"/>
+              </a:ext>
+            </a:extLst>
+          </p:cNvPr>
+          <p:cNvSpPr>
+            <a:spLocks noGrp="1"/>
+          </p:cNvSpPr>
+          <p:nvPr>
+            <p:ph type="title"/>
+          </p:nvPr>
+        </p:nvSpPr>
+        <p:spPr/>
+        <p:txBody>
+          <a:bodyPr/>
+          <a:lstStyle/>
+          <a:p>
+            <a:r>
+              <a:rPr lang="en-US" dirty="0"/>
+              <a:t>Summar</a:t>
+            </a:r>
+            <a:r>
+              <a:rPr lang="en-US" altLang="zh-CN" dirty="0"/>
+              <a:t>ize Articles</a:t>
+            </a:r>
+            <a:endParaRPr lang="en-US" dirty="0"/>
+          </a:p>
+        </p:txBody>
+      </p:sp>
+      <p:sp>
+        <p:nvSpPr>
+          <p:cNvPr id="5" name="Text Placeholder 4">
+            <a:extLst>
+              <a:ext uri="{FF2B5EF4-FFF2-40B4-BE49-F238E27FC236}">
+                <a16:creationId xmlns:a16="http://schemas.microsoft.com/office/drawing/2014/main" id="{8F79BD77-817B-938F-F688-972921B8DDCB}"/>
+              </a:ext>
+            </a:extLst>
+          </p:cNvPr>
+          <p:cNvSpPr>
+            <a:spLocks noGrp="1"/>
+          </p:cNvSpPr>
+          <p:nvPr>
+            <p:ph type="body" idx="1"/>
+          </p:nvPr>
+        </p:nvSpPr>
+        <p:spPr/>
+        <p:txBody>
+          <a:bodyPr/>
+          <a:lstStyle/>
+          <a:p>
+            <a:endParaRPr lang="en-US"/>
+          </a:p>
+        </p:txBody>
+      </p:sp>
+    </p:spTree>
+    <p:extLst>
+      <p:ext uri="{BB962C8B-B14F-4D97-AF65-F5344CB8AC3E}">
+        <p14:creationId xmlns:p14="http://schemas.microsoft.com/office/powerpoint/2010/main" val="4060639639"/>
+      </p:ext>
+    </p:extLst>
+  </p:cSld>
+  <p:clrMapOvr>
+    <a:masterClrMapping/>
+  </p:clrMapOvr>
+</p:sld>
+</file>
+
+<file path=ppt/slides/slide66.xml><?xml version="1.0" encoding="utf-8"?>
+<p:sld xmlns:a="http://schemas.openxmlformats.org/drawingml/2006/main" xmlns:r="http://schemas.openxmlformats.org/officeDocument/2006/relationships" xmlns:p="http://schemas.openxmlformats.org/presentationml/2006/main">
+  <p:cSld>
+    <p:spTree>
+      <p:nvGrpSpPr>
+        <p:cNvPr id="1" name=""/>
+        <p:cNvGrpSpPr/>
+        <p:nvPr/>
+      </p:nvGrpSpPr>
+      <p:grpSpPr>
+        <a:xfrm>
+          <a:off x="0" y="0"/>
+          <a:ext cx="0" cy="0"/>
+          <a:chOff x="0" y="0"/>
+          <a:chExt cx="0" cy="0"/>
+        </a:xfrm>
+      </p:grpSpPr>
+      <p:sp>
+        <p:nvSpPr>
+          <p:cNvPr id="2" name="Title 1">
+            <a:extLst>
+              <a:ext uri="{FF2B5EF4-FFF2-40B4-BE49-F238E27FC236}">
+                <a16:creationId xmlns:a16="http://schemas.microsoft.com/office/drawing/2014/main" id="{40605AD1-DAA9-F21A-7210-6368C6C317F9}"/>
+              </a:ext>
+            </a:extLst>
+          </p:cNvPr>
+          <p:cNvSpPr>
+            <a:spLocks noGrp="1"/>
+          </p:cNvSpPr>
+          <p:nvPr>
+            <p:ph type="title"/>
+          </p:nvPr>
+        </p:nvSpPr>
+        <p:spPr/>
+        <p:txBody>
+          <a:bodyPr/>
+          <a:lstStyle/>
+          <a:p>
+            <a:endParaRPr lang="en-US"/>
+          </a:p>
+        </p:txBody>
+      </p:sp>
+      <p:sp>
+        <p:nvSpPr>
+          <p:cNvPr id="3" name="Content Placeholder 2">
+            <a:extLst>
+              <a:ext uri="{FF2B5EF4-FFF2-40B4-BE49-F238E27FC236}">
+                <a16:creationId xmlns:a16="http://schemas.microsoft.com/office/drawing/2014/main" id="{75DC5A59-4D4E-2F5D-8133-2A2F67FEE275}"/>
+              </a:ext>
+            </a:extLst>
+          </p:cNvPr>
+          <p:cNvSpPr>
+            <a:spLocks noGrp="1"/>
+          </p:cNvSpPr>
+          <p:nvPr>
+            <p:ph idx="1"/>
+          </p:nvPr>
+        </p:nvSpPr>
+        <p:spPr/>
+        <p:txBody>
+          <a:bodyPr/>
+          <a:lstStyle/>
+          <a:p>
+            <a:endParaRPr lang="en-US"/>
+          </a:p>
+        </p:txBody>
+      </p:sp>
+      <p:pic>
+        <p:nvPicPr>
+          <p:cNvPr id="5" name="Picture 4">
+            <a:extLst>
+              <a:ext uri="{FF2B5EF4-FFF2-40B4-BE49-F238E27FC236}">
+                <a16:creationId xmlns:a16="http://schemas.microsoft.com/office/drawing/2014/main" id="{DDAE2464-3BF0-382B-D2AD-785400E2062C}"/>
+              </a:ext>
+            </a:extLst>
+          </p:cNvPr>
+          <p:cNvPicPr>
+            <a:picLocks noChangeAspect="1"/>
+          </p:cNvPicPr>
+          <p:nvPr/>
+        </p:nvPicPr>
+        <p:blipFill>
+          <a:blip r:embed="rId2"/>
+          <a:stretch>
+            <a:fillRect/>
+          </a:stretch>
+        </p:blipFill>
+        <p:spPr>
+          <a:xfrm>
+            <a:off x="1217867" y="0"/>
+            <a:ext cx="9756266" cy="6858000"/>
+          </a:xfrm>
+          <a:prstGeom prst="rect">
+            <a:avLst/>
+          </a:prstGeom>
+        </p:spPr>
+      </p:pic>
+      <p:sp>
+        <p:nvSpPr>
+          <p:cNvPr id="7" name="TextBox 6">
+            <a:extLst>
+              <a:ext uri="{FF2B5EF4-FFF2-40B4-BE49-F238E27FC236}">
+                <a16:creationId xmlns:a16="http://schemas.microsoft.com/office/drawing/2014/main" id="{3FA1EF2E-C94F-4019-8045-A6C04E9C80F6}"/>
+              </a:ext>
+            </a:extLst>
+          </p:cNvPr>
+          <p:cNvSpPr txBox="1"/>
+          <p:nvPr/>
+        </p:nvSpPr>
+        <p:spPr>
+          <a:xfrm>
+            <a:off x="0" y="2787134"/>
+            <a:ext cx="12192000" cy="523220"/>
+          </a:xfrm>
+          <a:prstGeom prst="rect">
+            <a:avLst/>
+          </a:prstGeom>
+          <a:solidFill>
+            <a:schemeClr val="bg1"/>
+          </a:solidFill>
+        </p:spPr>
+        <p:txBody>
+          <a:bodyPr wrap="square">
+            <a:spAutoFit/>
+          </a:bodyPr>
+          <a:lstStyle/>
+          <a:p>
+            <a:pPr algn="ctr"/>
+            <a:r>
+              <a:rPr lang="en-US" sz="2800" dirty="0"/>
+              <a:t>https://www.chatpdf.com</a:t>
+            </a:r>
+          </a:p>
+        </p:txBody>
+      </p:sp>
+      <p:pic>
+        <p:nvPicPr>
+          <p:cNvPr id="9" name="Picture 8">
+            <a:extLst>
+              <a:ext uri="{FF2B5EF4-FFF2-40B4-BE49-F238E27FC236}">
+                <a16:creationId xmlns:a16="http://schemas.microsoft.com/office/drawing/2014/main" id="{76A28A0A-E26D-542B-8EFA-A3856FD9BFB8}"/>
+              </a:ext>
+            </a:extLst>
+          </p:cNvPr>
+          <p:cNvPicPr>
+            <a:picLocks noChangeAspect="1"/>
+          </p:cNvPicPr>
+          <p:nvPr/>
+        </p:nvPicPr>
+        <p:blipFill>
+          <a:blip r:embed="rId3"/>
+          <a:stretch>
+            <a:fillRect/>
+          </a:stretch>
+        </p:blipFill>
+        <p:spPr>
+          <a:xfrm>
+            <a:off x="3757612" y="3429000"/>
+            <a:ext cx="4676775" cy="3276600"/>
+          </a:xfrm>
+          <a:prstGeom prst="rect">
+            <a:avLst/>
+          </a:prstGeom>
+        </p:spPr>
+      </p:pic>
+    </p:spTree>
+    <p:extLst>
+      <p:ext uri="{BB962C8B-B14F-4D97-AF65-F5344CB8AC3E}">
+        <p14:creationId xmlns:p14="http://schemas.microsoft.com/office/powerpoint/2010/main" val="1437871745"/>
+      </p:ext>
+    </p:extLst>
+  </p:cSld>
+  <p:clrMapOvr>
+    <a:masterClrMapping/>
+  </p:clrMapOvr>
+</p:sld>
+</file>
+
+<file path=ppt/slides/slide67.xml><?xml version="1.0" encoding="utf-8"?>
+<p:sld xmlns:a="http://schemas.openxmlformats.org/drawingml/2006/main" xmlns:r="http://schemas.openxmlformats.org/officeDocument/2006/relationships" xmlns:p="http://schemas.openxmlformats.org/presentationml/2006/main">
+  <p:cSld>
+    <p:spTree>
+      <p:nvGrpSpPr>
+        <p:cNvPr id="1" name=""/>
+        <p:cNvGrpSpPr/>
+        <p:nvPr/>
+      </p:nvGrpSpPr>
+      <p:grpSpPr>
+        <a:xfrm>
+          <a:off x="0" y="0"/>
+          <a:ext cx="0" cy="0"/>
+          <a:chOff x="0" y="0"/>
+          <a:chExt cx="0" cy="0"/>
+        </a:xfrm>
+      </p:grpSpPr>
+      <p:sp>
+        <p:nvSpPr>
+          <p:cNvPr id="2" name="Title 1">
+            <a:extLst>
+              <a:ext uri="{FF2B5EF4-FFF2-40B4-BE49-F238E27FC236}">
+                <a16:creationId xmlns:a16="http://schemas.microsoft.com/office/drawing/2014/main" id="{A3759E28-A18C-DBB9-90BA-78C70703FF81}"/>
+              </a:ext>
+            </a:extLst>
+          </p:cNvPr>
+          <p:cNvSpPr>
+            <a:spLocks noGrp="1"/>
+          </p:cNvSpPr>
+          <p:nvPr>
+            <p:ph type="title"/>
+          </p:nvPr>
+        </p:nvSpPr>
+        <p:spPr/>
+        <p:txBody>
+          <a:bodyPr/>
+          <a:lstStyle/>
+          <a:p>
+            <a:endParaRPr lang="en-US"/>
+          </a:p>
+        </p:txBody>
+      </p:sp>
+      <p:sp>
+        <p:nvSpPr>
+          <p:cNvPr id="3" name="Content Placeholder 2">
+            <a:extLst>
+              <a:ext uri="{FF2B5EF4-FFF2-40B4-BE49-F238E27FC236}">
+                <a16:creationId xmlns:a16="http://schemas.microsoft.com/office/drawing/2014/main" id="{29075323-9A20-0CC1-9B69-CAE811D8C366}"/>
+              </a:ext>
+            </a:extLst>
+          </p:cNvPr>
+          <p:cNvSpPr>
+            <a:spLocks noGrp="1"/>
+          </p:cNvSpPr>
+          <p:nvPr>
+            <p:ph idx="1"/>
+          </p:nvPr>
+        </p:nvSpPr>
+        <p:spPr/>
+        <p:txBody>
+          <a:bodyPr/>
+          <a:lstStyle/>
+          <a:p>
+            <a:endParaRPr lang="en-US"/>
+          </a:p>
+        </p:txBody>
+      </p:sp>
+      <p:pic>
+        <p:nvPicPr>
+          <p:cNvPr id="5" name="Picture 4">
+            <a:extLst>
+              <a:ext uri="{FF2B5EF4-FFF2-40B4-BE49-F238E27FC236}">
+                <a16:creationId xmlns:a16="http://schemas.microsoft.com/office/drawing/2014/main" id="{72FE9462-4105-FB41-775D-3F7F854765BF}"/>
+              </a:ext>
+            </a:extLst>
+          </p:cNvPr>
+          <p:cNvPicPr>
+            <a:picLocks noChangeAspect="1"/>
+          </p:cNvPicPr>
+          <p:nvPr/>
+        </p:nvPicPr>
+        <p:blipFill>
+          <a:blip r:embed="rId2"/>
+          <a:stretch>
+            <a:fillRect/>
+          </a:stretch>
+        </p:blipFill>
+        <p:spPr>
+          <a:xfrm>
+            <a:off x="142875" y="61912"/>
+            <a:ext cx="11906250" cy="6734175"/>
+          </a:xfrm>
+          <a:prstGeom prst="rect">
+            <a:avLst/>
+          </a:prstGeom>
+        </p:spPr>
+      </p:pic>
+      <p:sp>
+        <p:nvSpPr>
+          <p:cNvPr id="6" name="TextBox 5">
+            <a:extLst>
+              <a:ext uri="{FF2B5EF4-FFF2-40B4-BE49-F238E27FC236}">
+                <a16:creationId xmlns:a16="http://schemas.microsoft.com/office/drawing/2014/main" id="{12996205-4341-3C5C-5E47-BEB6727E9CC0}"/>
+              </a:ext>
+            </a:extLst>
+          </p:cNvPr>
+          <p:cNvSpPr txBox="1"/>
+          <p:nvPr/>
+        </p:nvSpPr>
+        <p:spPr>
+          <a:xfrm>
+            <a:off x="0" y="2787134"/>
+            <a:ext cx="12192000" cy="523220"/>
+          </a:xfrm>
+          <a:prstGeom prst="rect">
+            <a:avLst/>
+          </a:prstGeom>
+          <a:solidFill>
+            <a:schemeClr val="bg1"/>
+          </a:solidFill>
+        </p:spPr>
+        <p:txBody>
+          <a:bodyPr wrap="square">
+            <a:spAutoFit/>
+          </a:bodyPr>
+          <a:lstStyle/>
+          <a:p>
+            <a:pPr algn="ctr"/>
+            <a:r>
+              <a:rPr lang="en-US" sz="2800" b="0" i="0" dirty="0" err="1">
+                <a:solidFill>
+                  <a:srgbClr val="202124"/>
+                </a:solidFill>
+                <a:effectLst/>
+                <a:latin typeface="Google Sans"/>
+              </a:rPr>
+              <a:t>ChatGPT</a:t>
+            </a:r>
+            <a:r>
+              <a:rPr lang="en-US" sz="2800" b="0" i="0" dirty="0">
+                <a:solidFill>
+                  <a:srgbClr val="202124"/>
+                </a:solidFill>
+                <a:effectLst/>
+                <a:latin typeface="Google Sans"/>
+              </a:rPr>
+              <a:t> » summarize everything! </a:t>
+            </a:r>
+            <a:r>
+              <a:rPr lang="en-US" altLang="zh-CN" sz="2800" b="0" i="0" dirty="0">
+                <a:solidFill>
+                  <a:srgbClr val="202124"/>
+                </a:solidFill>
+                <a:effectLst/>
+                <a:latin typeface="Google Sans"/>
+              </a:rPr>
+              <a:t>– Chrome Plugin</a:t>
+            </a:r>
+            <a:endParaRPr lang="en-US" sz="2800" b="0" i="0" dirty="0">
+              <a:solidFill>
+                <a:srgbClr val="202124"/>
+              </a:solidFill>
+              <a:effectLst/>
+              <a:latin typeface="Google Sans"/>
+            </a:endParaRPr>
+          </a:p>
+        </p:txBody>
+      </p:sp>
+    </p:spTree>
+    <p:extLst>
+      <p:ext uri="{BB962C8B-B14F-4D97-AF65-F5344CB8AC3E}">
+        <p14:creationId xmlns:p14="http://schemas.microsoft.com/office/powerpoint/2010/main" val="3672081591"/>
+      </p:ext>
+    </p:extLst>
+  </p:cSld>
+  <p:clrMapOvr>
+    <a:masterClrMapping/>
+  </p:clrMapOvr>
+</p:sld>
+</file>
+
+<file path=ppt/slides/slide68.xml><?xml version="1.0" encoding="utf-8"?>
+<p:sld xmlns:a="http://schemas.openxmlformats.org/drawingml/2006/main" xmlns:r="http://schemas.openxmlformats.org/officeDocument/2006/relationships" xmlns:p="http://schemas.openxmlformats.org/presentationml/2006/main">
+  <p:cSld>
+    <p:spTree>
+      <p:nvGrpSpPr>
+        <p:cNvPr id="1" name=""/>
+        <p:cNvGrpSpPr/>
+        <p:nvPr/>
+      </p:nvGrpSpPr>
+      <p:grpSpPr>
+        <a:xfrm>
+          <a:off x="0" y="0"/>
+          <a:ext cx="0" cy="0"/>
+          <a:chOff x="0" y="0"/>
+          <a:chExt cx="0" cy="0"/>
+        </a:xfrm>
+      </p:grpSpPr>
+      <p:sp>
+        <p:nvSpPr>
+          <p:cNvPr id="2" name="Title 1">
+            <a:extLst>
+              <a:ext uri="{FF2B5EF4-FFF2-40B4-BE49-F238E27FC236}">
+                <a16:creationId xmlns:a16="http://schemas.microsoft.com/office/drawing/2014/main" id="{8E9C2B8D-0EE3-40D8-12F9-403D800BAD5E}"/>
+              </a:ext>
+            </a:extLst>
+          </p:cNvPr>
+          <p:cNvSpPr>
+            <a:spLocks noGrp="1"/>
+          </p:cNvSpPr>
+          <p:nvPr>
+            <p:ph type="title"/>
+          </p:nvPr>
+        </p:nvSpPr>
+        <p:spPr/>
+        <p:txBody>
+          <a:bodyPr/>
+          <a:lstStyle/>
+          <a:p>
+            <a:endParaRPr lang="en-US"/>
+          </a:p>
+        </p:txBody>
+      </p:sp>
+      <p:sp>
+        <p:nvSpPr>
+          <p:cNvPr id="3" name="Content Placeholder 2">
+            <a:extLst>
+              <a:ext uri="{FF2B5EF4-FFF2-40B4-BE49-F238E27FC236}">
+                <a16:creationId xmlns:a16="http://schemas.microsoft.com/office/drawing/2014/main" id="{4DF7342E-460F-4198-9B6D-8D58F28C2A9B}"/>
+              </a:ext>
+            </a:extLst>
+          </p:cNvPr>
+          <p:cNvSpPr>
+            <a:spLocks noGrp="1"/>
+          </p:cNvSpPr>
+          <p:nvPr>
+            <p:ph idx="1"/>
+          </p:nvPr>
+        </p:nvSpPr>
+        <p:spPr/>
+        <p:txBody>
+          <a:bodyPr/>
+          <a:lstStyle/>
+          <a:p>
+            <a:endParaRPr lang="en-US"/>
+          </a:p>
+        </p:txBody>
+      </p:sp>
+      <p:pic>
+        <p:nvPicPr>
+          <p:cNvPr id="7" name="Picture 6">
+            <a:extLst>
+              <a:ext uri="{FF2B5EF4-FFF2-40B4-BE49-F238E27FC236}">
+                <a16:creationId xmlns:a16="http://schemas.microsoft.com/office/drawing/2014/main" id="{FA5D9A09-87F5-9CBE-34D9-448DD1B80FFF}"/>
+              </a:ext>
+            </a:extLst>
+          </p:cNvPr>
+          <p:cNvPicPr>
+            <a:picLocks noChangeAspect="1"/>
+          </p:cNvPicPr>
+          <p:nvPr/>
+        </p:nvPicPr>
+        <p:blipFill>
+          <a:blip r:embed="rId2"/>
+          <a:stretch>
+            <a:fillRect/>
+          </a:stretch>
+        </p:blipFill>
+        <p:spPr>
+          <a:xfrm>
+            <a:off x="2733675" y="519112"/>
+            <a:ext cx="6724650" cy="5819775"/>
+          </a:xfrm>
+          <a:prstGeom prst="rect">
+            <a:avLst/>
+          </a:prstGeom>
+        </p:spPr>
+      </p:pic>
+    </p:spTree>
+    <p:extLst>
+      <p:ext uri="{BB962C8B-B14F-4D97-AF65-F5344CB8AC3E}">
+        <p14:creationId xmlns:p14="http://schemas.microsoft.com/office/powerpoint/2010/main" val="3919351071"/>
+      </p:ext>
+    </p:extLst>
+  </p:cSld>
+  <p:clrMapOvr>
+    <a:masterClrMapping/>
+  </p:clrMapOvr>
+</p:sld>
+</file>
+
+<file path=ppt/slides/slide69.xml><?xml version="1.0" encoding="utf-8"?>
+<p:sld xmlns:a="http://schemas.openxmlformats.org/drawingml/2006/main" xmlns:r="http://schemas.openxmlformats.org/officeDocument/2006/relationships" xmlns:p="http://schemas.openxmlformats.org/presentationml/2006/main">
+  <p:cSld>
+    <p:spTree>
+      <p:nvGrpSpPr>
+        <p:cNvPr id="1" name=""/>
+        <p:cNvGrpSpPr/>
+        <p:nvPr/>
+      </p:nvGrpSpPr>
+      <p:grpSpPr>
+        <a:xfrm>
+          <a:off x="0" y="0"/>
+          <a:ext cx="0" cy="0"/>
+          <a:chOff x="0" y="0"/>
+          <a:chExt cx="0" cy="0"/>
+        </a:xfrm>
+      </p:grpSpPr>
+      <p:sp>
+        <p:nvSpPr>
+          <p:cNvPr id="2" name="Title 1">
+            <a:extLst>
+              <a:ext uri="{FF2B5EF4-FFF2-40B4-BE49-F238E27FC236}">
+                <a16:creationId xmlns:a16="http://schemas.microsoft.com/office/drawing/2014/main" id="{8E9C2B8D-0EE3-40D8-12F9-403D800BAD5E}"/>
+              </a:ext>
+            </a:extLst>
+          </p:cNvPr>
+          <p:cNvSpPr>
+            <a:spLocks noGrp="1"/>
+          </p:cNvSpPr>
+          <p:nvPr>
+            <p:ph type="title"/>
+          </p:nvPr>
+        </p:nvSpPr>
+        <p:spPr/>
+        <p:txBody>
+          <a:bodyPr/>
+          <a:lstStyle/>
+          <a:p>
+            <a:endParaRPr lang="en-US"/>
+          </a:p>
+        </p:txBody>
+      </p:sp>
+      <p:sp>
+        <p:nvSpPr>
+          <p:cNvPr id="3" name="Content Placeholder 2">
+            <a:extLst>
+              <a:ext uri="{FF2B5EF4-FFF2-40B4-BE49-F238E27FC236}">
+                <a16:creationId xmlns:a16="http://schemas.microsoft.com/office/drawing/2014/main" id="{4DF7342E-460F-4198-9B6D-8D58F28C2A9B}"/>
+              </a:ext>
+            </a:extLst>
+          </p:cNvPr>
+          <p:cNvSpPr>
+            <a:spLocks noGrp="1"/>
+          </p:cNvSpPr>
+          <p:nvPr>
+            <p:ph idx="1"/>
+          </p:nvPr>
+        </p:nvSpPr>
+        <p:spPr/>
+        <p:txBody>
+          <a:bodyPr/>
+          <a:lstStyle/>
+          <a:p>
+            <a:endParaRPr lang="en-US"/>
+          </a:p>
+        </p:txBody>
+      </p:sp>
+      <p:pic>
+        <p:nvPicPr>
+          <p:cNvPr id="5" name="Picture 4">
+            <a:extLst>
+              <a:ext uri="{FF2B5EF4-FFF2-40B4-BE49-F238E27FC236}">
+                <a16:creationId xmlns:a16="http://schemas.microsoft.com/office/drawing/2014/main" id="{E6A65DD7-F7DE-C150-E730-6145D7F81065}"/>
+              </a:ext>
+            </a:extLst>
+          </p:cNvPr>
+          <p:cNvPicPr>
+            <a:picLocks noChangeAspect="1"/>
+          </p:cNvPicPr>
+          <p:nvPr/>
+        </p:nvPicPr>
+        <p:blipFill>
+          <a:blip r:embed="rId2"/>
+          <a:stretch>
+            <a:fillRect/>
+          </a:stretch>
+        </p:blipFill>
+        <p:spPr>
+          <a:xfrm>
+            <a:off x="3137071" y="0"/>
+            <a:ext cx="5917858" cy="6858000"/>
+          </a:xfrm>
+          <a:prstGeom prst="rect">
+            <a:avLst/>
+          </a:prstGeom>
+        </p:spPr>
+      </p:pic>
+    </p:spTree>
+    <p:extLst>
+      <p:ext uri="{BB962C8B-B14F-4D97-AF65-F5344CB8AC3E}">
+        <p14:creationId xmlns:p14="http://schemas.microsoft.com/office/powerpoint/2010/main" val="667453507"/>
+      </p:ext>
+    </p:extLst>
+  </p:cSld>
+  <p:clrMapOvr>
+    <a:masterClrMapping/>
+  </p:clrMapOvr>
+</p:sld>
+</file>
+
+<file path=ppt/slides/slide7.xml><?xml version="1.0" encoding="utf-8"?>
+<p:sld xmlns:a="http://schemas.openxmlformats.org/drawingml/2006/main" xmlns:r="http://schemas.openxmlformats.org/officeDocument/2006/relationships" xmlns:p="http://schemas.openxmlformats.org/presentationml/2006/main">
+  <p:cSld>
+    <p:spTree>
+      <p:nvGrpSpPr>
+        <p:cNvPr id="1" name=""/>
+        <p:cNvGrpSpPr/>
+        <p:nvPr/>
+      </p:nvGrpSpPr>
+      <p:grpSpPr>
+        <a:xfrm>
+          <a:off x="0" y="0"/>
+          <a:ext cx="0" cy="0"/>
+          <a:chOff x="0" y="0"/>
+          <a:chExt cx="0" cy="0"/>
+        </a:xfrm>
+      </p:grpSpPr>
+      <p:sp>
+        <p:nvSpPr>
+          <p:cNvPr id="2" name="Title 1">
+            <a:extLst>
+              <a:ext uri="{FF2B5EF4-FFF2-40B4-BE49-F238E27FC236}">
+                <a16:creationId xmlns:a16="http://schemas.microsoft.com/office/drawing/2014/main" id="{DD289307-D863-B078-19FC-ABC022FD08B9}"/>
+              </a:ext>
+            </a:extLst>
+          </p:cNvPr>
+          <p:cNvSpPr>
+            <a:spLocks noGrp="1"/>
+          </p:cNvSpPr>
+          <p:nvPr>
+            <p:ph type="title"/>
+          </p:nvPr>
+        </p:nvSpPr>
+        <p:spPr/>
+        <p:txBody>
+          <a:bodyPr/>
+          <a:lstStyle/>
+          <a:p>
+            <a:endParaRPr lang="en-US"/>
+          </a:p>
+        </p:txBody>
+      </p:sp>
+      <p:sp>
+        <p:nvSpPr>
+          <p:cNvPr id="3" name="Content Placeholder 2">
+            <a:extLst>
+              <a:ext uri="{FF2B5EF4-FFF2-40B4-BE49-F238E27FC236}">
+                <a16:creationId xmlns:a16="http://schemas.microsoft.com/office/drawing/2014/main" id="{1ECD564A-8583-A92C-EF7B-F9D8C733C349}"/>
+              </a:ext>
+            </a:extLst>
+          </p:cNvPr>
+          <p:cNvSpPr>
+            <a:spLocks noGrp="1"/>
+          </p:cNvSpPr>
+          <p:nvPr>
+            <p:ph idx="1"/>
+          </p:nvPr>
+        </p:nvSpPr>
+        <p:spPr>
+          <a:xfrm>
+            <a:off x="838200" y="1825625"/>
+            <a:ext cx="5015753" cy="4351338"/>
+          </a:xfrm>
+        </p:spPr>
+        <p:txBody>
+          <a:bodyPr>
+            <a:normAutofit lnSpcReduction="10000"/>
+          </a:bodyPr>
+          <a:lstStyle/>
+          <a:p>
+            <a:pPr marL="0" indent="0">
+              <a:buNone/>
+            </a:pPr>
+            <a:r>
+              <a:rPr lang="en-US" dirty="0"/>
+              <a:t>P. </a:t>
+            </a:r>
+            <a:r>
+              <a:rPr lang="en-US" dirty="0" err="1"/>
+              <a:t>Emm</a:t>
+            </a:r>
+            <a:r>
+              <a:rPr lang="en-US" dirty="0"/>
+              <a:t>. Diaz (junior) ..... P, Nicol. </a:t>
+            </a:r>
+            <a:r>
+              <a:rPr lang="en-US" dirty="0" err="1"/>
+              <a:t>Trigault</a:t>
+            </a:r>
+            <a:r>
+              <a:rPr lang="en-US" dirty="0"/>
+              <a:t>.	</a:t>
+            </a:r>
+          </a:p>
+          <a:p>
+            <a:pPr marL="0" indent="0">
+              <a:buNone/>
+            </a:pPr>
+            <a:r>
+              <a:rPr lang="en-US" dirty="0"/>
+              <a:t>Fr. Pascal Mendes . 		</a:t>
+            </a:r>
+          </a:p>
+          <a:p>
+            <a:pPr marL="0" indent="0">
+              <a:buNone/>
+            </a:pPr>
+            <a:r>
+              <a:rPr lang="en-US" dirty="0"/>
+              <a:t>Fr. Jean Fernandes 	</a:t>
+            </a:r>
+          </a:p>
+          <a:p>
+            <a:pPr marL="0" indent="0">
+              <a:buNone/>
+            </a:pPr>
+            <a:r>
+              <a:rPr lang="en-US" dirty="0"/>
+              <a:t>Fr. Fr. de </a:t>
+            </a:r>
+            <a:r>
+              <a:rPr lang="en-US" dirty="0" err="1"/>
+              <a:t>Lagea</a:t>
+            </a:r>
+            <a:r>
+              <a:rPr lang="en-US" dirty="0"/>
+              <a:t>	</a:t>
+            </a:r>
+          </a:p>
+          <a:p>
+            <a:pPr marL="0" indent="0">
+              <a:buNone/>
+            </a:pPr>
+            <a:r>
+              <a:rPr lang="en-US" dirty="0"/>
+              <a:t>Fr. Dom. Mendes	</a:t>
+            </a:r>
+          </a:p>
+          <a:p>
+            <a:pPr marL="0" indent="0">
+              <a:buNone/>
+            </a:pPr>
+            <a:r>
+              <a:rPr lang="en-US" dirty="0"/>
+              <a:t>Fr. Jacq. </a:t>
+            </a:r>
+            <a:r>
+              <a:rPr lang="en-US" dirty="0" err="1"/>
+              <a:t>Néva</a:t>
+            </a:r>
+            <a:r>
+              <a:rPr lang="en-US" dirty="0"/>
+              <a:t>		</a:t>
+            </a:r>
+          </a:p>
+          <a:p>
+            <a:pPr marL="0" indent="0">
+              <a:buNone/>
+            </a:pPr>
+            <a:r>
+              <a:rPr lang="en-US" dirty="0"/>
+              <a:t>P. Ruiz Barreto et </a:t>
+            </a:r>
+            <a:r>
+              <a:rPr lang="en-US" dirty="0" err="1"/>
+              <a:t>ses</a:t>
+            </a:r>
+            <a:r>
+              <a:rPr lang="en-US" dirty="0"/>
+              <a:t> Fr. Louis </a:t>
+            </a:r>
+            <a:r>
+              <a:rPr lang="en-US" dirty="0" err="1"/>
+              <a:t>Rozitto</a:t>
+            </a:r>
+            <a:r>
+              <a:rPr lang="en-US" dirty="0"/>
+              <a:t> .. [comp. Fr. </a:t>
+            </a:r>
+            <a:r>
+              <a:rPr lang="en-US" dirty="0" err="1"/>
+              <a:t>Vinc</a:t>
+            </a:r>
+            <a:r>
+              <a:rPr lang="en-US" dirty="0"/>
+              <a:t>. </a:t>
+            </a:r>
+            <a:r>
+              <a:rPr lang="en-US" dirty="0" err="1"/>
+              <a:t>Caun</a:t>
+            </a:r>
+            <a:r>
+              <a:rPr lang="en-US" dirty="0"/>
+              <a:t> om </a:t>
+            </a:r>
+            <a:r>
+              <a:rPr lang="en-US" dirty="0" err="1"/>
+              <a:t>Calioye</a:t>
+            </a:r>
+            <a:r>
+              <a:rPr lang="en-US" dirty="0"/>
+              <a:t>. P. Jules </a:t>
+            </a:r>
+            <a:r>
+              <a:rPr lang="en-US" dirty="0" err="1"/>
+              <a:t>Aleni</a:t>
+            </a:r>
+            <a:r>
+              <a:rPr lang="en-US" dirty="0"/>
+              <a:t>	</a:t>
+            </a:r>
+          </a:p>
+        </p:txBody>
+      </p:sp>
+      <p:pic>
+        <p:nvPicPr>
+          <p:cNvPr id="5" name="Picture 4">
+            <a:extLst>
+              <a:ext uri="{FF2B5EF4-FFF2-40B4-BE49-F238E27FC236}">
+                <a16:creationId xmlns:a16="http://schemas.microsoft.com/office/drawing/2014/main" id="{FF2B8296-3A4A-5822-B82B-AAC527770C3C}"/>
+              </a:ext>
+            </a:extLst>
+          </p:cNvPr>
+          <p:cNvPicPr>
+            <a:picLocks noChangeAspect="1"/>
+          </p:cNvPicPr>
+          <p:nvPr/>
+        </p:nvPicPr>
+        <p:blipFill rotWithShape="1">
+          <a:blip r:embed="rId2"/>
+          <a:srcRect t="21699"/>
+          <a:stretch/>
+        </p:blipFill>
+        <p:spPr>
+          <a:xfrm>
+            <a:off x="6255897" y="182563"/>
+            <a:ext cx="6043679" cy="6492874"/>
+          </a:xfrm>
+          <a:prstGeom prst="rect">
+            <a:avLst/>
+          </a:prstGeom>
+        </p:spPr>
+      </p:pic>
+    </p:spTree>
+    <p:extLst>
+      <p:ext uri="{BB962C8B-B14F-4D97-AF65-F5344CB8AC3E}">
+        <p14:creationId xmlns:p14="http://schemas.microsoft.com/office/powerpoint/2010/main" val="643891140"/>
+      </p:ext>
+    </p:extLst>
+  </p:cSld>
+  <p:clrMapOvr>
+    <a:masterClrMapping/>
+  </p:clrMapOvr>
+</p:sld>
+</file>
+
+<file path=ppt/slides/slide70.xml><?xml version="1.0" encoding="utf-8"?>
+<p:sld xmlns:a="http://schemas.openxmlformats.org/drawingml/2006/main" xmlns:r="http://schemas.openxmlformats.org/officeDocument/2006/relationships" xmlns:p="http://schemas.openxmlformats.org/presentationml/2006/main">
+  <p:cSld>
+    <p:spTree>
+      <p:nvGrpSpPr>
+        <p:cNvPr id="1" name=""/>
+        <p:cNvGrpSpPr/>
+        <p:nvPr/>
+      </p:nvGrpSpPr>
+      <p:grpSpPr>
+        <a:xfrm>
+          <a:off x="0" y="0"/>
+          <a:ext cx="0" cy="0"/>
+          <a:chOff x="0" y="0"/>
+          <a:chExt cx="0" cy="0"/>
+        </a:xfrm>
+      </p:grpSpPr>
+      <p:pic>
+        <p:nvPicPr>
+          <p:cNvPr id="8" name="Picture 7">
+            <a:extLst>
+              <a:ext uri="{FF2B5EF4-FFF2-40B4-BE49-F238E27FC236}">
+                <a16:creationId xmlns:a16="http://schemas.microsoft.com/office/drawing/2014/main" id="{CF3D0239-8064-DF6D-C8B5-A4F335432A8A}"/>
+              </a:ext>
+            </a:extLst>
+          </p:cNvPr>
+          <p:cNvPicPr>
+            <a:picLocks noChangeAspect="1"/>
+          </p:cNvPicPr>
+          <p:nvPr/>
+        </p:nvPicPr>
+        <p:blipFill>
+          <a:blip r:embed="rId2"/>
+          <a:stretch>
+            <a:fillRect/>
+          </a:stretch>
+        </p:blipFill>
+        <p:spPr>
+          <a:xfrm>
+            <a:off x="1767312" y="0"/>
+            <a:ext cx="8657376" cy="6858000"/>
+          </a:xfrm>
+          <a:prstGeom prst="rect">
+            <a:avLst/>
+          </a:prstGeom>
+        </p:spPr>
+      </p:pic>
+      <p:sp>
+        <p:nvSpPr>
+          <p:cNvPr id="6" name="TextBox 5">
+            <a:extLst>
+              <a:ext uri="{FF2B5EF4-FFF2-40B4-BE49-F238E27FC236}">
+                <a16:creationId xmlns:a16="http://schemas.microsoft.com/office/drawing/2014/main" id="{C3E34F0A-5A33-FC58-992D-09E33C782FE9}"/>
+              </a:ext>
+            </a:extLst>
+          </p:cNvPr>
+          <p:cNvSpPr txBox="1"/>
+          <p:nvPr/>
+        </p:nvSpPr>
+        <p:spPr>
+          <a:xfrm>
+            <a:off x="0" y="2787134"/>
+            <a:ext cx="12192000" cy="523220"/>
+          </a:xfrm>
+          <a:prstGeom prst="rect">
+            <a:avLst/>
+          </a:prstGeom>
+          <a:solidFill>
+            <a:schemeClr val="bg1"/>
+          </a:solidFill>
+        </p:spPr>
+        <p:txBody>
+          <a:bodyPr wrap="square">
+            <a:spAutoFit/>
+          </a:bodyPr>
+          <a:lstStyle/>
+          <a:p>
+            <a:pPr algn="ctr"/>
+            <a:r>
+              <a:rPr lang="en-US" altLang="zh-CN" sz="2800" b="0" i="0" dirty="0">
+                <a:solidFill>
+                  <a:srgbClr val="202124"/>
+                </a:solidFill>
+                <a:effectLst/>
+                <a:latin typeface="Google Sans"/>
+              </a:rPr>
+              <a:t>Edge</a:t>
+            </a:r>
+            <a:r>
+              <a:rPr lang="en-US" altLang="zh-CN" sz="2800" dirty="0">
+                <a:solidFill>
+                  <a:srgbClr val="202124"/>
+                </a:solidFill>
+                <a:latin typeface="Google Sans"/>
+              </a:rPr>
+              <a:t>:</a:t>
+            </a:r>
+            <a:r>
+              <a:rPr lang="zh-CN" altLang="en-US" sz="2800" dirty="0">
+                <a:solidFill>
+                  <a:srgbClr val="202124"/>
+                </a:solidFill>
+                <a:latin typeface="Google Sans"/>
+              </a:rPr>
+              <a:t> </a:t>
+            </a:r>
+            <a:r>
+              <a:rPr lang="en-US" altLang="zh-CN" sz="2800" dirty="0">
+                <a:solidFill>
+                  <a:srgbClr val="202124"/>
+                </a:solidFill>
+                <a:latin typeface="Google Sans"/>
+              </a:rPr>
+              <a:t>Web page, PDF</a:t>
+            </a:r>
+            <a:endParaRPr lang="en-US" sz="2800" b="0" i="0" dirty="0">
+              <a:solidFill>
+                <a:srgbClr val="202124"/>
+              </a:solidFill>
+              <a:effectLst/>
+              <a:latin typeface="Google Sans"/>
+            </a:endParaRPr>
+          </a:p>
+        </p:txBody>
+      </p:sp>
+      <p:cxnSp>
+        <p:nvCxnSpPr>
+          <p:cNvPr id="12" name="Straight Arrow Connector 11">
+            <a:extLst>
+              <a:ext uri="{FF2B5EF4-FFF2-40B4-BE49-F238E27FC236}">
+                <a16:creationId xmlns:a16="http://schemas.microsoft.com/office/drawing/2014/main" id="{404AA0C4-A037-DAB5-FA98-B25B8B31AAB0}"/>
+              </a:ext>
+            </a:extLst>
+          </p:cNvPr>
+          <p:cNvCxnSpPr>
+            <a:cxnSpLocks/>
+          </p:cNvCxnSpPr>
+          <p:nvPr/>
+        </p:nvCxnSpPr>
+        <p:spPr>
+          <a:xfrm flipV="1">
+            <a:off x="7386918" y="672353"/>
+            <a:ext cx="2572870" cy="2114781"/>
+          </a:xfrm>
+          <a:prstGeom prst="straightConnector1">
+            <a:avLst/>
+          </a:prstGeom>
+          <a:ln w="76200">
+            <a:solidFill>
+              <a:srgbClr val="C00000"/>
+            </a:solidFill>
+            <a:tailEnd type="triangle"/>
+          </a:ln>
+        </p:spPr>
+        <p:style>
+          <a:lnRef idx="1">
+            <a:schemeClr val="accent1"/>
+          </a:lnRef>
+          <a:fillRef idx="0">
+            <a:schemeClr val="accent1"/>
+          </a:fillRef>
+          <a:effectRef idx="0">
+            <a:schemeClr val="accent1"/>
+          </a:effectRef>
+          <a:fontRef idx="minor">
+            <a:schemeClr val="tx1"/>
+          </a:fontRef>
+        </p:style>
+      </p:cxnSp>
+    </p:spTree>
+    <p:extLst>
+      <p:ext uri="{BB962C8B-B14F-4D97-AF65-F5344CB8AC3E}">
+        <p14:creationId xmlns:p14="http://schemas.microsoft.com/office/powerpoint/2010/main" val="3012343399"/>
+      </p:ext>
+    </p:extLst>
+  </p:cSld>
+  <p:clrMapOvr>
+    <a:masterClrMapping/>
+  </p:clrMapOvr>
+</p:sld>
+</file>
+
+<file path=ppt/slides/slide71.xml><?xml version="1.0" encoding="utf-8"?>
+<p:sld xmlns:a="http://schemas.openxmlformats.org/drawingml/2006/main" xmlns:r="http://schemas.openxmlformats.org/officeDocument/2006/relationships" xmlns:p="http://schemas.openxmlformats.org/presentationml/2006/main">
+  <p:cSld>
+    <p:spTree>
+      <p:nvGrpSpPr>
+        <p:cNvPr id="1" name=""/>
+        <p:cNvGrpSpPr/>
+        <p:nvPr/>
+      </p:nvGrpSpPr>
+      <p:grpSpPr>
+        <a:xfrm>
+          <a:off x="0" y="0"/>
+          <a:ext cx="0" cy="0"/>
+          <a:chOff x="0" y="0"/>
+          <a:chExt cx="0" cy="0"/>
+        </a:xfrm>
+      </p:grpSpPr>
+      <p:sp>
+        <p:nvSpPr>
+          <p:cNvPr id="2" name="Title 1">
+            <a:extLst>
+              <a:ext uri="{FF2B5EF4-FFF2-40B4-BE49-F238E27FC236}">
+                <a16:creationId xmlns:a16="http://schemas.microsoft.com/office/drawing/2014/main" id="{62BD99C1-3DA5-55B8-4675-F840F5612B0E}"/>
+              </a:ext>
+            </a:extLst>
+          </p:cNvPr>
+          <p:cNvSpPr>
+            <a:spLocks noGrp="1"/>
+          </p:cNvSpPr>
+          <p:nvPr>
+            <p:ph type="title"/>
+          </p:nvPr>
+        </p:nvSpPr>
+        <p:spPr/>
+        <p:txBody>
+          <a:bodyPr/>
+          <a:lstStyle/>
+          <a:p>
+            <a:endParaRPr lang="en-US"/>
+          </a:p>
+        </p:txBody>
+      </p:sp>
+      <p:sp>
+        <p:nvSpPr>
+          <p:cNvPr id="3" name="Content Placeholder 2">
+            <a:extLst>
+              <a:ext uri="{FF2B5EF4-FFF2-40B4-BE49-F238E27FC236}">
+                <a16:creationId xmlns:a16="http://schemas.microsoft.com/office/drawing/2014/main" id="{C7895BF7-1ADF-20F5-6268-9E23C2799808}"/>
+              </a:ext>
+            </a:extLst>
+          </p:cNvPr>
+          <p:cNvSpPr>
+            <a:spLocks noGrp="1"/>
+          </p:cNvSpPr>
+          <p:nvPr>
+            <p:ph idx="1"/>
+          </p:nvPr>
+        </p:nvSpPr>
+        <p:spPr/>
+        <p:txBody>
+          <a:bodyPr/>
+          <a:lstStyle/>
+          <a:p>
+            <a:endParaRPr lang="en-US"/>
+          </a:p>
+        </p:txBody>
+      </p:sp>
+      <p:pic>
+        <p:nvPicPr>
+          <p:cNvPr id="5" name="Picture 4">
+            <a:extLst>
+              <a:ext uri="{FF2B5EF4-FFF2-40B4-BE49-F238E27FC236}">
+                <a16:creationId xmlns:a16="http://schemas.microsoft.com/office/drawing/2014/main" id="{EBF9F2FA-3A20-5E1C-7253-D39FFAC788B0}"/>
+              </a:ext>
+            </a:extLst>
+          </p:cNvPr>
+          <p:cNvPicPr>
+            <a:picLocks noChangeAspect="1"/>
+          </p:cNvPicPr>
+          <p:nvPr/>
+        </p:nvPicPr>
+        <p:blipFill>
+          <a:blip r:embed="rId2"/>
+          <a:stretch>
+            <a:fillRect/>
+          </a:stretch>
+        </p:blipFill>
+        <p:spPr>
+          <a:xfrm>
+            <a:off x="183249" y="0"/>
+            <a:ext cx="11825502" cy="6858000"/>
+          </a:xfrm>
+          <a:prstGeom prst="rect">
+            <a:avLst/>
+          </a:prstGeom>
+        </p:spPr>
+      </p:pic>
+      <mc:AlternateContent xmlns:mc="http://schemas.openxmlformats.org/markup-compatibility/2006" xmlns:p14="http://schemas.microsoft.com/office/powerpoint/2010/main">
+        <mc:Choice Requires="p14">
+          <p:contentPart p14:bwMode="auto" r:id="rId3">
+            <p14:nvContentPartPr>
+              <p14:cNvPr id="6" name="Ink 5">
+                <a:extLst>
+                  <a:ext uri="{FF2B5EF4-FFF2-40B4-BE49-F238E27FC236}">
+                    <a16:creationId xmlns:a16="http://schemas.microsoft.com/office/drawing/2014/main" id="{094CA36A-CA0B-F750-799C-29B8A36B997D}"/>
+                  </a:ext>
+                </a:extLst>
+              </p14:cNvPr>
+              <p14:cNvContentPartPr/>
+              <p14:nvPr/>
+            </p14:nvContentPartPr>
+            <p14:xfrm>
+              <a:off x="9609967" y="1359635"/>
+              <a:ext cx="1721880" cy="12960"/>
+            </p14:xfrm>
+          </p:contentPart>
+        </mc:Choice>
+        <mc:Fallback xmlns="">
+          <p:pic>
+            <p:nvPicPr>
+              <p:cNvPr id="6" name="Ink 5">
+                <a:extLst>
+                  <a:ext uri="{FF2B5EF4-FFF2-40B4-BE49-F238E27FC236}">
+                    <a16:creationId xmlns:a16="http://schemas.microsoft.com/office/drawing/2014/main" id="{094CA36A-CA0B-F750-799C-29B8A36B997D}"/>
+                  </a:ext>
+                </a:extLst>
+              </p:cNvPr>
+              <p:cNvPicPr/>
+              <p:nvPr/>
+            </p:nvPicPr>
+            <p:blipFill>
+              <a:blip r:embed="rId4"/>
+              <a:stretch>
+                <a:fillRect/>
+              </a:stretch>
+            </p:blipFill>
+            <p:spPr>
+              <a:xfrm>
+                <a:off x="9574327" y="1323635"/>
+                <a:ext cx="1793520" cy="84600"/>
+              </a:xfrm>
+              <a:prstGeom prst="rect">
+                <a:avLst/>
+              </a:prstGeom>
+            </p:spPr>
+          </p:pic>
+        </mc:Fallback>
+      </mc:AlternateContent>
+      <mc:AlternateContent xmlns:mc="http://schemas.openxmlformats.org/markup-compatibility/2006" xmlns:p14="http://schemas.microsoft.com/office/powerpoint/2010/main">
+        <mc:Choice Requires="p14">
+          <p:contentPart p14:bwMode="auto" r:id="rId5">
+            <p14:nvContentPartPr>
+              <p14:cNvPr id="7" name="Ink 6">
+                <a:extLst>
+                  <a:ext uri="{FF2B5EF4-FFF2-40B4-BE49-F238E27FC236}">
+                    <a16:creationId xmlns:a16="http://schemas.microsoft.com/office/drawing/2014/main" id="{84B3F2EE-58B9-034B-57C2-9DD58E7A3CF0}"/>
+                  </a:ext>
+                </a:extLst>
+              </p14:cNvPr>
+              <p14:cNvContentPartPr/>
+              <p14:nvPr/>
+            </p14:nvContentPartPr>
+            <p14:xfrm>
+              <a:off x="6071887" y="1867200"/>
+              <a:ext cx="1136160" cy="1032480"/>
+            </p14:xfrm>
+          </p:contentPart>
+        </mc:Choice>
+        <mc:Fallback xmlns="">
+          <p:pic>
+            <p:nvPicPr>
+              <p:cNvPr id="7" name="Ink 6">
+                <a:extLst>
+                  <a:ext uri="{FF2B5EF4-FFF2-40B4-BE49-F238E27FC236}">
+                    <a16:creationId xmlns:a16="http://schemas.microsoft.com/office/drawing/2014/main" id="{84B3F2EE-58B9-034B-57C2-9DD58E7A3CF0}"/>
+                  </a:ext>
+                </a:extLst>
+              </p:cNvPr>
+              <p:cNvPicPr/>
+              <p:nvPr/>
+            </p:nvPicPr>
+            <p:blipFill>
+              <a:blip r:embed="rId6"/>
+              <a:stretch>
+                <a:fillRect/>
+              </a:stretch>
+            </p:blipFill>
+            <p:spPr>
+              <a:xfrm>
+                <a:off x="6035887" y="1831200"/>
+                <a:ext cx="1207800" cy="1104120"/>
+              </a:xfrm>
+              <a:prstGeom prst="rect">
+                <a:avLst/>
+              </a:prstGeom>
+            </p:spPr>
+          </p:pic>
+        </mc:Fallback>
+      </mc:AlternateContent>
+    </p:spTree>
+    <p:extLst>
+      <p:ext uri="{BB962C8B-B14F-4D97-AF65-F5344CB8AC3E}">
+        <p14:creationId xmlns:p14="http://schemas.microsoft.com/office/powerpoint/2010/main" val="957647848"/>
+      </p:ext>
+    </p:extLst>
+  </p:cSld>
+  <p:clrMapOvr>
+    <a:masterClrMapping/>
+  </p:clrMapOvr>
+</p:sld>
+</file>
+
+<file path=ppt/slides/slide72.xml><?xml version="1.0" encoding="utf-8"?>
+<p:sld xmlns:a="http://schemas.openxmlformats.org/drawingml/2006/main" xmlns:r="http://schemas.openxmlformats.org/officeDocument/2006/relationships" xmlns:p="http://schemas.openxmlformats.org/presentationml/2006/main">
+  <p:cSld>
+    <p:spTree>
+      <p:nvGrpSpPr>
+        <p:cNvPr id="1" name=""/>
+        <p:cNvGrpSpPr/>
+        <p:nvPr/>
+      </p:nvGrpSpPr>
+      <p:grpSpPr>
+        <a:xfrm>
+          <a:off x="0" y="0"/>
+          <a:ext cx="0" cy="0"/>
+          <a:chOff x="0" y="0"/>
+          <a:chExt cx="0" cy="0"/>
+        </a:xfrm>
+      </p:grpSpPr>
+      <p:sp>
+        <p:nvSpPr>
+          <p:cNvPr id="2" name="Title 1">
+            <a:extLst>
+              <a:ext uri="{FF2B5EF4-FFF2-40B4-BE49-F238E27FC236}">
+                <a16:creationId xmlns:a16="http://schemas.microsoft.com/office/drawing/2014/main" id="{DA4BF9E8-7AAC-7369-7ACC-C9B03B567596}"/>
+              </a:ext>
+            </a:extLst>
+          </p:cNvPr>
+          <p:cNvSpPr>
+            <a:spLocks noGrp="1"/>
+          </p:cNvSpPr>
+          <p:nvPr>
+            <p:ph type="title"/>
+          </p:nvPr>
+        </p:nvSpPr>
+        <p:spPr/>
+        <p:txBody>
+          <a:bodyPr/>
+          <a:lstStyle/>
+          <a:p>
+            <a:r>
+              <a:rPr lang="en-US" b="1" dirty="0"/>
+              <a:t>Reviews on AI Summarizations</a:t>
+            </a:r>
+          </a:p>
+        </p:txBody>
+      </p:sp>
+      <p:sp>
+        <p:nvSpPr>
+          <p:cNvPr id="3" name="Content Placeholder 2">
+            <a:extLst>
+              <a:ext uri="{FF2B5EF4-FFF2-40B4-BE49-F238E27FC236}">
+                <a16:creationId xmlns:a16="http://schemas.microsoft.com/office/drawing/2014/main" id="{CF2ED0E7-825E-D4A8-D120-81816265CF6B}"/>
+              </a:ext>
+            </a:extLst>
+          </p:cNvPr>
+          <p:cNvSpPr>
+            <a:spLocks noGrp="1"/>
+          </p:cNvSpPr>
+          <p:nvPr>
+            <p:ph idx="1"/>
+          </p:nvPr>
+        </p:nvSpPr>
+        <p:spPr/>
+        <p:txBody>
+          <a:bodyPr>
+            <a:normAutofit/>
+          </a:bodyPr>
+          <a:lstStyle/>
+          <a:p>
+            <a:pPr marL="0" indent="0">
+              <a:lnSpc>
+                <a:spcPct val="150000"/>
+              </a:lnSpc>
+              <a:buNone/>
+            </a:pPr>
+            <a:r>
+              <a:rPr lang="en-US" sz="4000" dirty="0"/>
+              <a:t>Professor Peter Bol (Chinese Studies)</a:t>
+            </a:r>
+          </a:p>
+          <a:p>
+            <a:pPr marL="0" indent="0">
+              <a:lnSpc>
+                <a:spcPct val="150000"/>
+              </a:lnSpc>
+              <a:buNone/>
+            </a:pPr>
+            <a:r>
+              <a:rPr lang="en-US" altLang="zh-CN" sz="4000" dirty="0"/>
+              <a:t>Doctor Katherine Matsuura (Japanese Studies)</a:t>
+            </a:r>
+          </a:p>
+          <a:p>
+            <a:pPr marL="0" indent="0">
+              <a:lnSpc>
+                <a:spcPct val="150000"/>
+              </a:lnSpc>
+              <a:buNone/>
+            </a:pPr>
+            <a:r>
+              <a:rPr lang="en-US" altLang="zh-CN" sz="4000" dirty="0"/>
+              <a:t>Professor Si Nae Park (Korean Studies)</a:t>
+            </a:r>
+          </a:p>
+          <a:p>
+            <a:pPr marL="0" indent="0">
+              <a:lnSpc>
+                <a:spcPct val="150000"/>
+              </a:lnSpc>
+              <a:buNone/>
+            </a:pPr>
+            <a:r>
+              <a:rPr lang="en-US" sz="4000" dirty="0"/>
+              <a:t>Professor Michael </a:t>
+            </a:r>
+            <a:r>
+              <a:rPr lang="en-US" sz="4000" dirty="0" err="1"/>
+              <a:t>Szonyi</a:t>
+            </a:r>
+            <a:r>
+              <a:rPr lang="en-US" sz="4000" dirty="0"/>
+              <a:t> (Chinese Studies)</a:t>
+            </a:r>
+          </a:p>
+          <a:p>
+            <a:endParaRPr lang="en-US" sz="4000" dirty="0"/>
+          </a:p>
+          <a:p>
+            <a:pPr marL="0" indent="0">
+              <a:buNone/>
+            </a:pPr>
+            <a:endParaRPr lang="en-US" sz="4000" dirty="0"/>
+          </a:p>
+        </p:txBody>
+      </p:sp>
+    </p:spTree>
+    <p:extLst>
+      <p:ext uri="{BB962C8B-B14F-4D97-AF65-F5344CB8AC3E}">
+        <p14:creationId xmlns:p14="http://schemas.microsoft.com/office/powerpoint/2010/main" val="4033129835"/>
+      </p:ext>
+    </p:extLst>
+  </p:cSld>
+  <p:clrMapOvr>
+    <a:masterClrMapping/>
+  </p:clrMapOvr>
+</p:sld>
+</file>
+
+<file path=ppt/slides/slide73.xml><?xml version="1.0" encoding="utf-8"?>
+<p:sld xmlns:a="http://schemas.openxmlformats.org/drawingml/2006/main" xmlns:r="http://schemas.openxmlformats.org/officeDocument/2006/relationships" xmlns:p="http://schemas.openxmlformats.org/presentationml/2006/main">
+  <p:cSld>
+    <p:spTree>
+      <p:nvGrpSpPr>
+        <p:cNvPr id="1" name=""/>
+        <p:cNvGrpSpPr/>
+        <p:nvPr/>
+      </p:nvGrpSpPr>
+      <p:grpSpPr>
+        <a:xfrm>
+          <a:off x="0" y="0"/>
+          <a:ext cx="0" cy="0"/>
+          <a:chOff x="0" y="0"/>
+          <a:chExt cx="0" cy="0"/>
+        </a:xfrm>
+      </p:grpSpPr>
+      <p:sp>
+        <p:nvSpPr>
+          <p:cNvPr id="4" name="Title 3">
+            <a:extLst>
+              <a:ext uri="{FF2B5EF4-FFF2-40B4-BE49-F238E27FC236}">
                 <a16:creationId xmlns:a16="http://schemas.microsoft.com/office/drawing/2014/main" id="{839E1118-3520-1AA5-C96D-E269EDD4331D}"/>
               </a:ext>
             </a:extLst>
@@ -11667,7 +13417,7 @@
 </p:sld>
 </file>
 
-<file path=ppt/slides/slide66.xml><?xml version="1.0" encoding="utf-8"?>
+<file path=ppt/slides/slide74.xml><?xml version="1.0" encoding="utf-8"?>
 <p:sld xmlns:a="http://schemas.openxmlformats.org/drawingml/2006/main" xmlns:r="http://schemas.openxmlformats.org/officeDocument/2006/relationships" xmlns:p="http://schemas.openxmlformats.org/presentationml/2006/main">
   <p:cSld>
     <p:spTree>
@@ -12752,7 +14502,7 @@
 </p:sld>
 </file>
 
-<file path=ppt/slides/slide67.xml><?xml version="1.0" encoding="utf-8"?>
+<file path=ppt/slides/slide75.xml><?xml version="1.0" encoding="utf-8"?>
 <p:sld xmlns:a="http://schemas.openxmlformats.org/drawingml/2006/main" xmlns:r="http://schemas.openxmlformats.org/officeDocument/2006/relationships" xmlns:p="http://schemas.openxmlformats.org/presentationml/2006/main">
   <p:cSld>
     <p:spTree>
@@ -12950,7 +14700,7 @@
 </p:sld>
 </file>
 
-<file path=ppt/slides/slide68.xml><?xml version="1.0" encoding="utf-8"?>
+<file path=ppt/slides/slide76.xml><?xml version="1.0" encoding="utf-8"?>
 <p:sld xmlns:a="http://schemas.openxmlformats.org/drawingml/2006/main" xmlns:r="http://schemas.openxmlformats.org/officeDocument/2006/relationships" xmlns:p="http://schemas.openxmlformats.org/presentationml/2006/main">
   <p:cSld>
     <p:spTree>
@@ -13146,7 +14896,7 @@
 </p:sld>
 </file>
 
-<file path=ppt/slides/slide69.xml><?xml version="1.0" encoding="utf-8"?>
+<file path=ppt/slides/slide77.xml><?xml version="1.0" encoding="utf-8"?>
 <p:sld xmlns:a="http://schemas.openxmlformats.org/drawingml/2006/main" xmlns:r="http://schemas.openxmlformats.org/officeDocument/2006/relationships" xmlns:p="http://schemas.openxmlformats.org/presentationml/2006/main">
   <p:cSld>
     <p:spTree>
@@ -13324,7 +15074,7 @@
 </p:sld>
 </file>
 
-<file path=ppt/slides/slide7.xml><?xml version="1.0" encoding="utf-8"?>
+<file path=ppt/slides/slide78.xml><?xml version="1.0" encoding="utf-8"?>
 <p:sld xmlns:a="http://schemas.openxmlformats.org/drawingml/2006/main" xmlns:r="http://schemas.openxmlformats.org/officeDocument/2006/relationships" xmlns:p="http://schemas.openxmlformats.org/presentationml/2006/main">
   <p:cSld>
     <p:spTree>
@@ -13346,7 +15096,7 @@
           <p:cNvPr id="2" name="Title 1">
             <a:extLst>
               <a:ext uri="{FF2B5EF4-FFF2-40B4-BE49-F238E27FC236}">
-                <a16:creationId xmlns:a16="http://schemas.microsoft.com/office/drawing/2014/main" id="{DD289307-D863-B078-19FC-ABC022FD08B9}"/>
+                <a16:creationId xmlns:a16="http://schemas.microsoft.com/office/drawing/2014/main" id="{930D1BDB-B3F0-226D-590C-B597615532DF}"/>
               </a:ext>
             </a:extLst>
           </p:cNvPr>
@@ -13362,7 +15112,15 @@
           <a:bodyPr/>
           <a:lstStyle/>
           <a:p>
-            <a:endParaRPr lang="en-US"/>
+            <a:r>
+              <a:rPr lang="en-US" dirty="0"/>
+              <a:t>Prompt: </a:t>
+            </a:r>
+            <a:r>
+              <a:rPr lang="en-US" altLang="zh-CN" dirty="0"/>
+              <a:t>Output Important Results for Check</a:t>
+            </a:r>
+            <a:endParaRPr lang="en-US" dirty="0"/>
           </a:p>
         </p:txBody>
       </p:sp>
@@ -13371,7 +15129,7 @@
           <p:cNvPr id="3" name="Content Placeholder 2">
             <a:extLst>
               <a:ext uri="{FF2B5EF4-FFF2-40B4-BE49-F238E27FC236}">
-                <a16:creationId xmlns:a16="http://schemas.microsoft.com/office/drawing/2014/main" id="{1ECD564A-8583-A92C-EF7B-F9D8C733C349}"/>
+                <a16:creationId xmlns:a16="http://schemas.microsoft.com/office/drawing/2014/main" id="{CF8DD228-C303-270F-AC79-763AF54CAFCD}"/>
               </a:ext>
             </a:extLst>
           </p:cNvPr>
@@ -13382,15 +15140,10 @@
             <p:ph idx="1"/>
           </p:nvPr>
         </p:nvSpPr>
-        <p:spPr>
-          <a:xfrm>
-            <a:off x="838200" y="1825625"/>
-            <a:ext cx="5015753" cy="4351338"/>
-          </a:xfrm>
-        </p:spPr>
+        <p:spPr/>
         <p:txBody>
           <a:bodyPr>
-            <a:normAutofit lnSpcReduction="10000"/>
+            <a:normAutofit/>
           </a:bodyPr>
           <a:lstStyle/>
           <a:p>
@@ -13398,179 +15151,48 @@
               <a:buNone/>
             </a:pPr>
             <a:r>
-              <a:rPr lang="en-US" dirty="0"/>
-              <a:t>P. </a:t>
-            </a:r>
-            <a:r>
-              <a:rPr lang="en-US" dirty="0" err="1"/>
-              <a:t>Emm</a:t>
-            </a:r>
-            <a:r>
-              <a:rPr lang="en-US" dirty="0"/>
-              <a:t>. Diaz (junior) ..... P, Nicol. </a:t>
-            </a:r>
-            <a:r>
-              <a:rPr lang="en-US" dirty="0" err="1"/>
-              <a:t>Trigault</a:t>
-            </a:r>
-            <a:r>
-              <a:rPr lang="en-US" dirty="0"/>
-              <a:t>.	</a:t>
-            </a:r>
-          </a:p>
-          <a:p>
-            <a:pPr marL="0" indent="0">
-              <a:buNone/>
-            </a:pPr>
-            <a:r>
-              <a:rPr lang="en-US" dirty="0"/>
-              <a:t>Fr. Pascal Mendes . 		</a:t>
-            </a:r>
-          </a:p>
-          <a:p>
-            <a:pPr marL="0" indent="0">
-              <a:buNone/>
-            </a:pPr>
-            <a:r>
-              <a:rPr lang="en-US" dirty="0"/>
-              <a:t>Fr. Jean Fernandes 	</a:t>
-            </a:r>
-          </a:p>
-          <a:p>
-            <a:pPr marL="0" indent="0">
-              <a:buNone/>
-            </a:pPr>
-            <a:r>
-              <a:rPr lang="en-US" dirty="0"/>
-              <a:t>Fr. Fr. de </a:t>
-            </a:r>
-            <a:r>
-              <a:rPr lang="en-US" dirty="0" err="1"/>
-              <a:t>Lagea</a:t>
-            </a:r>
-            <a:r>
-              <a:rPr lang="en-US" dirty="0"/>
-              <a:t>	</a:t>
-            </a:r>
-          </a:p>
-          <a:p>
-            <a:pPr marL="0" indent="0">
-              <a:buNone/>
-            </a:pPr>
-            <a:r>
-              <a:rPr lang="en-US" dirty="0"/>
-              <a:t>Fr. Dom. Mendes	</a:t>
-            </a:r>
-          </a:p>
-          <a:p>
-            <a:pPr marL="0" indent="0">
-              <a:buNone/>
-            </a:pPr>
-            <a:r>
-              <a:rPr lang="en-US" dirty="0"/>
-              <a:t>Fr. Jacq. </a:t>
-            </a:r>
-            <a:r>
-              <a:rPr lang="en-US" dirty="0" err="1"/>
-              <a:t>Néva</a:t>
-            </a:r>
-            <a:r>
-              <a:rPr lang="en-US" dirty="0"/>
-              <a:t>		</a:t>
-            </a:r>
-          </a:p>
-          <a:p>
-            <a:pPr marL="0" indent="0">
-              <a:buNone/>
-            </a:pPr>
-            <a:r>
-              <a:rPr lang="en-US" dirty="0"/>
-              <a:t>P. Ruiz Barreto et </a:t>
-            </a:r>
-            <a:r>
-              <a:rPr lang="en-US" dirty="0" err="1"/>
-              <a:t>ses</a:t>
-            </a:r>
-            <a:r>
-              <a:rPr lang="en-US" dirty="0"/>
-              <a:t> Fr. Louis </a:t>
-            </a:r>
-            <a:r>
-              <a:rPr lang="en-US" dirty="0" err="1"/>
-              <a:t>Rozitto</a:t>
-            </a:r>
-            <a:r>
-              <a:rPr lang="en-US" dirty="0"/>
-              <a:t> .. [comp. Fr. </a:t>
-            </a:r>
-            <a:r>
-              <a:rPr lang="en-US" dirty="0" err="1"/>
-              <a:t>Vinc</a:t>
-            </a:r>
-            <a:r>
-              <a:rPr lang="en-US" dirty="0"/>
-              <a:t>. </a:t>
-            </a:r>
-            <a:r>
-              <a:rPr lang="en-US" dirty="0" err="1"/>
-              <a:t>Caun</a:t>
-            </a:r>
-            <a:r>
-              <a:rPr lang="en-US" dirty="0"/>
-              <a:t> om </a:t>
-            </a:r>
-            <a:r>
-              <a:rPr lang="en-US" dirty="0" err="1"/>
-              <a:t>Calioye</a:t>
-            </a:r>
-            <a:r>
-              <a:rPr lang="en-US" dirty="0"/>
-              <a:t>. P. Jules </a:t>
-            </a:r>
-            <a:r>
-              <a:rPr lang="en-US" dirty="0" err="1"/>
-              <a:t>Aleni</a:t>
-            </a:r>
-            <a:r>
-              <a:rPr lang="en-US" dirty="0"/>
-              <a:t>	</a:t>
-            </a:r>
-          </a:p>
-        </p:txBody>
-      </p:sp>
-      <p:pic>
-        <p:nvPicPr>
-          <p:cNvPr id="5" name="Picture 4">
-            <a:extLst>
-              <a:ext uri="{FF2B5EF4-FFF2-40B4-BE49-F238E27FC236}">
-                <a16:creationId xmlns:a16="http://schemas.microsoft.com/office/drawing/2014/main" id="{FF2B8296-3A4A-5822-B82B-AAC527770C3C}"/>
-              </a:ext>
-            </a:extLst>
-          </p:cNvPr>
-          <p:cNvPicPr>
-            <a:picLocks noChangeAspect="1"/>
-          </p:cNvPicPr>
-          <p:nvPr/>
-        </p:nvPicPr>
-        <p:blipFill rotWithShape="1">
-          <a:blip r:embed="rId2"/>
-          <a:srcRect t="21699"/>
-          <a:stretch/>
-        </p:blipFill>
-        <p:spPr>
-          <a:xfrm>
-            <a:off x="6255897" y="182563"/>
-            <a:ext cx="6043679" cy="6492874"/>
-          </a:xfrm>
-          <a:prstGeom prst="rect">
-            <a:avLst/>
-          </a:prstGeom>
-        </p:spPr>
-      </p:pic>
+              <a:rPr lang="en-US" sz="4400" dirty="0"/>
+              <a:t>3. Display the regression function, n, </a:t>
+            </a:r>
+            <a:r>
+              <a:rPr lang="en-US" sz="4400" dirty="0" err="1"/>
+              <a:t>x_sum</a:t>
+            </a:r>
+            <a:r>
+              <a:rPr lang="en-US" sz="4400" dirty="0"/>
+              <a:t>, </a:t>
+            </a:r>
+            <a:r>
+              <a:rPr lang="en-US" sz="4400" dirty="0" err="1"/>
+              <a:t>y_sum</a:t>
+            </a:r>
+            <a:r>
+              <a:rPr lang="en-US" sz="4400" dirty="0"/>
+              <a:t>, </a:t>
+            </a:r>
+            <a:r>
+              <a:rPr lang="en-US" sz="4400" dirty="0" err="1"/>
+              <a:t>xx_sum</a:t>
+            </a:r>
+            <a:r>
+              <a:rPr lang="en-US" sz="4400" dirty="0"/>
+              <a:t>, </a:t>
+            </a:r>
+            <a:r>
+              <a:rPr lang="en-US" sz="4400" dirty="0" err="1"/>
+              <a:t>xy_sum</a:t>
+            </a:r>
+            <a:r>
+              <a:rPr lang="en-US" sz="4400" dirty="0"/>
+              <a:t> on the page. </a:t>
+            </a:r>
+          </a:p>
+        </p:txBody>
+      </p:sp>
     </p:spTree>
     <p:extLst>
       <p:ext uri="{BB962C8B-B14F-4D97-AF65-F5344CB8AC3E}">
-        <p14:creationId xmlns:p14="http://schemas.microsoft.com/office/powerpoint/2010/main" val="643891140"/>
+        <p14:creationId xmlns:p14="http://schemas.microsoft.com/office/powerpoint/2010/main" val="3947383542"/>
       </p:ext>
     </p:extLst>
   </p:cSld>
@@ -13580,7 +15202,7 @@
 </p:sld>
 </file>
 
-<file path=ppt/slides/slide70.xml><?xml version="1.0" encoding="utf-8"?>
+<file path=ppt/slides/slide79.xml><?xml version="1.0" encoding="utf-8"?>
 <p:sld xmlns:a="http://schemas.openxmlformats.org/drawingml/2006/main" xmlns:r="http://schemas.openxmlformats.org/officeDocument/2006/relationships" xmlns:p="http://schemas.openxmlformats.org/presentationml/2006/main">
   <p:cSld>
     <p:spTree>
@@ -13620,11 +15242,11 @@
           <a:p>
             <a:r>
               <a:rPr lang="en-US" dirty="0"/>
-              <a:t>Prompt: </a:t>
-            </a:r>
-            <a:r>
-              <a:rPr lang="en-US" altLang="zh-CN" dirty="0"/>
-              <a:t>Output Important Results for Check</a:t>
+              <a:t>Prompt: How to cite JavaScript </a:t>
+            </a:r>
+            <a:r>
+              <a:rPr lang="en-US" dirty="0" err="1"/>
+              <a:t>Libaries</a:t>
             </a:r>
             <a:endParaRPr lang="en-US" dirty="0"/>
           </a:p>
@@ -13657,40 +15279,16 @@
               <a:buNone/>
             </a:pPr>
             <a:r>
-              <a:rPr lang="en-US" sz="4400" dirty="0"/>
-              <a:t>3. Display the regression function, n, </a:t>
-            </a:r>
-            <a:r>
-              <a:rPr lang="en-US" sz="4400" dirty="0" err="1"/>
-              <a:t>x_sum</a:t>
-            </a:r>
-            <a:r>
-              <a:rPr lang="en-US" sz="4400" dirty="0"/>
-              <a:t>, </a:t>
-            </a:r>
-            <a:r>
-              <a:rPr lang="en-US" sz="4400" dirty="0" err="1"/>
-              <a:t>y_sum</a:t>
-            </a:r>
-            <a:r>
-              <a:rPr lang="en-US" sz="4400" dirty="0"/>
-              <a:t>, </a:t>
-            </a:r>
-            <a:r>
-              <a:rPr lang="en-US" sz="4400" dirty="0" err="1"/>
-              <a:t>xx_sum</a:t>
-            </a:r>
-            <a:r>
-              <a:rPr lang="en-US" sz="4400" dirty="0"/>
-              <a:t>, </a:t>
-            </a:r>
-            <a:r>
-              <a:rPr lang="en-US" sz="4400" dirty="0" err="1"/>
-              <a:t>xy_sum</a:t>
-            </a:r>
-            <a:r>
-              <a:rPr lang="en-US" sz="4400" dirty="0"/>
-              <a:t> on the page. </a:t>
+              <a:rPr lang="en-US" sz="4000" dirty="0"/>
+              <a:t>4. Provide the necessary library citations or links to external resources used in the code, specifically from </a:t>
+            </a:r>
+            <a:r>
+              <a:rPr lang="en-US" sz="4000" b="1" u="sng" dirty="0"/>
+              <a:t>CDN sources</a:t>
+            </a:r>
+            <a:r>
+              <a:rPr lang="en-US" sz="4000" dirty="0"/>
+              <a:t>.</a:t>
             </a:r>
           </a:p>
         </p:txBody>
@@ -13698,7 +15296,7 @@
     </p:spTree>
     <p:extLst>
       <p:ext uri="{BB962C8B-B14F-4D97-AF65-F5344CB8AC3E}">
-        <p14:creationId xmlns:p14="http://schemas.microsoft.com/office/powerpoint/2010/main" val="3947383542"/>
+        <p14:creationId xmlns:p14="http://schemas.microsoft.com/office/powerpoint/2010/main" val="1109498025"/>
       </p:ext>
     </p:extLst>
   </p:cSld>
@@ -13708,7 +15306,7 @@
 </p:sld>
 </file>
 
-<file path=ppt/slides/slide71.xml><?xml version="1.0" encoding="utf-8"?>
+<file path=ppt/slides/slide8.xml><?xml version="1.0" encoding="utf-8"?>
 <p:sld xmlns:a="http://schemas.openxmlformats.org/drawingml/2006/main" xmlns:r="http://schemas.openxmlformats.org/officeDocument/2006/relationships" xmlns:p="http://schemas.openxmlformats.org/presentationml/2006/main">
   <p:cSld>
     <p:spTree>
@@ -13730,7 +15328,7 @@
           <p:cNvPr id="2" name="Title 1">
             <a:extLst>
               <a:ext uri="{FF2B5EF4-FFF2-40B4-BE49-F238E27FC236}">
-                <a16:creationId xmlns:a16="http://schemas.microsoft.com/office/drawing/2014/main" id="{930D1BDB-B3F0-226D-590C-B597615532DF}"/>
+                <a16:creationId xmlns:a16="http://schemas.microsoft.com/office/drawing/2014/main" id="{A8E7D7A1-EEE3-3F77-E1EA-8664058A960F}"/>
               </a:ext>
             </a:extLst>
           </p:cNvPr>
@@ -13748,13 +15346,8 @@
           <a:p>
             <a:r>
               <a:rPr lang="en-US" dirty="0"/>
-              <a:t>Prompt: How to cite JavaScript </a:t>
-            </a:r>
-            <a:r>
-              <a:rPr lang="en-US" dirty="0" err="1"/>
-              <a:t>Libaries</a:t>
-            </a:r>
-            <a:endParaRPr lang="en-US" dirty="0"/>
+              <a:t>Prompt: Description</a:t>
+            </a:r>
           </a:p>
         </p:txBody>
       </p:sp>
@@ -13763,7 +15356,7 @@
           <p:cNvPr id="3" name="Content Placeholder 2">
             <a:extLst>
               <a:ext uri="{FF2B5EF4-FFF2-40B4-BE49-F238E27FC236}">
-                <a16:creationId xmlns:a16="http://schemas.microsoft.com/office/drawing/2014/main" id="{CF8DD228-C303-270F-AC79-763AF54CAFCD}"/>
+                <a16:creationId xmlns:a16="http://schemas.microsoft.com/office/drawing/2014/main" id="{88FB13E2-AF95-74B1-F9EE-9776A3461733}"/>
               </a:ext>
             </a:extLst>
           </p:cNvPr>
@@ -13776,25 +15369,56 @@
         </p:nvSpPr>
         <p:spPr/>
         <p:txBody>
-          <a:bodyPr>
-            <a:normAutofit/>
-          </a:bodyPr>
-          <a:lstStyle/>
-          <a:p>
-            <a:pPr marL="0" indent="0">
-              <a:buNone/>
-            </a:pPr>
-            <a:r>
-              <a:rPr lang="en-US" sz="4000" dirty="0"/>
-              <a:t>4. Provide the necessary library citations or links to external resources used in the code, specifically from </a:t>
-            </a:r>
-            <a:r>
-              <a:rPr lang="en-US" sz="4000" b="1" u="sng" dirty="0"/>
-              <a:t>CDN sources</a:t>
-            </a:r>
-            <a:r>
-              <a:rPr lang="en-US" sz="4000" dirty="0"/>
-              <a:t>.</a:t>
+          <a:bodyPr/>
+          <a:lstStyle/>
+          <a:p>
+            <a:pPr marL="0" indent="0">
+              <a:buNone/>
+            </a:pPr>
+            <a:r>
+              <a:rPr lang="en-US" sz="4400" dirty="0"/>
+              <a:t>I have a list of </a:t>
+            </a:r>
+            <a:r>
+              <a:rPr lang="en-US" sz="4400" b="1" u="sng" dirty="0"/>
+              <a:t>missionary</a:t>
+            </a:r>
+            <a:r>
+              <a:rPr lang="en-US" sz="4400" dirty="0"/>
+              <a:t> names </a:t>
+            </a:r>
+            <a:r>
+              <a:rPr lang="en-US" sz="4400" b="1" u="sng" dirty="0"/>
+              <a:t>in French</a:t>
+            </a:r>
+            <a:r>
+              <a:rPr lang="en-US" sz="4400" dirty="0"/>
+              <a:t>. They </a:t>
+            </a:r>
+            <a:r>
+              <a:rPr lang="en-US" sz="4400" b="1" u="sng" dirty="0"/>
+              <a:t>lived in 16c to 18c</a:t>
+            </a:r>
+            <a:r>
+              <a:rPr lang="en-US" sz="4400" dirty="0"/>
+              <a:t>. please clean the data for me:</a:t>
+            </a:r>
+          </a:p>
+          <a:p>
+            <a:pPr marL="0" indent="0">
+              <a:buNone/>
+            </a:pPr>
+            <a:r>
+              <a:rPr lang="en-US" dirty="0"/>
+              <a:t>[</a:t>
+            </a:r>
+            <a:r>
+              <a:rPr lang="en-US" altLang="zh-CN" dirty="0"/>
+              <a:t>your list</a:t>
+            </a:r>
+            <a:r>
+              <a:rPr lang="en-US" dirty="0"/>
+              <a:t>]</a:t>
             </a:r>
           </a:p>
         </p:txBody>
@@ -13802,7 +15426,7 @@
     </p:spTree>
     <p:extLst>
       <p:ext uri="{BB962C8B-B14F-4D97-AF65-F5344CB8AC3E}">
-        <p14:creationId xmlns:p14="http://schemas.microsoft.com/office/powerpoint/2010/main" val="1109498025"/>
+        <p14:creationId xmlns:p14="http://schemas.microsoft.com/office/powerpoint/2010/main" val="1714145314"/>
       </p:ext>
     </p:extLst>
   </p:cSld>
@@ -13812,7 +15436,7 @@
 </p:sld>
 </file>
 
-<file path=ppt/slides/slide72.xml><?xml version="1.0" encoding="utf-8"?>
+<file path=ppt/slides/slide80.xml><?xml version="1.0" encoding="utf-8"?>
 <p:sld xmlns:a="http://schemas.openxmlformats.org/drawingml/2006/main" xmlns:r="http://schemas.openxmlformats.org/officeDocument/2006/relationships" xmlns:p="http://schemas.openxmlformats.org/presentationml/2006/main">
   <p:cSld>
     <p:spTree>
@@ -13910,7 +15534,7 @@
 </p:sld>
 </file>
 
-<file path=ppt/slides/slide73.xml><?xml version="1.0" encoding="utf-8"?>
+<file path=ppt/slides/slide81.xml><?xml version="1.0" encoding="utf-8"?>
 <p:sld xmlns:a="http://schemas.openxmlformats.org/drawingml/2006/main" xmlns:r="http://schemas.openxmlformats.org/officeDocument/2006/relationships" xmlns:p="http://schemas.openxmlformats.org/presentationml/2006/main">
   <p:cSld>
     <p:spTree>
@@ -14008,7 +15632,7 @@
 </p:sld>
 </file>
 
-<file path=ppt/slides/slide74.xml><?xml version="1.0" encoding="utf-8"?>
+<file path=ppt/slides/slide82.xml><?xml version="1.0" encoding="utf-8"?>
 <p:sld xmlns:a="http://schemas.openxmlformats.org/drawingml/2006/main" xmlns:r="http://schemas.openxmlformats.org/officeDocument/2006/relationships" xmlns:p="http://schemas.openxmlformats.org/presentationml/2006/main">
   <p:cSld>
     <p:spTree>
@@ -14118,7 +15742,7 @@
 </p:sld>
 </file>
 
-<file path=ppt/slides/slide75.xml><?xml version="1.0" encoding="utf-8"?>
+<file path=ppt/slides/slide83.xml><?xml version="1.0" encoding="utf-8"?>
 <p:sld xmlns:a="http://schemas.openxmlformats.org/drawingml/2006/main" xmlns:r="http://schemas.openxmlformats.org/officeDocument/2006/relationships" xmlns:p="http://schemas.openxmlformats.org/presentationml/2006/main">
   <p:cSld>
     <p:spTree>
@@ -14447,7 +16071,7 @@
 </p:sld>
 </file>
 
-<file path=ppt/slides/slide76.xml><?xml version="1.0" encoding="utf-8"?>
+<file path=ppt/slides/slide84.xml><?xml version="1.0" encoding="utf-8"?>
 <p:sld xmlns:a="http://schemas.openxmlformats.org/drawingml/2006/main" xmlns:r="http://schemas.openxmlformats.org/officeDocument/2006/relationships" xmlns:p="http://schemas.openxmlformats.org/presentationml/2006/main">
   <p:cSld>
     <p:spTree>
@@ -14586,7 +16210,7 @@
 </p:sld>
 </file>
 
-<file path=ppt/slides/slide77.xml><?xml version="1.0" encoding="utf-8"?>
+<file path=ppt/slides/slide85.xml><?xml version="1.0" encoding="utf-8"?>
 <p:sld xmlns:a="http://schemas.openxmlformats.org/drawingml/2006/main" xmlns:r="http://schemas.openxmlformats.org/officeDocument/2006/relationships" xmlns:p="http://schemas.openxmlformats.org/presentationml/2006/main">
   <p:cSld>
     <p:spTree>
@@ -14682,7 +16306,7 @@
 </p:sld>
 </file>
 
-<file path=ppt/slides/slide78.xml><?xml version="1.0" encoding="utf-8"?>
+<file path=ppt/slides/slide86.xml><?xml version="1.0" encoding="utf-8"?>
 <p:sld xmlns:a="http://schemas.openxmlformats.org/drawingml/2006/main" xmlns:r="http://schemas.openxmlformats.org/officeDocument/2006/relationships" xmlns:p="http://schemas.openxmlformats.org/presentationml/2006/main">
   <p:cSld>
     <p:spTree>
@@ -14844,7 +16468,7 @@
 </p:sld>
 </file>
 
-<file path=ppt/slides/slide79.xml><?xml version="1.0" encoding="utf-8"?>
+<file path=ppt/slides/slide87.xml><?xml version="1.0" encoding="utf-8"?>
 <p:sld xmlns:a="http://schemas.openxmlformats.org/drawingml/2006/main" xmlns:r="http://schemas.openxmlformats.org/officeDocument/2006/relationships" xmlns:p="http://schemas.openxmlformats.org/presentationml/2006/main">
   <p:cSld>
     <p:spTree>
@@ -14927,7 +16551,7 @@
 </p:sld>
 </file>
 
-<file path=ppt/slides/slide8.xml><?xml version="1.0" encoding="utf-8"?>
+<file path=ppt/slides/slide88.xml><?xml version="1.0" encoding="utf-8"?>
 <p:sld xmlns:a="http://schemas.openxmlformats.org/drawingml/2006/main" xmlns:r="http://schemas.openxmlformats.org/officeDocument/2006/relationships" xmlns:p="http://schemas.openxmlformats.org/presentationml/2006/main">
   <p:cSld>
     <p:spTree>
@@ -14949,136 +16573,6 @@
           <p:cNvPr id="2" name="Title 1">
             <a:extLst>
               <a:ext uri="{FF2B5EF4-FFF2-40B4-BE49-F238E27FC236}">
-                <a16:creationId xmlns:a16="http://schemas.microsoft.com/office/drawing/2014/main" id="{A8E7D7A1-EEE3-3F77-E1EA-8664058A960F}"/>
-              </a:ext>
-            </a:extLst>
-          </p:cNvPr>
-          <p:cNvSpPr>
-            <a:spLocks noGrp="1"/>
-          </p:cNvSpPr>
-          <p:nvPr>
-            <p:ph type="title"/>
-          </p:nvPr>
-        </p:nvSpPr>
-        <p:spPr/>
-        <p:txBody>
-          <a:bodyPr/>
-          <a:lstStyle/>
-          <a:p>
-            <a:r>
-              <a:rPr lang="en-US" dirty="0"/>
-              <a:t>Prompt: Description</a:t>
-            </a:r>
-          </a:p>
-        </p:txBody>
-      </p:sp>
-      <p:sp>
-        <p:nvSpPr>
-          <p:cNvPr id="3" name="Content Placeholder 2">
-            <a:extLst>
-              <a:ext uri="{FF2B5EF4-FFF2-40B4-BE49-F238E27FC236}">
-                <a16:creationId xmlns:a16="http://schemas.microsoft.com/office/drawing/2014/main" id="{88FB13E2-AF95-74B1-F9EE-9776A3461733}"/>
-              </a:ext>
-            </a:extLst>
-          </p:cNvPr>
-          <p:cNvSpPr>
-            <a:spLocks noGrp="1"/>
-          </p:cNvSpPr>
-          <p:nvPr>
-            <p:ph idx="1"/>
-          </p:nvPr>
-        </p:nvSpPr>
-        <p:spPr/>
-        <p:txBody>
-          <a:bodyPr/>
-          <a:lstStyle/>
-          <a:p>
-            <a:pPr marL="0" indent="0">
-              <a:buNone/>
-            </a:pPr>
-            <a:r>
-              <a:rPr lang="en-US" sz="4400" dirty="0"/>
-              <a:t>I have a list of </a:t>
-            </a:r>
-            <a:r>
-              <a:rPr lang="en-US" sz="4400" b="1" u="sng" dirty="0"/>
-              <a:t>missionary</a:t>
-            </a:r>
-            <a:r>
-              <a:rPr lang="en-US" sz="4400" dirty="0"/>
-              <a:t> names </a:t>
-            </a:r>
-            <a:r>
-              <a:rPr lang="en-US" sz="4400" b="1" u="sng" dirty="0"/>
-              <a:t>in French</a:t>
-            </a:r>
-            <a:r>
-              <a:rPr lang="en-US" sz="4400" dirty="0"/>
-              <a:t>. They </a:t>
-            </a:r>
-            <a:r>
-              <a:rPr lang="en-US" sz="4400" b="1" u="sng" dirty="0"/>
-              <a:t>lived in 16c to 18c</a:t>
-            </a:r>
-            <a:r>
-              <a:rPr lang="en-US" sz="4400" dirty="0"/>
-              <a:t>. please clean the data for me:</a:t>
-            </a:r>
-          </a:p>
-          <a:p>
-            <a:pPr marL="0" indent="0">
-              <a:buNone/>
-            </a:pPr>
-            <a:r>
-              <a:rPr lang="en-US" dirty="0"/>
-              <a:t>[</a:t>
-            </a:r>
-            <a:r>
-              <a:rPr lang="en-US" altLang="zh-CN" dirty="0"/>
-              <a:t>your list</a:t>
-            </a:r>
-            <a:r>
-              <a:rPr lang="en-US" dirty="0"/>
-              <a:t>]</a:t>
-            </a:r>
-          </a:p>
-        </p:txBody>
-      </p:sp>
-    </p:spTree>
-    <p:extLst>
-      <p:ext uri="{BB962C8B-B14F-4D97-AF65-F5344CB8AC3E}">
-        <p14:creationId xmlns:p14="http://schemas.microsoft.com/office/powerpoint/2010/main" val="1714145314"/>
-      </p:ext>
-    </p:extLst>
-  </p:cSld>
-  <p:clrMapOvr>
-    <a:masterClrMapping/>
-  </p:clrMapOvr>
-</p:sld>
-</file>
-
-<file path=ppt/slides/slide80.xml><?xml version="1.0" encoding="utf-8"?>
-<p:sld xmlns:a="http://schemas.openxmlformats.org/drawingml/2006/main" xmlns:r="http://schemas.openxmlformats.org/officeDocument/2006/relationships" xmlns:p="http://schemas.openxmlformats.org/presentationml/2006/main">
-  <p:cSld>
-    <p:spTree>
-      <p:nvGrpSpPr>
-        <p:cNvPr id="1" name=""/>
-        <p:cNvGrpSpPr/>
-        <p:nvPr/>
-      </p:nvGrpSpPr>
-      <p:grpSpPr>
-        <a:xfrm>
-          <a:off x="0" y="0"/>
-          <a:ext cx="0" cy="0"/>
-          <a:chOff x="0" y="0"/>
-          <a:chExt cx="0" cy="0"/>
-        </a:xfrm>
-      </p:grpSpPr>
-      <p:sp>
-        <p:nvSpPr>
-          <p:cNvPr id="2" name="Title 1">
-            <a:extLst>
-              <a:ext uri="{FF2B5EF4-FFF2-40B4-BE49-F238E27FC236}">
                 <a16:creationId xmlns:a16="http://schemas.microsoft.com/office/drawing/2014/main" id="{E94B733F-0470-BA06-7E0A-79B135F8950E}"/>
               </a:ext>
             </a:extLst>
@@ -15140,7 +16634,7 @@
 </p:sld>
 </file>
 
-<file path=ppt/slides/slide81.xml><?xml version="1.0" encoding="utf-8"?>
+<file path=ppt/slides/slide89.xml><?xml version="1.0" encoding="utf-8"?>
 <p:sld xmlns:a="http://schemas.openxmlformats.org/drawingml/2006/main" xmlns:r="http://schemas.openxmlformats.org/officeDocument/2006/relationships" xmlns:p="http://schemas.openxmlformats.org/presentationml/2006/main">
   <p:cSld>
     <p:spTree>
@@ -15386,7 +16880,103 @@
 </p:sld>
 </file>
 
-<file path=ppt/slides/slide82.xml><?xml version="1.0" encoding="utf-8"?>
+<file path=ppt/slides/slide9.xml><?xml version="1.0" encoding="utf-8"?>
+<p:sld xmlns:a="http://schemas.openxmlformats.org/drawingml/2006/main" xmlns:r="http://schemas.openxmlformats.org/officeDocument/2006/relationships" xmlns:p="http://schemas.openxmlformats.org/presentationml/2006/main">
+  <p:cSld>
+    <p:spTree>
+      <p:nvGrpSpPr>
+        <p:cNvPr id="1" name=""/>
+        <p:cNvGrpSpPr/>
+        <p:nvPr/>
+      </p:nvGrpSpPr>
+      <p:grpSpPr>
+        <a:xfrm>
+          <a:off x="0" y="0"/>
+          <a:ext cx="0" cy="0"/>
+          <a:chOff x="0" y="0"/>
+          <a:chExt cx="0" cy="0"/>
+        </a:xfrm>
+      </p:grpSpPr>
+      <p:sp>
+        <p:nvSpPr>
+          <p:cNvPr id="7" name="Content Placeholder 6">
+            <a:extLst>
+              <a:ext uri="{FF2B5EF4-FFF2-40B4-BE49-F238E27FC236}">
+                <a16:creationId xmlns:a16="http://schemas.microsoft.com/office/drawing/2014/main" id="{791BF107-FE39-57DF-7001-AD67A1F73CB1}"/>
+              </a:ext>
+            </a:extLst>
+          </p:cNvPr>
+          <p:cNvSpPr>
+            <a:spLocks noGrp="1"/>
+          </p:cNvSpPr>
+          <p:nvPr>
+            <p:ph idx="1"/>
+          </p:nvPr>
+        </p:nvSpPr>
+        <p:spPr>
+          <a:xfrm>
+            <a:off x="838200" y="340659"/>
+            <a:ext cx="10515600" cy="5836304"/>
+          </a:xfrm>
+        </p:spPr>
+        <p:txBody>
+          <a:bodyPr/>
+          <a:lstStyle/>
+          <a:p>
+            <a:r>
+              <a:rPr lang="en-US" dirty="0">
+                <a:hlinkClick r:id="rId2"/>
+              </a:rPr>
+              <a:t>https://github.com/fccsdigitalchina/generative_ai_east_asian_studies/blob/main/Clean_OCR_output/French_names/2_prompt.txt</a:t>
+            </a:r>
+            <a:endParaRPr lang="en-US" dirty="0"/>
+          </a:p>
+        </p:txBody>
+      </p:sp>
+      <p:pic>
+        <p:nvPicPr>
+          <p:cNvPr id="9" name="Picture 8">
+            <a:extLst>
+              <a:ext uri="{FF2B5EF4-FFF2-40B4-BE49-F238E27FC236}">
+                <a16:creationId xmlns:a16="http://schemas.microsoft.com/office/drawing/2014/main" id="{873B58DE-90D0-F101-118A-2C6EEC771E56}"/>
+              </a:ext>
+            </a:extLst>
+          </p:cNvPr>
+          <p:cNvPicPr>
+            <a:picLocks noChangeAspect="1"/>
+          </p:cNvPicPr>
+          <p:nvPr/>
+        </p:nvPicPr>
+        <p:blipFill>
+          <a:blip r:embed="rId3"/>
+          <a:stretch>
+            <a:fillRect/>
+          </a:stretch>
+        </p:blipFill>
+        <p:spPr>
+          <a:xfrm>
+            <a:off x="838200" y="1407856"/>
+            <a:ext cx="10855146" cy="4172812"/>
+          </a:xfrm>
+          <a:prstGeom prst="rect">
+            <a:avLst/>
+          </a:prstGeom>
+        </p:spPr>
+      </p:pic>
+    </p:spTree>
+    <p:extLst>
+      <p:ext uri="{BB962C8B-B14F-4D97-AF65-F5344CB8AC3E}">
+        <p14:creationId xmlns:p14="http://schemas.microsoft.com/office/powerpoint/2010/main" val="3501467645"/>
+      </p:ext>
+    </p:extLst>
+  </p:cSld>
+  <p:clrMapOvr>
+    <a:masterClrMapping/>
+  </p:clrMapOvr>
+</p:sld>
+</file>
+
+<file path=ppt/slides/slide90.xml><?xml version="1.0" encoding="utf-8"?>
 <p:sld xmlns:a="http://schemas.openxmlformats.org/drawingml/2006/main" xmlns:r="http://schemas.openxmlformats.org/officeDocument/2006/relationships" xmlns:p="http://schemas.openxmlformats.org/presentationml/2006/main">
   <p:cSld>
     <p:spTree>
@@ -15549,7 +17139,7 @@
 </p:sld>
 </file>
 
-<file path=ppt/slides/slide83.xml><?xml version="1.0" encoding="utf-8"?>
+<file path=ppt/slides/slide91.xml><?xml version="1.0" encoding="utf-8"?>
 <p:sld xmlns:a="http://schemas.openxmlformats.org/drawingml/2006/main" xmlns:r="http://schemas.openxmlformats.org/officeDocument/2006/relationships" xmlns:p="http://schemas.openxmlformats.org/presentationml/2006/main">
   <p:cSld>
     <p:spTree>
@@ -15676,7 +17266,7 @@
 </p:sld>
 </file>
 
-<file path=ppt/slides/slide9.xml><?xml version="1.0" encoding="utf-8"?>
+<file path=ppt/slides/slide92.xml><?xml version="1.0" encoding="utf-8"?>
 <p:sld xmlns:a="http://schemas.openxmlformats.org/drawingml/2006/main" xmlns:r="http://schemas.openxmlformats.org/officeDocument/2006/relationships" xmlns:p="http://schemas.openxmlformats.org/presentationml/2006/main">
   <p:cSld>
     <p:spTree>
@@ -15695,74 +17285,62 @@
       </p:grpSpPr>
       <p:sp>
         <p:nvSpPr>
-          <p:cNvPr id="7" name="Content Placeholder 6">
-            <a:extLst>
-              <a:ext uri="{FF2B5EF4-FFF2-40B4-BE49-F238E27FC236}">
-                <a16:creationId xmlns:a16="http://schemas.microsoft.com/office/drawing/2014/main" id="{791BF107-FE39-57DF-7001-AD67A1F73CB1}"/>
-              </a:ext>
-            </a:extLst>
-          </p:cNvPr>
-          <p:cNvSpPr>
-            <a:spLocks noGrp="1"/>
-          </p:cNvSpPr>
-          <p:nvPr>
-            <p:ph idx="1"/>
-          </p:nvPr>
-        </p:nvSpPr>
-        <p:spPr>
-          <a:xfrm>
-            <a:off x="838200" y="340659"/>
-            <a:ext cx="10515600" cy="5836304"/>
-          </a:xfrm>
-        </p:spPr>
+          <p:cNvPr id="2" name="Title 1">
+            <a:extLst>
+              <a:ext uri="{FF2B5EF4-FFF2-40B4-BE49-F238E27FC236}">
+                <a16:creationId xmlns:a16="http://schemas.microsoft.com/office/drawing/2014/main" id="{CF9B9346-1319-B66F-CC97-FEB4C82A8051}"/>
+              </a:ext>
+            </a:extLst>
+          </p:cNvPr>
+          <p:cNvSpPr>
+            <a:spLocks noGrp="1"/>
+          </p:cNvSpPr>
+          <p:nvPr>
+            <p:ph type="title"/>
+          </p:nvPr>
+        </p:nvSpPr>
+        <p:spPr/>
         <p:txBody>
           <a:bodyPr/>
           <a:lstStyle/>
           <a:p>
-            <a:r>
-              <a:rPr lang="en-US" dirty="0">
-                <a:hlinkClick r:id="rId2"/>
-              </a:rPr>
-              <a:t>https://github.com/fccsdigitalchina/generative_ai_east_asian_studies/blob/main/Clean_OCR_output/French_names/2_prompt.txt</a:t>
-            </a:r>
-            <a:endParaRPr lang="en-US" dirty="0"/>
-          </a:p>
-        </p:txBody>
-      </p:sp>
-      <p:pic>
-        <p:nvPicPr>
-          <p:cNvPr id="9" name="Picture 8">
-            <a:extLst>
-              <a:ext uri="{FF2B5EF4-FFF2-40B4-BE49-F238E27FC236}">
-                <a16:creationId xmlns:a16="http://schemas.microsoft.com/office/drawing/2014/main" id="{873B58DE-90D0-F101-118A-2C6EEC771E56}"/>
-              </a:ext>
-            </a:extLst>
-          </p:cNvPr>
-          <p:cNvPicPr>
-            <a:picLocks noChangeAspect="1"/>
-          </p:cNvPicPr>
-          <p:nvPr/>
-        </p:nvPicPr>
-        <p:blipFill>
-          <a:blip r:embed="rId3"/>
-          <a:stretch>
-            <a:fillRect/>
-          </a:stretch>
-        </p:blipFill>
-        <p:spPr>
-          <a:xfrm>
-            <a:off x="838200" y="1407856"/>
-            <a:ext cx="10855146" cy="4172812"/>
-          </a:xfrm>
-          <a:prstGeom prst="rect">
-            <a:avLst/>
-          </a:prstGeom>
-        </p:spPr>
-      </p:pic>
+            <a:pPr algn="ctr"/>
+            <a:r>
+              <a:rPr lang="en-US" b="1" dirty="0"/>
+              <a:t>Speeches from Generative AIs</a:t>
+            </a:r>
+          </a:p>
+        </p:txBody>
+      </p:sp>
+      <p:sp>
+        <p:nvSpPr>
+          <p:cNvPr id="4" name="Text Placeholder 3">
+            <a:extLst>
+              <a:ext uri="{FF2B5EF4-FFF2-40B4-BE49-F238E27FC236}">
+                <a16:creationId xmlns:a16="http://schemas.microsoft.com/office/drawing/2014/main" id="{CD4B4C5A-B003-19B8-2CB1-6518FEAD16DF}"/>
+              </a:ext>
+            </a:extLst>
+          </p:cNvPr>
+          <p:cNvSpPr>
+            <a:spLocks noGrp="1"/>
+          </p:cNvSpPr>
+          <p:nvPr>
+            <p:ph type="body" idx="1"/>
+          </p:nvPr>
+        </p:nvSpPr>
+        <p:spPr/>
+        <p:txBody>
+          <a:bodyPr/>
+          <a:lstStyle/>
+          <a:p>
+            <a:endParaRPr lang="en-US"/>
+          </a:p>
+        </p:txBody>
+      </p:sp>
     </p:spTree>
     <p:extLst>
       <p:ext uri="{BB962C8B-B14F-4D97-AF65-F5344CB8AC3E}">
-        <p14:creationId xmlns:p14="http://schemas.microsoft.com/office/powerpoint/2010/main" val="3501467645"/>
+        <p14:creationId xmlns:p14="http://schemas.microsoft.com/office/powerpoint/2010/main" val="129469270"/>
       </p:ext>
     </p:extLst>
   </p:cSld>
